--- a/Documents/Lumo_Stage.pptx
+++ b/Documents/Lumo_Stage.pptx
@@ -18,6 +18,8 @@
     <p:sldId id="274" r:id="rId12"/>
     <p:sldId id="275" r:id="rId13"/>
     <p:sldId id="276" r:id="rId14"/>
+    <p:sldId id="280" r:id="rId15"/>
+    <p:sldId id="281" r:id="rId16"/>
   </p:sldIdLst>
   <p:sldSz cx="12192000" cy="6858000"/>
   <p:notesSz cx="7559675" cy="10691813"/>
@@ -6176,7 +6178,7 @@
         </p:nvSpPr>
         <p:spPr>
           <a:xfrm>
-            <a:off x="5504012" y="5747529"/>
+            <a:off x="5504012" y="5958535"/>
             <a:ext cx="123497" cy="123497"/>
           </a:xfrm>
           <a:prstGeom prst="rect">
@@ -12924,7 +12926,7 @@
           </p:nvSpPr>
           <p:spPr>
             <a:xfrm>
-              <a:off x="7436643" y="5896988"/>
+              <a:off x="7436643" y="6096748"/>
               <a:ext cx="123497" cy="123497"/>
             </a:xfrm>
             <a:prstGeom prst="rect">
@@ -16789,6 +16791,9757 @@
     <p:extLst>
       <p:ext uri="{BB962C8B-B14F-4D97-AF65-F5344CB8AC3E}">
         <p14:creationId xmlns:p14="http://schemas.microsoft.com/office/powerpoint/2010/main" val="1390329840"/>
+      </p:ext>
+    </p:extLst>
+  </p:cSld>
+  <p:clrMapOvr>
+    <a:masterClrMapping/>
+  </p:clrMapOvr>
+</p:sld>
+</file>
+
+<file path=ppt/slides/slide14.xml><?xml version="1.0" encoding="utf-8"?>
+<p:sld xmlns:a="http://schemas.openxmlformats.org/drawingml/2006/main" xmlns:r="http://schemas.openxmlformats.org/officeDocument/2006/relationships" xmlns:p="http://schemas.openxmlformats.org/presentationml/2006/main">
+  <p:cSld>
+    <p:spTree>
+      <p:nvGrpSpPr>
+        <p:cNvPr id="1" name=""/>
+        <p:cNvGrpSpPr/>
+        <p:nvPr/>
+      </p:nvGrpSpPr>
+      <p:grpSpPr>
+        <a:xfrm>
+          <a:off x="0" y="0"/>
+          <a:ext cx="0" cy="0"/>
+          <a:chOff x="0" y="0"/>
+          <a:chExt cx="0" cy="0"/>
+        </a:xfrm>
+      </p:grpSpPr>
+      <p:sp>
+        <p:nvSpPr>
+          <p:cNvPr id="114" name="직사각형 260">
+            <a:extLst>
+              <a:ext uri="{FF2B5EF4-FFF2-40B4-BE49-F238E27FC236}">
+                <a16:creationId xmlns:a16="http://schemas.microsoft.com/office/drawing/2014/main" id="{D6796EC4-6A65-A4EC-2B7D-FC363BC99EB5}"/>
+              </a:ext>
+            </a:extLst>
+          </p:cNvPr>
+          <p:cNvSpPr/>
+          <p:nvPr/>
+        </p:nvSpPr>
+        <p:spPr>
+          <a:xfrm>
+            <a:off x="5458574" y="4060198"/>
+            <a:ext cx="721871" cy="423025"/>
+          </a:xfrm>
+          <a:prstGeom prst="rect">
+            <a:avLst/>
+          </a:prstGeom>
+          <a:solidFill>
+            <a:schemeClr val="bg1">
+              <a:lumMod val="85000"/>
+            </a:schemeClr>
+          </a:solidFill>
+          <a:ln w="12700">
+            <a:solidFill>
+              <a:srgbClr val="000000"/>
+            </a:solidFill>
+          </a:ln>
+        </p:spPr>
+        <p:style>
+          <a:lnRef idx="2">
+            <a:schemeClr val="accent1">
+              <a:shade val="50000"/>
+            </a:schemeClr>
+          </a:lnRef>
+          <a:fillRef idx="1">
+            <a:schemeClr val="accent1"/>
+          </a:fillRef>
+          <a:effectRef idx="0">
+            <a:schemeClr val="accent1"/>
+          </a:effectRef>
+          <a:fontRef idx="minor"/>
+        </p:style>
+      </p:sp>
+      <p:sp>
+        <p:nvSpPr>
+          <p:cNvPr id="123" name="직사각형 260">
+            <a:extLst>
+              <a:ext uri="{FF2B5EF4-FFF2-40B4-BE49-F238E27FC236}">
+                <a16:creationId xmlns:a16="http://schemas.microsoft.com/office/drawing/2014/main" id="{EE54F847-5E53-6BD8-50D8-09034EEB8C60}"/>
+              </a:ext>
+            </a:extLst>
+          </p:cNvPr>
+          <p:cNvSpPr/>
+          <p:nvPr/>
+        </p:nvSpPr>
+        <p:spPr>
+          <a:xfrm>
+            <a:off x="5956918" y="4057094"/>
+            <a:ext cx="239696" cy="426129"/>
+          </a:xfrm>
+          <a:prstGeom prst="rect">
+            <a:avLst/>
+          </a:prstGeom>
+          <a:solidFill>
+            <a:schemeClr val="bg1">
+              <a:lumMod val="50000"/>
+            </a:schemeClr>
+          </a:solidFill>
+          <a:ln w="12700">
+            <a:solidFill>
+              <a:srgbClr val="000000"/>
+            </a:solidFill>
+          </a:ln>
+        </p:spPr>
+        <p:style>
+          <a:lnRef idx="2">
+            <a:schemeClr val="accent1">
+              <a:shade val="50000"/>
+            </a:schemeClr>
+          </a:lnRef>
+          <a:fillRef idx="1">
+            <a:schemeClr val="accent1"/>
+          </a:fillRef>
+          <a:effectRef idx="0">
+            <a:schemeClr val="accent1"/>
+          </a:effectRef>
+          <a:fontRef idx="minor"/>
+        </p:style>
+        <p:txBody>
+          <a:bodyPr/>
+          <a:lstStyle/>
+          <a:p>
+            <a:endParaRPr lang="ko-KR" altLang="en-US" dirty="0"/>
+          </a:p>
+        </p:txBody>
+      </p:sp>
+      <p:sp>
+        <p:nvSpPr>
+          <p:cNvPr id="794" name="직사각형 29"/>
+          <p:cNvSpPr/>
+          <p:nvPr/>
+        </p:nvSpPr>
+        <p:spPr>
+          <a:xfrm>
+            <a:off x="0" y="318600"/>
+            <a:ext cx="1504080" cy="416520"/>
+          </a:xfrm>
+          <a:prstGeom prst="rect">
+            <a:avLst/>
+          </a:prstGeom>
+          <a:solidFill>
+            <a:schemeClr val="tx1">
+              <a:lumMod val="85000"/>
+              <a:lumOff val="15000"/>
+            </a:schemeClr>
+          </a:solidFill>
+          <a:ln>
+            <a:noFill/>
+          </a:ln>
+        </p:spPr>
+        <p:style>
+          <a:lnRef idx="2">
+            <a:schemeClr val="accent1">
+              <a:shade val="50000"/>
+            </a:schemeClr>
+          </a:lnRef>
+          <a:fillRef idx="1">
+            <a:schemeClr val="accent1"/>
+          </a:fillRef>
+          <a:effectRef idx="0">
+            <a:schemeClr val="accent1"/>
+          </a:effectRef>
+          <a:fontRef idx="minor"/>
+        </p:style>
+        <p:txBody>
+          <a:bodyPr lIns="90000" tIns="45000" rIns="90000" bIns="45000" anchor="ctr">
+            <a:noAutofit/>
+          </a:bodyPr>
+          <a:lstStyle/>
+          <a:p>
+            <a:pPr algn="ctr">
+              <a:lnSpc>
+                <a:spcPct val="100000"/>
+              </a:lnSpc>
+              <a:buNone/>
+            </a:pPr>
+            <a:r>
+              <a:rPr lang="en-US" sz="1800" b="0" strike="noStrike" spc="-1" dirty="0">
+                <a:solidFill>
+                  <a:schemeClr val="bg1"/>
+                </a:solidFill>
+                <a:latin typeface="Arial"/>
+              </a:rPr>
+              <a:t>Lumo_S10</a:t>
+            </a:r>
+          </a:p>
+        </p:txBody>
+      </p:sp>
+      <p:sp>
+        <p:nvSpPr>
+          <p:cNvPr id="46" name="직사각형 29">
+            <a:extLst>
+              <a:ext uri="{FF2B5EF4-FFF2-40B4-BE49-F238E27FC236}">
+                <a16:creationId xmlns:a16="http://schemas.microsoft.com/office/drawing/2014/main" id="{91B85975-9B0A-458D-34D5-2407E54D711E}"/>
+              </a:ext>
+            </a:extLst>
+          </p:cNvPr>
+          <p:cNvSpPr/>
+          <p:nvPr/>
+        </p:nvSpPr>
+        <p:spPr>
+          <a:xfrm>
+            <a:off x="1475349" y="325751"/>
+            <a:ext cx="1394226" cy="402218"/>
+          </a:xfrm>
+          <a:prstGeom prst="rect">
+            <a:avLst/>
+          </a:prstGeom>
+          <a:noFill/>
+          <a:ln w="19050">
+            <a:solidFill>
+              <a:schemeClr val="tx1">
+                <a:lumMod val="85000"/>
+                <a:lumOff val="15000"/>
+              </a:schemeClr>
+            </a:solidFill>
+          </a:ln>
+        </p:spPr>
+        <p:style>
+          <a:lnRef idx="2">
+            <a:schemeClr val="accent1">
+              <a:shade val="50000"/>
+            </a:schemeClr>
+          </a:lnRef>
+          <a:fillRef idx="1">
+            <a:schemeClr val="accent1"/>
+          </a:fillRef>
+          <a:effectRef idx="0">
+            <a:schemeClr val="accent1"/>
+          </a:effectRef>
+          <a:fontRef idx="minor"/>
+        </p:style>
+        <p:txBody>
+          <a:bodyPr lIns="90000" tIns="45000" rIns="90000" bIns="45000" anchor="ctr">
+            <a:noAutofit/>
+          </a:bodyPr>
+          <a:lstStyle/>
+          <a:p>
+            <a:pPr algn="ctr">
+              <a:lnSpc>
+                <a:spcPct val="100000"/>
+              </a:lnSpc>
+              <a:buNone/>
+            </a:pPr>
+            <a:r>
+              <a:rPr lang="en-US" sz="1600" b="0" strike="noStrike" spc="-1">
+                <a:latin typeface="Arial"/>
+              </a:rPr>
+              <a:t>Type </a:t>
+            </a:r>
+            <a:r>
+              <a:rPr lang="ko-KR" altLang="en-US" sz="1600" b="0" strike="noStrike" spc="-1" dirty="0">
+                <a:latin typeface="Arial"/>
+              </a:rPr>
+              <a:t>구분</a:t>
+            </a:r>
+            <a:endParaRPr lang="en-US" sz="1600" b="0" strike="noStrike" spc="-1" dirty="0">
+              <a:latin typeface="Arial"/>
+            </a:endParaRPr>
+          </a:p>
+        </p:txBody>
+      </p:sp>
+      <p:grpSp>
+        <p:nvGrpSpPr>
+          <p:cNvPr id="61" name="그룹 60">
+            <a:extLst>
+              <a:ext uri="{FF2B5EF4-FFF2-40B4-BE49-F238E27FC236}">
+                <a16:creationId xmlns:a16="http://schemas.microsoft.com/office/drawing/2014/main" id="{C8A5716A-956E-DF44-6AC5-695436C8F6AF}"/>
+              </a:ext>
+            </a:extLst>
+          </p:cNvPr>
+          <p:cNvGrpSpPr/>
+          <p:nvPr/>
+        </p:nvGrpSpPr>
+        <p:grpSpPr>
+          <a:xfrm>
+            <a:off x="10212764" y="727969"/>
+            <a:ext cx="1349280" cy="1098192"/>
+            <a:chOff x="9775182" y="3965997"/>
+            <a:chExt cx="1349280" cy="1098192"/>
+          </a:xfrm>
+        </p:grpSpPr>
+        <p:sp>
+          <p:nvSpPr>
+            <p:cNvPr id="62" name="직사각형 23">
+              <a:extLst>
+                <a:ext uri="{FF2B5EF4-FFF2-40B4-BE49-F238E27FC236}">
+                  <a16:creationId xmlns:a16="http://schemas.microsoft.com/office/drawing/2014/main" id="{D42C85AB-55B3-928F-565E-D033507B6F33}"/>
+                </a:ext>
+              </a:extLst>
+            </p:cNvPr>
+            <p:cNvSpPr/>
+            <p:nvPr/>
+          </p:nvSpPr>
+          <p:spPr>
+            <a:xfrm>
+              <a:off x="10665462" y="3965997"/>
+              <a:ext cx="459000" cy="459000"/>
+            </a:xfrm>
+            <a:prstGeom prst="rect">
+              <a:avLst/>
+            </a:prstGeom>
+            <a:solidFill>
+              <a:schemeClr val="bg1">
+                <a:lumMod val="50000"/>
+              </a:schemeClr>
+            </a:solidFill>
+            <a:ln w="12700">
+              <a:solidFill>
+                <a:srgbClr val="000000"/>
+              </a:solidFill>
+            </a:ln>
+          </p:spPr>
+          <p:style>
+            <a:lnRef idx="2">
+              <a:schemeClr val="accent1">
+                <a:shade val="50000"/>
+              </a:schemeClr>
+            </a:lnRef>
+            <a:fillRef idx="1">
+              <a:schemeClr val="accent1"/>
+            </a:fillRef>
+            <a:effectRef idx="0">
+              <a:schemeClr val="accent1"/>
+            </a:effectRef>
+            <a:fontRef idx="minor"/>
+          </p:style>
+        </p:sp>
+        <p:sp>
+          <p:nvSpPr>
+            <p:cNvPr id="81" name="TextBox 12">
+              <a:extLst>
+                <a:ext uri="{FF2B5EF4-FFF2-40B4-BE49-F238E27FC236}">
+                  <a16:creationId xmlns:a16="http://schemas.microsoft.com/office/drawing/2014/main" id="{1E1DBEEF-B3F2-F5CF-BB49-9F15306F1256}"/>
+                </a:ext>
+              </a:extLst>
+            </p:cNvPr>
+            <p:cNvSpPr/>
+            <p:nvPr/>
+          </p:nvSpPr>
+          <p:spPr>
+            <a:xfrm>
+              <a:off x="9775182" y="4042335"/>
+              <a:ext cx="977040" cy="337100"/>
+            </a:xfrm>
+            <a:prstGeom prst="rect">
+              <a:avLst/>
+            </a:prstGeom>
+            <a:noFill/>
+            <a:ln w="0">
+              <a:noFill/>
+            </a:ln>
+          </p:spPr>
+          <p:style>
+            <a:lnRef idx="0">
+              <a:scrgbClr r="0" g="0" b="0"/>
+            </a:lnRef>
+            <a:fillRef idx="0">
+              <a:scrgbClr r="0" g="0" b="0"/>
+            </a:fillRef>
+            <a:effectRef idx="0">
+              <a:scrgbClr r="0" g="0" b="0"/>
+            </a:effectRef>
+            <a:fontRef idx="minor"/>
+          </p:style>
+          <p:txBody>
+            <a:bodyPr wrap="square" lIns="90000" tIns="45000" rIns="90000" bIns="45000" anchor="t">
+              <a:spAutoFit/>
+            </a:bodyPr>
+            <a:lstStyle/>
+            <a:p>
+              <a:pPr>
+                <a:lnSpc>
+                  <a:spcPct val="100000"/>
+                </a:lnSpc>
+                <a:buNone/>
+              </a:pPr>
+              <a:r>
+                <a:rPr lang="en-US" sz="1600" b="1" strike="noStrike" spc="-1" dirty="0">
+                  <a:solidFill>
+                    <a:srgbClr val="000000"/>
+                  </a:solidFill>
+                  <a:latin typeface="맑은 고딕"/>
+                </a:rPr>
+                <a:t>A t</a:t>
+              </a:r>
+              <a:r>
+                <a:rPr lang="en-US" sz="1600" b="1" spc="-1" dirty="0">
+                  <a:solidFill>
+                    <a:srgbClr val="000000"/>
+                  </a:solidFill>
+                  <a:latin typeface="맑은 고딕"/>
+                </a:rPr>
+                <a:t>ype</a:t>
+              </a:r>
+              <a:endParaRPr lang="en-US" sz="1600" b="0" strike="noStrike" spc="-1" dirty="0">
+                <a:latin typeface="Arial"/>
+              </a:endParaRPr>
+            </a:p>
+          </p:txBody>
+        </p:sp>
+        <p:sp>
+          <p:nvSpPr>
+            <p:cNvPr id="83" name="직사각형 23">
+              <a:extLst>
+                <a:ext uri="{FF2B5EF4-FFF2-40B4-BE49-F238E27FC236}">
+                  <a16:creationId xmlns:a16="http://schemas.microsoft.com/office/drawing/2014/main" id="{D624A324-E50B-77B3-38D9-C621E9812299}"/>
+                </a:ext>
+              </a:extLst>
+            </p:cNvPr>
+            <p:cNvSpPr/>
+            <p:nvPr/>
+          </p:nvSpPr>
+          <p:spPr>
+            <a:xfrm>
+              <a:off x="10665462" y="4605189"/>
+              <a:ext cx="459000" cy="459000"/>
+            </a:xfrm>
+            <a:prstGeom prst="rect">
+              <a:avLst/>
+            </a:prstGeom>
+            <a:solidFill>
+              <a:schemeClr val="bg1">
+                <a:lumMod val="85000"/>
+              </a:schemeClr>
+            </a:solidFill>
+            <a:ln w="12700">
+              <a:solidFill>
+                <a:srgbClr val="000000"/>
+              </a:solidFill>
+            </a:ln>
+          </p:spPr>
+          <p:style>
+            <a:lnRef idx="2">
+              <a:schemeClr val="accent1">
+                <a:shade val="50000"/>
+              </a:schemeClr>
+            </a:lnRef>
+            <a:fillRef idx="1">
+              <a:schemeClr val="accent1"/>
+            </a:fillRef>
+            <a:effectRef idx="0">
+              <a:schemeClr val="accent1"/>
+            </a:effectRef>
+            <a:fontRef idx="minor"/>
+          </p:style>
+        </p:sp>
+        <p:sp>
+          <p:nvSpPr>
+            <p:cNvPr id="84" name="TextBox 12">
+              <a:extLst>
+                <a:ext uri="{FF2B5EF4-FFF2-40B4-BE49-F238E27FC236}">
+                  <a16:creationId xmlns:a16="http://schemas.microsoft.com/office/drawing/2014/main" id="{9C44693C-B481-61A8-32B2-1401BF3D537D}"/>
+                </a:ext>
+              </a:extLst>
+            </p:cNvPr>
+            <p:cNvSpPr/>
+            <p:nvPr/>
+          </p:nvSpPr>
+          <p:spPr>
+            <a:xfrm>
+              <a:off x="9775182" y="4681527"/>
+              <a:ext cx="977040" cy="337100"/>
+            </a:xfrm>
+            <a:prstGeom prst="rect">
+              <a:avLst/>
+            </a:prstGeom>
+            <a:noFill/>
+            <a:ln w="0">
+              <a:noFill/>
+            </a:ln>
+          </p:spPr>
+          <p:style>
+            <a:lnRef idx="0">
+              <a:scrgbClr r="0" g="0" b="0"/>
+            </a:lnRef>
+            <a:fillRef idx="0">
+              <a:scrgbClr r="0" g="0" b="0"/>
+            </a:fillRef>
+            <a:effectRef idx="0">
+              <a:scrgbClr r="0" g="0" b="0"/>
+            </a:effectRef>
+            <a:fontRef idx="minor"/>
+          </p:style>
+          <p:txBody>
+            <a:bodyPr wrap="square" lIns="90000" tIns="45000" rIns="90000" bIns="45000" anchor="t">
+              <a:spAutoFit/>
+            </a:bodyPr>
+            <a:lstStyle/>
+            <a:p>
+              <a:pPr>
+                <a:lnSpc>
+                  <a:spcPct val="100000"/>
+                </a:lnSpc>
+                <a:buNone/>
+              </a:pPr>
+              <a:r>
+                <a:rPr lang="en-US" sz="1600" b="1" spc="-1" dirty="0">
+                  <a:solidFill>
+                    <a:srgbClr val="000000"/>
+                  </a:solidFill>
+                  <a:latin typeface="맑은 고딕"/>
+                </a:rPr>
+                <a:t>B</a:t>
+              </a:r>
+              <a:r>
+                <a:rPr lang="en-US" sz="1600" b="1" strike="noStrike" spc="-1" dirty="0">
+                  <a:solidFill>
+                    <a:srgbClr val="000000"/>
+                  </a:solidFill>
+                  <a:latin typeface="맑은 고딕"/>
+                </a:rPr>
+                <a:t> t</a:t>
+              </a:r>
+              <a:r>
+                <a:rPr lang="en-US" sz="1600" b="1" spc="-1" dirty="0">
+                  <a:solidFill>
+                    <a:srgbClr val="000000"/>
+                  </a:solidFill>
+                  <a:latin typeface="맑은 고딕"/>
+                </a:rPr>
+                <a:t>ype</a:t>
+              </a:r>
+              <a:endParaRPr lang="en-US" sz="1600" b="0" strike="noStrike" spc="-1" dirty="0">
+                <a:latin typeface="Arial"/>
+              </a:endParaRPr>
+            </a:p>
+          </p:txBody>
+        </p:sp>
+      </p:grpSp>
+      <p:sp>
+        <p:nvSpPr>
+          <p:cNvPr id="94" name="직사각형 260">
+            <a:extLst>
+              <a:ext uri="{FF2B5EF4-FFF2-40B4-BE49-F238E27FC236}">
+                <a16:creationId xmlns:a16="http://schemas.microsoft.com/office/drawing/2014/main" id="{9EC5956C-851E-777D-1F15-142D0379871F}"/>
+              </a:ext>
+            </a:extLst>
+          </p:cNvPr>
+          <p:cNvSpPr/>
+          <p:nvPr/>
+        </p:nvSpPr>
+        <p:spPr>
+          <a:xfrm>
+            <a:off x="6208826" y="2650311"/>
+            <a:ext cx="3710292" cy="3249262"/>
+          </a:xfrm>
+          <a:prstGeom prst="rect">
+            <a:avLst/>
+          </a:prstGeom>
+          <a:solidFill>
+            <a:schemeClr val="bg1">
+              <a:lumMod val="85000"/>
+            </a:schemeClr>
+          </a:solidFill>
+          <a:ln w="12700">
+            <a:solidFill>
+              <a:srgbClr val="000000"/>
+            </a:solidFill>
+          </a:ln>
+        </p:spPr>
+        <p:style>
+          <a:lnRef idx="2">
+            <a:schemeClr val="accent1">
+              <a:shade val="50000"/>
+            </a:schemeClr>
+          </a:lnRef>
+          <a:fillRef idx="1">
+            <a:schemeClr val="accent1"/>
+          </a:fillRef>
+          <a:effectRef idx="0">
+            <a:schemeClr val="accent1"/>
+          </a:effectRef>
+          <a:fontRef idx="minor"/>
+        </p:style>
+      </p:sp>
+      <p:sp>
+        <p:nvSpPr>
+          <p:cNvPr id="86" name="직사각형 85">
+            <a:extLst>
+              <a:ext uri="{FF2B5EF4-FFF2-40B4-BE49-F238E27FC236}">
+                <a16:creationId xmlns:a16="http://schemas.microsoft.com/office/drawing/2014/main" id="{2EEFE058-4199-2C56-8D88-FAD6CC2ACB2D}"/>
+              </a:ext>
+            </a:extLst>
+          </p:cNvPr>
+          <p:cNvSpPr/>
+          <p:nvPr/>
+        </p:nvSpPr>
+        <p:spPr>
+          <a:xfrm>
+            <a:off x="6150207" y="4205772"/>
+            <a:ext cx="28609" cy="120913"/>
+          </a:xfrm>
+          <a:prstGeom prst="rect">
+            <a:avLst/>
+          </a:prstGeom>
+          <a:solidFill>
+            <a:srgbClr val="9966FF"/>
+          </a:solidFill>
+          <a:ln w="12700">
+            <a:solidFill>
+              <a:srgbClr val="000000"/>
+            </a:solidFill>
+          </a:ln>
+        </p:spPr>
+        <p:style>
+          <a:lnRef idx="2">
+            <a:schemeClr val="accent1">
+              <a:shade val="50000"/>
+            </a:schemeClr>
+          </a:lnRef>
+          <a:fillRef idx="1">
+            <a:schemeClr val="accent1"/>
+          </a:fillRef>
+          <a:effectRef idx="0">
+            <a:schemeClr val="accent1"/>
+          </a:effectRef>
+          <a:fontRef idx="minor"/>
+        </p:style>
+        <p:txBody>
+          <a:bodyPr rtlCol="0" anchor="ctr"/>
+          <a:lstStyle/>
+          <a:p>
+            <a:pPr algn="ctr"/>
+            <a:endParaRPr lang="ko-KR" altLang="en-US">
+              <a:solidFill>
+                <a:schemeClr val="tx1"/>
+              </a:solidFill>
+            </a:endParaRPr>
+          </a:p>
+        </p:txBody>
+      </p:sp>
+      <p:sp>
+        <p:nvSpPr>
+          <p:cNvPr id="93" name="직사각형 92">
+            <a:extLst>
+              <a:ext uri="{FF2B5EF4-FFF2-40B4-BE49-F238E27FC236}">
+                <a16:creationId xmlns:a16="http://schemas.microsoft.com/office/drawing/2014/main" id="{E30B25B6-4A3B-46CE-6CFF-B35DF7971520}"/>
+              </a:ext>
+            </a:extLst>
+          </p:cNvPr>
+          <p:cNvSpPr/>
+          <p:nvPr/>
+        </p:nvSpPr>
+        <p:spPr>
+          <a:xfrm>
+            <a:off x="6178255" y="4058994"/>
+            <a:ext cx="30570" cy="431895"/>
+          </a:xfrm>
+          <a:prstGeom prst="rect">
+            <a:avLst/>
+          </a:prstGeom>
+          <a:solidFill>
+            <a:srgbClr val="9966FF"/>
+          </a:solidFill>
+          <a:ln w="12700">
+            <a:solidFill>
+              <a:srgbClr val="000000"/>
+            </a:solidFill>
+          </a:ln>
+        </p:spPr>
+        <p:style>
+          <a:lnRef idx="2">
+            <a:schemeClr val="accent1">
+              <a:shade val="50000"/>
+            </a:schemeClr>
+          </a:lnRef>
+          <a:fillRef idx="1">
+            <a:schemeClr val="accent1"/>
+          </a:fillRef>
+          <a:effectRef idx="0">
+            <a:schemeClr val="accent1"/>
+          </a:effectRef>
+          <a:fontRef idx="minor"/>
+        </p:style>
+        <p:txBody>
+          <a:bodyPr rtlCol="0" anchor="ctr"/>
+          <a:lstStyle/>
+          <a:p>
+            <a:pPr algn="ctr"/>
+            <a:endParaRPr lang="ko-KR" altLang="en-US">
+              <a:solidFill>
+                <a:schemeClr val="tx1"/>
+              </a:solidFill>
+            </a:endParaRPr>
+          </a:p>
+        </p:txBody>
+      </p:sp>
+      <p:sp>
+        <p:nvSpPr>
+          <p:cNvPr id="96" name="직사각형 260">
+            <a:extLst>
+              <a:ext uri="{FF2B5EF4-FFF2-40B4-BE49-F238E27FC236}">
+                <a16:creationId xmlns:a16="http://schemas.microsoft.com/office/drawing/2014/main" id="{808FA587-8495-A1F3-D853-84E02909E4DA}"/>
+              </a:ext>
+            </a:extLst>
+          </p:cNvPr>
+          <p:cNvSpPr/>
+          <p:nvPr/>
+        </p:nvSpPr>
+        <p:spPr>
+          <a:xfrm>
+            <a:off x="6929355" y="2652634"/>
+            <a:ext cx="431622" cy="430694"/>
+          </a:xfrm>
+          <a:prstGeom prst="rect">
+            <a:avLst/>
+          </a:prstGeom>
+          <a:solidFill>
+            <a:schemeClr val="bg1">
+              <a:lumMod val="85000"/>
+            </a:schemeClr>
+          </a:solidFill>
+          <a:ln w="12700">
+            <a:solidFill>
+              <a:srgbClr val="000000"/>
+            </a:solidFill>
+          </a:ln>
+        </p:spPr>
+        <p:style>
+          <a:lnRef idx="2">
+            <a:schemeClr val="accent1">
+              <a:shade val="50000"/>
+            </a:schemeClr>
+          </a:lnRef>
+          <a:fillRef idx="1">
+            <a:schemeClr val="accent1"/>
+          </a:fillRef>
+          <a:effectRef idx="0">
+            <a:schemeClr val="accent1"/>
+          </a:effectRef>
+          <a:fontRef idx="minor"/>
+        </p:style>
+      </p:sp>
+      <p:sp>
+        <p:nvSpPr>
+          <p:cNvPr id="97" name="직사각형 260">
+            <a:extLst>
+              <a:ext uri="{FF2B5EF4-FFF2-40B4-BE49-F238E27FC236}">
+                <a16:creationId xmlns:a16="http://schemas.microsoft.com/office/drawing/2014/main" id="{6C3B44AC-DFC5-23B3-20FD-26A7E43990A9}"/>
+              </a:ext>
+            </a:extLst>
+          </p:cNvPr>
+          <p:cNvSpPr/>
+          <p:nvPr/>
+        </p:nvSpPr>
+        <p:spPr>
+          <a:xfrm>
+            <a:off x="7360978" y="2650311"/>
+            <a:ext cx="431622" cy="893260"/>
+          </a:xfrm>
+          <a:prstGeom prst="rect">
+            <a:avLst/>
+          </a:prstGeom>
+          <a:solidFill>
+            <a:schemeClr val="bg1">
+              <a:lumMod val="85000"/>
+            </a:schemeClr>
+          </a:solidFill>
+          <a:ln w="12700">
+            <a:solidFill>
+              <a:srgbClr val="000000"/>
+            </a:solidFill>
+          </a:ln>
+        </p:spPr>
+        <p:style>
+          <a:lnRef idx="2">
+            <a:schemeClr val="accent1">
+              <a:shade val="50000"/>
+            </a:schemeClr>
+          </a:lnRef>
+          <a:fillRef idx="1">
+            <a:schemeClr val="accent1"/>
+          </a:fillRef>
+          <a:effectRef idx="0">
+            <a:schemeClr val="accent1"/>
+          </a:effectRef>
+          <a:fontRef idx="minor"/>
+        </p:style>
+      </p:sp>
+      <p:sp>
+        <p:nvSpPr>
+          <p:cNvPr id="98" name="직사각형 260">
+            <a:extLst>
+              <a:ext uri="{FF2B5EF4-FFF2-40B4-BE49-F238E27FC236}">
+                <a16:creationId xmlns:a16="http://schemas.microsoft.com/office/drawing/2014/main" id="{62B9CACA-0415-FF62-079E-5D4EB945E2F3}"/>
+              </a:ext>
+            </a:extLst>
+          </p:cNvPr>
+          <p:cNvSpPr/>
+          <p:nvPr/>
+        </p:nvSpPr>
+        <p:spPr>
+          <a:xfrm>
+            <a:off x="8053258" y="2650312"/>
+            <a:ext cx="431622" cy="430694"/>
+          </a:xfrm>
+          <a:prstGeom prst="rect">
+            <a:avLst/>
+          </a:prstGeom>
+          <a:solidFill>
+            <a:schemeClr val="bg1">
+              <a:lumMod val="85000"/>
+            </a:schemeClr>
+          </a:solidFill>
+          <a:ln w="12700">
+            <a:solidFill>
+              <a:srgbClr val="000000"/>
+            </a:solidFill>
+          </a:ln>
+        </p:spPr>
+        <p:style>
+          <a:lnRef idx="2">
+            <a:schemeClr val="accent1">
+              <a:shade val="50000"/>
+            </a:schemeClr>
+          </a:lnRef>
+          <a:fillRef idx="1">
+            <a:schemeClr val="accent1"/>
+          </a:fillRef>
+          <a:effectRef idx="0">
+            <a:schemeClr val="accent1"/>
+          </a:effectRef>
+          <a:fontRef idx="minor"/>
+        </p:style>
+      </p:sp>
+      <p:sp>
+        <p:nvSpPr>
+          <p:cNvPr id="100" name="직사각형 260">
+            <a:extLst>
+              <a:ext uri="{FF2B5EF4-FFF2-40B4-BE49-F238E27FC236}">
+                <a16:creationId xmlns:a16="http://schemas.microsoft.com/office/drawing/2014/main" id="{D9B9D14D-1723-AAA6-D976-95B1348F2DEE}"/>
+              </a:ext>
+            </a:extLst>
+          </p:cNvPr>
+          <p:cNvSpPr/>
+          <p:nvPr/>
+        </p:nvSpPr>
+        <p:spPr>
+          <a:xfrm>
+            <a:off x="8745538" y="2650312"/>
+            <a:ext cx="431622" cy="430694"/>
+          </a:xfrm>
+          <a:prstGeom prst="rect">
+            <a:avLst/>
+          </a:prstGeom>
+          <a:solidFill>
+            <a:schemeClr val="bg1">
+              <a:lumMod val="50000"/>
+            </a:schemeClr>
+          </a:solidFill>
+          <a:ln w="12700">
+            <a:solidFill>
+              <a:srgbClr val="000000"/>
+            </a:solidFill>
+          </a:ln>
+        </p:spPr>
+        <p:style>
+          <a:lnRef idx="2">
+            <a:schemeClr val="accent1">
+              <a:shade val="50000"/>
+            </a:schemeClr>
+          </a:lnRef>
+          <a:fillRef idx="1">
+            <a:schemeClr val="accent1"/>
+          </a:fillRef>
+          <a:effectRef idx="0">
+            <a:schemeClr val="accent1"/>
+          </a:effectRef>
+          <a:fontRef idx="minor"/>
+        </p:style>
+      </p:sp>
+      <p:sp>
+        <p:nvSpPr>
+          <p:cNvPr id="106" name="직사각형 260">
+            <a:extLst>
+              <a:ext uri="{FF2B5EF4-FFF2-40B4-BE49-F238E27FC236}">
+                <a16:creationId xmlns:a16="http://schemas.microsoft.com/office/drawing/2014/main" id="{858C56AD-9223-546C-C293-05C86C0BB8C7}"/>
+              </a:ext>
+            </a:extLst>
+          </p:cNvPr>
+          <p:cNvSpPr/>
+          <p:nvPr/>
+        </p:nvSpPr>
+        <p:spPr>
+          <a:xfrm>
+            <a:off x="7621715" y="5471998"/>
+            <a:ext cx="431622" cy="430694"/>
+          </a:xfrm>
+          <a:prstGeom prst="rect">
+            <a:avLst/>
+          </a:prstGeom>
+          <a:solidFill>
+            <a:schemeClr val="bg1">
+              <a:lumMod val="85000"/>
+            </a:schemeClr>
+          </a:solidFill>
+          <a:ln w="12700">
+            <a:solidFill>
+              <a:srgbClr val="000000"/>
+            </a:solidFill>
+          </a:ln>
+        </p:spPr>
+        <p:style>
+          <a:lnRef idx="2">
+            <a:schemeClr val="accent1">
+              <a:shade val="50000"/>
+            </a:schemeClr>
+          </a:lnRef>
+          <a:fillRef idx="1">
+            <a:schemeClr val="accent1"/>
+          </a:fillRef>
+          <a:effectRef idx="0">
+            <a:schemeClr val="accent1"/>
+          </a:effectRef>
+          <a:fontRef idx="minor"/>
+        </p:style>
+      </p:sp>
+      <p:sp>
+        <p:nvSpPr>
+          <p:cNvPr id="107" name="직사각형 260">
+            <a:extLst>
+              <a:ext uri="{FF2B5EF4-FFF2-40B4-BE49-F238E27FC236}">
+                <a16:creationId xmlns:a16="http://schemas.microsoft.com/office/drawing/2014/main" id="{8D1E143E-DBA1-22F2-0D5C-B63BF8EE3598}"/>
+              </a:ext>
+            </a:extLst>
+          </p:cNvPr>
+          <p:cNvSpPr/>
+          <p:nvPr/>
+        </p:nvSpPr>
+        <p:spPr>
+          <a:xfrm>
+            <a:off x="8313915" y="5471998"/>
+            <a:ext cx="431622" cy="430694"/>
+          </a:xfrm>
+          <a:prstGeom prst="rect">
+            <a:avLst/>
+          </a:prstGeom>
+          <a:solidFill>
+            <a:schemeClr val="bg1">
+              <a:lumMod val="85000"/>
+            </a:schemeClr>
+          </a:solidFill>
+          <a:ln w="12700">
+            <a:solidFill>
+              <a:srgbClr val="000000"/>
+            </a:solidFill>
+          </a:ln>
+        </p:spPr>
+        <p:style>
+          <a:lnRef idx="2">
+            <a:schemeClr val="accent1">
+              <a:shade val="50000"/>
+            </a:schemeClr>
+          </a:lnRef>
+          <a:fillRef idx="1">
+            <a:schemeClr val="accent1"/>
+          </a:fillRef>
+          <a:effectRef idx="0">
+            <a:schemeClr val="accent1"/>
+          </a:effectRef>
+          <a:fontRef idx="minor"/>
+        </p:style>
+      </p:sp>
+      <p:sp>
+        <p:nvSpPr>
+          <p:cNvPr id="118" name="직사각형 260">
+            <a:extLst>
+              <a:ext uri="{FF2B5EF4-FFF2-40B4-BE49-F238E27FC236}">
+                <a16:creationId xmlns:a16="http://schemas.microsoft.com/office/drawing/2014/main" id="{CCDA31EE-C91B-456E-6360-77075135548E}"/>
+              </a:ext>
+            </a:extLst>
+          </p:cNvPr>
+          <p:cNvSpPr/>
+          <p:nvPr/>
+        </p:nvSpPr>
+        <p:spPr>
+          <a:xfrm>
+            <a:off x="7360978" y="3928885"/>
+            <a:ext cx="702994" cy="690913"/>
+          </a:xfrm>
+          <a:prstGeom prst="rect">
+            <a:avLst/>
+          </a:prstGeom>
+          <a:solidFill>
+            <a:schemeClr val="bg1">
+              <a:lumMod val="50000"/>
+            </a:schemeClr>
+          </a:solidFill>
+          <a:ln w="12700">
+            <a:solidFill>
+              <a:srgbClr val="000000"/>
+            </a:solidFill>
+          </a:ln>
+        </p:spPr>
+        <p:style>
+          <a:lnRef idx="2">
+            <a:schemeClr val="accent1">
+              <a:shade val="50000"/>
+            </a:schemeClr>
+          </a:lnRef>
+          <a:fillRef idx="1">
+            <a:schemeClr val="accent1"/>
+          </a:fillRef>
+          <a:effectRef idx="0">
+            <a:schemeClr val="accent1"/>
+          </a:effectRef>
+          <a:fontRef idx="minor"/>
+        </p:style>
+      </p:sp>
+      <p:sp>
+        <p:nvSpPr>
+          <p:cNvPr id="119" name="직사각형 260">
+            <a:extLst>
+              <a:ext uri="{FF2B5EF4-FFF2-40B4-BE49-F238E27FC236}">
+                <a16:creationId xmlns:a16="http://schemas.microsoft.com/office/drawing/2014/main" id="{16E11921-661D-74F3-7E97-E3027D9856B3}"/>
+              </a:ext>
+            </a:extLst>
+          </p:cNvPr>
+          <p:cNvSpPr/>
+          <p:nvPr/>
+        </p:nvSpPr>
+        <p:spPr>
+          <a:xfrm>
+            <a:off x="8063971" y="3928885"/>
+            <a:ext cx="681567" cy="690913"/>
+          </a:xfrm>
+          <a:prstGeom prst="rect">
+            <a:avLst/>
+          </a:prstGeom>
+          <a:solidFill>
+            <a:schemeClr val="bg1">
+              <a:lumMod val="50000"/>
+            </a:schemeClr>
+          </a:solidFill>
+          <a:ln w="12700">
+            <a:solidFill>
+              <a:srgbClr val="000000"/>
+            </a:solidFill>
+          </a:ln>
+        </p:spPr>
+        <p:style>
+          <a:lnRef idx="2">
+            <a:schemeClr val="accent1">
+              <a:shade val="50000"/>
+            </a:schemeClr>
+          </a:lnRef>
+          <a:fillRef idx="1">
+            <a:schemeClr val="accent1"/>
+          </a:fillRef>
+          <a:effectRef idx="0">
+            <a:schemeClr val="accent1"/>
+          </a:effectRef>
+          <a:fontRef idx="minor"/>
+        </p:style>
+      </p:sp>
+      <p:cxnSp>
+        <p:nvCxnSpPr>
+          <p:cNvPr id="4" name="직선 화살표 연결선 3">
+            <a:extLst>
+              <a:ext uri="{FF2B5EF4-FFF2-40B4-BE49-F238E27FC236}">
+                <a16:creationId xmlns:a16="http://schemas.microsoft.com/office/drawing/2014/main" id="{7F22D00E-291B-5D1E-2C09-D06928424460}"/>
+              </a:ext>
+            </a:extLst>
+          </p:cNvPr>
+          <p:cNvCxnSpPr>
+            <a:cxnSpLocks/>
+          </p:cNvCxnSpPr>
+          <p:nvPr/>
+        </p:nvCxnSpPr>
+        <p:spPr>
+          <a:xfrm>
+            <a:off x="6208826" y="2702216"/>
+            <a:ext cx="3710292" cy="0"/>
+          </a:xfrm>
+          <a:prstGeom prst="straightConnector1">
+            <a:avLst/>
+          </a:prstGeom>
+          <a:ln>
+            <a:solidFill>
+              <a:schemeClr val="bg1"/>
+            </a:solidFill>
+            <a:headEnd type="arrow" w="med" len="med"/>
+            <a:tailEnd type="arrow" w="med" len="med"/>
+          </a:ln>
+          <a:effectLst>
+            <a:glow rad="101600">
+              <a:srgbClr val="FF7C80">
+                <a:alpha val="40000"/>
+              </a:srgbClr>
+            </a:glow>
+          </a:effectLst>
+        </p:spPr>
+        <p:style>
+          <a:lnRef idx="1">
+            <a:schemeClr val="accent1"/>
+          </a:lnRef>
+          <a:fillRef idx="0">
+            <a:schemeClr val="accent1"/>
+          </a:fillRef>
+          <a:effectRef idx="0">
+            <a:schemeClr val="accent1"/>
+          </a:effectRef>
+          <a:fontRef idx="minor">
+            <a:schemeClr val="tx1"/>
+          </a:fontRef>
+        </p:style>
+      </p:cxnSp>
+      <p:cxnSp>
+        <p:nvCxnSpPr>
+          <p:cNvPr id="95" name="직선 화살표 연결선 94">
+            <a:extLst>
+              <a:ext uri="{FF2B5EF4-FFF2-40B4-BE49-F238E27FC236}">
+                <a16:creationId xmlns:a16="http://schemas.microsoft.com/office/drawing/2014/main" id="{F4A7119E-AC49-3C8D-B506-603B67FC301B}"/>
+              </a:ext>
+            </a:extLst>
+          </p:cNvPr>
+          <p:cNvCxnSpPr>
+            <a:cxnSpLocks/>
+          </p:cNvCxnSpPr>
+          <p:nvPr/>
+        </p:nvCxnSpPr>
+        <p:spPr>
+          <a:xfrm>
+            <a:off x="6208826" y="5852406"/>
+            <a:ext cx="3710292" cy="0"/>
+          </a:xfrm>
+          <a:prstGeom prst="straightConnector1">
+            <a:avLst/>
+          </a:prstGeom>
+          <a:ln>
+            <a:solidFill>
+              <a:schemeClr val="bg1"/>
+            </a:solidFill>
+            <a:headEnd type="arrow" w="med" len="med"/>
+            <a:tailEnd type="arrow" w="med" len="med"/>
+          </a:ln>
+          <a:effectLst>
+            <a:glow rad="101600">
+              <a:schemeClr val="accent4">
+                <a:alpha val="40000"/>
+              </a:schemeClr>
+            </a:glow>
+          </a:effectLst>
+        </p:spPr>
+        <p:style>
+          <a:lnRef idx="1">
+            <a:schemeClr val="accent1"/>
+          </a:lnRef>
+          <a:fillRef idx="0">
+            <a:schemeClr val="accent1"/>
+          </a:fillRef>
+          <a:effectRef idx="0">
+            <a:schemeClr val="accent1"/>
+          </a:effectRef>
+          <a:fontRef idx="minor">
+            <a:schemeClr val="tx1"/>
+          </a:fontRef>
+        </p:style>
+      </p:cxnSp>
+      <p:sp>
+        <p:nvSpPr>
+          <p:cNvPr id="105" name="직사각형 260">
+            <a:extLst>
+              <a:ext uri="{FF2B5EF4-FFF2-40B4-BE49-F238E27FC236}">
+                <a16:creationId xmlns:a16="http://schemas.microsoft.com/office/drawing/2014/main" id="{452241C8-6A16-F37F-07A9-8F408A6AF0B4}"/>
+              </a:ext>
+            </a:extLst>
+          </p:cNvPr>
+          <p:cNvSpPr/>
+          <p:nvPr/>
+        </p:nvSpPr>
+        <p:spPr>
+          <a:xfrm>
+            <a:off x="6929355" y="5471998"/>
+            <a:ext cx="431622" cy="430694"/>
+          </a:xfrm>
+          <a:prstGeom prst="rect">
+            <a:avLst/>
+          </a:prstGeom>
+          <a:solidFill>
+            <a:schemeClr val="bg1">
+              <a:lumMod val="50000"/>
+            </a:schemeClr>
+          </a:solidFill>
+          <a:ln w="12700">
+            <a:solidFill>
+              <a:srgbClr val="000000"/>
+            </a:solidFill>
+          </a:ln>
+        </p:spPr>
+        <p:style>
+          <a:lnRef idx="2">
+            <a:schemeClr val="accent1">
+              <a:shade val="50000"/>
+            </a:schemeClr>
+          </a:lnRef>
+          <a:fillRef idx="1">
+            <a:schemeClr val="accent1"/>
+          </a:fillRef>
+          <a:effectRef idx="0">
+            <a:schemeClr val="accent1"/>
+          </a:effectRef>
+          <a:fontRef idx="minor"/>
+        </p:style>
+      </p:sp>
+      <p:sp>
+        <p:nvSpPr>
+          <p:cNvPr id="108" name="직사각형 260">
+            <a:extLst>
+              <a:ext uri="{FF2B5EF4-FFF2-40B4-BE49-F238E27FC236}">
+                <a16:creationId xmlns:a16="http://schemas.microsoft.com/office/drawing/2014/main" id="{B40435BA-F8A2-2A87-9B0F-D7D2D12610CE}"/>
+              </a:ext>
+            </a:extLst>
+          </p:cNvPr>
+          <p:cNvSpPr/>
+          <p:nvPr/>
+        </p:nvSpPr>
+        <p:spPr>
+          <a:xfrm>
+            <a:off x="8745538" y="5471998"/>
+            <a:ext cx="431622" cy="430694"/>
+          </a:xfrm>
+          <a:prstGeom prst="rect">
+            <a:avLst/>
+          </a:prstGeom>
+          <a:solidFill>
+            <a:schemeClr val="bg1">
+              <a:lumMod val="85000"/>
+            </a:schemeClr>
+          </a:solidFill>
+          <a:ln w="12700">
+            <a:solidFill>
+              <a:srgbClr val="000000"/>
+            </a:solidFill>
+          </a:ln>
+        </p:spPr>
+        <p:style>
+          <a:lnRef idx="2">
+            <a:schemeClr val="accent1">
+              <a:shade val="50000"/>
+            </a:schemeClr>
+          </a:lnRef>
+          <a:fillRef idx="1">
+            <a:schemeClr val="accent1"/>
+          </a:fillRef>
+          <a:effectRef idx="0">
+            <a:schemeClr val="accent1"/>
+          </a:effectRef>
+          <a:fontRef idx="minor"/>
+        </p:style>
+      </p:sp>
+      <p:cxnSp>
+        <p:nvCxnSpPr>
+          <p:cNvPr id="12" name="직선 화살표 연결선 11">
+            <a:extLst>
+              <a:ext uri="{FF2B5EF4-FFF2-40B4-BE49-F238E27FC236}">
+                <a16:creationId xmlns:a16="http://schemas.microsoft.com/office/drawing/2014/main" id="{9A2EAF21-A0BE-FC79-ABBA-44666C5BBA47}"/>
+              </a:ext>
+            </a:extLst>
+          </p:cNvPr>
+          <p:cNvCxnSpPr>
+            <a:cxnSpLocks/>
+          </p:cNvCxnSpPr>
+          <p:nvPr/>
+        </p:nvCxnSpPr>
+        <p:spPr>
+          <a:xfrm flipV="1">
+            <a:off x="10117231" y="2645960"/>
+            <a:ext cx="0" cy="3249262"/>
+          </a:xfrm>
+          <a:prstGeom prst="straightConnector1">
+            <a:avLst/>
+          </a:prstGeom>
+          <a:ln w="19050">
+            <a:solidFill>
+              <a:schemeClr val="accent4"/>
+            </a:solidFill>
+            <a:headEnd type="arrow" w="med" len="med"/>
+            <a:tailEnd type="arrow" w="med" len="med"/>
+          </a:ln>
+        </p:spPr>
+        <p:style>
+          <a:lnRef idx="1">
+            <a:schemeClr val="accent1"/>
+          </a:lnRef>
+          <a:fillRef idx="0">
+            <a:schemeClr val="accent1"/>
+          </a:fillRef>
+          <a:effectRef idx="0">
+            <a:schemeClr val="accent1"/>
+          </a:effectRef>
+          <a:fontRef idx="minor">
+            <a:schemeClr val="tx1"/>
+          </a:fontRef>
+        </p:style>
+      </p:cxnSp>
+      <p:cxnSp>
+        <p:nvCxnSpPr>
+          <p:cNvPr id="122" name="직선 화살표 연결선 121">
+            <a:extLst>
+              <a:ext uri="{FF2B5EF4-FFF2-40B4-BE49-F238E27FC236}">
+                <a16:creationId xmlns:a16="http://schemas.microsoft.com/office/drawing/2014/main" id="{52D1B66E-7873-17E4-3F34-88C46B1C8289}"/>
+              </a:ext>
+            </a:extLst>
+          </p:cNvPr>
+          <p:cNvCxnSpPr>
+            <a:cxnSpLocks/>
+          </p:cNvCxnSpPr>
+          <p:nvPr/>
+        </p:nvCxnSpPr>
+        <p:spPr>
+          <a:xfrm flipV="1">
+            <a:off x="10024002" y="2645960"/>
+            <a:ext cx="0" cy="3249262"/>
+          </a:xfrm>
+          <a:prstGeom prst="straightConnector1">
+            <a:avLst/>
+          </a:prstGeom>
+          <a:ln w="19050">
+            <a:solidFill>
+              <a:srgbClr val="FF7C80"/>
+            </a:solidFill>
+            <a:headEnd type="arrow" w="med" len="med"/>
+            <a:tailEnd type="arrow" w="med" len="med"/>
+          </a:ln>
+        </p:spPr>
+        <p:style>
+          <a:lnRef idx="1">
+            <a:schemeClr val="accent1"/>
+          </a:lnRef>
+          <a:fillRef idx="0">
+            <a:schemeClr val="accent1"/>
+          </a:fillRef>
+          <a:effectRef idx="0">
+            <a:schemeClr val="accent1"/>
+          </a:effectRef>
+          <a:fontRef idx="minor">
+            <a:schemeClr val="tx1"/>
+          </a:fontRef>
+        </p:style>
+      </p:cxnSp>
+      <p:sp>
+        <p:nvSpPr>
+          <p:cNvPr id="120" name="직사각형 260">
+            <a:extLst>
+              <a:ext uri="{FF2B5EF4-FFF2-40B4-BE49-F238E27FC236}">
+                <a16:creationId xmlns:a16="http://schemas.microsoft.com/office/drawing/2014/main" id="{7A06B221-7C9F-8468-1841-25BED1E3A4D6}"/>
+              </a:ext>
+            </a:extLst>
+          </p:cNvPr>
+          <p:cNvSpPr/>
+          <p:nvPr/>
+        </p:nvSpPr>
+        <p:spPr>
+          <a:xfrm>
+            <a:off x="9919117" y="4060198"/>
+            <a:ext cx="617391" cy="430693"/>
+          </a:xfrm>
+          <a:prstGeom prst="rect">
+            <a:avLst/>
+          </a:prstGeom>
+          <a:solidFill>
+            <a:schemeClr val="bg1">
+              <a:lumMod val="85000"/>
+            </a:schemeClr>
+          </a:solidFill>
+          <a:ln w="12700">
+            <a:solidFill>
+              <a:srgbClr val="000000"/>
+            </a:solidFill>
+          </a:ln>
+        </p:spPr>
+        <p:style>
+          <a:lnRef idx="2">
+            <a:schemeClr val="accent1">
+              <a:shade val="50000"/>
+            </a:schemeClr>
+          </a:lnRef>
+          <a:fillRef idx="1">
+            <a:schemeClr val="accent1"/>
+          </a:fillRef>
+          <a:effectRef idx="0">
+            <a:schemeClr val="accent1"/>
+          </a:effectRef>
+          <a:fontRef idx="minor"/>
+        </p:style>
+      </p:sp>
+      <p:cxnSp>
+        <p:nvCxnSpPr>
+          <p:cNvPr id="125" name="직선 화살표 연결선 124">
+            <a:extLst>
+              <a:ext uri="{FF2B5EF4-FFF2-40B4-BE49-F238E27FC236}">
+                <a16:creationId xmlns:a16="http://schemas.microsoft.com/office/drawing/2014/main" id="{C5D12559-DE88-E14A-B61F-80023D8B550B}"/>
+              </a:ext>
+            </a:extLst>
+          </p:cNvPr>
+          <p:cNvCxnSpPr>
+            <a:cxnSpLocks/>
+          </p:cNvCxnSpPr>
+          <p:nvPr/>
+        </p:nvCxnSpPr>
+        <p:spPr>
+          <a:xfrm>
+            <a:off x="10641651" y="4270591"/>
+            <a:ext cx="203941" cy="0"/>
+          </a:xfrm>
+          <a:prstGeom prst="straightConnector1">
+            <a:avLst/>
+          </a:prstGeom>
+          <a:ln w="19050">
+            <a:solidFill>
+              <a:srgbClr val="3366FF"/>
+            </a:solidFill>
+            <a:headEnd type="none" w="med" len="med"/>
+            <a:tailEnd type="arrow" w="med" len="med"/>
+          </a:ln>
+          <a:effectLst/>
+        </p:spPr>
+        <p:style>
+          <a:lnRef idx="1">
+            <a:schemeClr val="accent1"/>
+          </a:lnRef>
+          <a:fillRef idx="0">
+            <a:schemeClr val="accent1"/>
+          </a:fillRef>
+          <a:effectRef idx="0">
+            <a:schemeClr val="accent1"/>
+          </a:effectRef>
+          <a:fontRef idx="minor">
+            <a:schemeClr val="tx1"/>
+          </a:fontRef>
+        </p:style>
+      </p:cxnSp>
+      <p:sp>
+        <p:nvSpPr>
+          <p:cNvPr id="17" name="직사각형 16">
+            <a:extLst>
+              <a:ext uri="{FF2B5EF4-FFF2-40B4-BE49-F238E27FC236}">
+                <a16:creationId xmlns:a16="http://schemas.microsoft.com/office/drawing/2014/main" id="{2F53067D-D14C-FED7-8B0E-38A92D80B2F4}"/>
+              </a:ext>
+            </a:extLst>
+          </p:cNvPr>
+          <p:cNvSpPr/>
+          <p:nvPr/>
+        </p:nvSpPr>
+        <p:spPr>
+          <a:xfrm>
+            <a:off x="10536509" y="4173697"/>
+            <a:ext cx="41044" cy="193787"/>
+          </a:xfrm>
+          <a:prstGeom prst="rect">
+            <a:avLst/>
+          </a:prstGeom>
+          <a:solidFill>
+            <a:srgbClr val="6699FF"/>
+          </a:solidFill>
+          <a:ln w="12700">
+            <a:solidFill>
+              <a:srgbClr val="000000"/>
+            </a:solidFill>
+          </a:ln>
+        </p:spPr>
+        <p:style>
+          <a:lnRef idx="2">
+            <a:schemeClr val="accent1">
+              <a:shade val="50000"/>
+            </a:schemeClr>
+          </a:lnRef>
+          <a:fillRef idx="1">
+            <a:schemeClr val="accent1"/>
+          </a:fillRef>
+          <a:effectRef idx="0">
+            <a:schemeClr val="accent1"/>
+          </a:effectRef>
+          <a:fontRef idx="minor"/>
+        </p:style>
+        <p:txBody>
+          <a:bodyPr rtlCol="0" anchor="ctr"/>
+          <a:lstStyle/>
+          <a:p>
+            <a:pPr algn="ctr"/>
+            <a:endParaRPr lang="ko-KR" altLang="en-US">
+              <a:solidFill>
+                <a:schemeClr val="tx1"/>
+              </a:solidFill>
+            </a:endParaRPr>
+          </a:p>
+        </p:txBody>
+      </p:sp>
+      <p:sp>
+        <p:nvSpPr>
+          <p:cNvPr id="20" name="타원 19">
+            <a:extLst>
+              <a:ext uri="{FF2B5EF4-FFF2-40B4-BE49-F238E27FC236}">
+                <a16:creationId xmlns:a16="http://schemas.microsoft.com/office/drawing/2014/main" id="{565E6DC3-90B6-4752-8C26-ED5BA3BE3600}"/>
+              </a:ext>
+            </a:extLst>
+          </p:cNvPr>
+          <p:cNvSpPr/>
+          <p:nvPr/>
+        </p:nvSpPr>
+        <p:spPr>
+          <a:xfrm>
+            <a:off x="7092725" y="2806279"/>
+            <a:ext cx="104883" cy="104883"/>
+          </a:xfrm>
+          <a:prstGeom prst="ellipse">
+            <a:avLst/>
+          </a:prstGeom>
+          <a:solidFill>
+            <a:srgbClr val="6699FF"/>
+          </a:solidFill>
+          <a:ln w="12700">
+            <a:solidFill>
+              <a:srgbClr val="000000"/>
+            </a:solidFill>
+          </a:ln>
+        </p:spPr>
+        <p:style>
+          <a:lnRef idx="2">
+            <a:schemeClr val="accent1">
+              <a:shade val="50000"/>
+            </a:schemeClr>
+          </a:lnRef>
+          <a:fillRef idx="1">
+            <a:schemeClr val="accent1"/>
+          </a:fillRef>
+          <a:effectRef idx="0">
+            <a:schemeClr val="accent1"/>
+          </a:effectRef>
+          <a:fontRef idx="minor"/>
+        </p:style>
+        <p:txBody>
+          <a:bodyPr rtlCol="0" anchor="ctr"/>
+          <a:lstStyle/>
+          <a:p>
+            <a:pPr algn="ctr"/>
+            <a:endParaRPr lang="ko-KR" altLang="en-US">
+              <a:solidFill>
+                <a:schemeClr val="tx1"/>
+              </a:solidFill>
+            </a:endParaRPr>
+          </a:p>
+        </p:txBody>
+      </p:sp>
+      <p:sp>
+        <p:nvSpPr>
+          <p:cNvPr id="126" name="타원 125">
+            <a:extLst>
+              <a:ext uri="{FF2B5EF4-FFF2-40B4-BE49-F238E27FC236}">
+                <a16:creationId xmlns:a16="http://schemas.microsoft.com/office/drawing/2014/main" id="{6C1A82AC-5C5D-E703-703B-5E5DFD66E661}"/>
+              </a:ext>
+            </a:extLst>
+          </p:cNvPr>
+          <p:cNvSpPr/>
+          <p:nvPr/>
+        </p:nvSpPr>
+        <p:spPr>
+          <a:xfrm>
+            <a:off x="8908907" y="5634903"/>
+            <a:ext cx="104883" cy="104883"/>
+          </a:xfrm>
+          <a:prstGeom prst="ellipse">
+            <a:avLst/>
+          </a:prstGeom>
+          <a:solidFill>
+            <a:srgbClr val="6699FF"/>
+          </a:solidFill>
+          <a:ln w="12700">
+            <a:solidFill>
+              <a:srgbClr val="000000"/>
+            </a:solidFill>
+          </a:ln>
+        </p:spPr>
+        <p:style>
+          <a:lnRef idx="2">
+            <a:schemeClr val="accent1">
+              <a:shade val="50000"/>
+            </a:schemeClr>
+          </a:lnRef>
+          <a:fillRef idx="1">
+            <a:schemeClr val="accent1"/>
+          </a:fillRef>
+          <a:effectRef idx="0">
+            <a:schemeClr val="accent1"/>
+          </a:effectRef>
+          <a:fontRef idx="minor"/>
+        </p:style>
+        <p:txBody>
+          <a:bodyPr rtlCol="0" anchor="ctr"/>
+          <a:lstStyle/>
+          <a:p>
+            <a:pPr algn="ctr"/>
+            <a:endParaRPr lang="ko-KR" altLang="en-US">
+              <a:solidFill>
+                <a:schemeClr val="tx1"/>
+              </a:solidFill>
+            </a:endParaRPr>
+          </a:p>
+        </p:txBody>
+      </p:sp>
+      <p:cxnSp>
+        <p:nvCxnSpPr>
+          <p:cNvPr id="127" name="직선 연결선 126">
+            <a:extLst>
+              <a:ext uri="{FF2B5EF4-FFF2-40B4-BE49-F238E27FC236}">
+                <a16:creationId xmlns:a16="http://schemas.microsoft.com/office/drawing/2014/main" id="{240B77E4-C4A0-7024-CB9B-5F060C0531EF}"/>
+              </a:ext>
+            </a:extLst>
+          </p:cNvPr>
+          <p:cNvCxnSpPr>
+            <a:cxnSpLocks/>
+          </p:cNvCxnSpPr>
+          <p:nvPr/>
+        </p:nvCxnSpPr>
+        <p:spPr>
+          <a:xfrm>
+            <a:off x="7360978" y="3919149"/>
+            <a:ext cx="0" cy="700649"/>
+          </a:xfrm>
+          <a:prstGeom prst="line">
+            <a:avLst/>
+          </a:prstGeom>
+          <a:ln w="57150">
+            <a:solidFill>
+              <a:srgbClr val="33CCCC"/>
+            </a:solidFill>
+          </a:ln>
+        </p:spPr>
+        <p:style>
+          <a:lnRef idx="1">
+            <a:schemeClr val="accent1"/>
+          </a:lnRef>
+          <a:fillRef idx="0">
+            <a:schemeClr val="accent1"/>
+          </a:fillRef>
+          <a:effectRef idx="0">
+            <a:schemeClr val="accent1"/>
+          </a:effectRef>
+          <a:fontRef idx="minor">
+            <a:schemeClr val="tx1"/>
+          </a:fontRef>
+        </p:style>
+      </p:cxnSp>
+      <p:sp>
+        <p:nvSpPr>
+          <p:cNvPr id="36" name="직사각형 260">
+            <a:extLst>
+              <a:ext uri="{FF2B5EF4-FFF2-40B4-BE49-F238E27FC236}">
+                <a16:creationId xmlns:a16="http://schemas.microsoft.com/office/drawing/2014/main" id="{95D35CB4-6E5C-D0C5-83DA-A7188DB30440}"/>
+              </a:ext>
+            </a:extLst>
+          </p:cNvPr>
+          <p:cNvSpPr/>
+          <p:nvPr/>
+        </p:nvSpPr>
+        <p:spPr>
+          <a:xfrm>
+            <a:off x="2609738" y="3314584"/>
+            <a:ext cx="2845838" cy="1906598"/>
+          </a:xfrm>
+          <a:prstGeom prst="rect">
+            <a:avLst/>
+          </a:prstGeom>
+          <a:solidFill>
+            <a:schemeClr val="bg1">
+              <a:lumMod val="85000"/>
+            </a:schemeClr>
+          </a:solidFill>
+          <a:ln w="12700">
+            <a:solidFill>
+              <a:srgbClr val="000000"/>
+            </a:solidFill>
+          </a:ln>
+        </p:spPr>
+        <p:style>
+          <a:lnRef idx="2">
+            <a:schemeClr val="accent1">
+              <a:shade val="50000"/>
+            </a:schemeClr>
+          </a:lnRef>
+          <a:fillRef idx="1">
+            <a:schemeClr val="accent1"/>
+          </a:fillRef>
+          <a:effectRef idx="0">
+            <a:schemeClr val="accent1"/>
+          </a:effectRef>
+          <a:fontRef idx="minor"/>
+        </p:style>
+      </p:sp>
+      <p:sp>
+        <p:nvSpPr>
+          <p:cNvPr id="37" name="직사각형 260">
+            <a:extLst>
+              <a:ext uri="{FF2B5EF4-FFF2-40B4-BE49-F238E27FC236}">
+                <a16:creationId xmlns:a16="http://schemas.microsoft.com/office/drawing/2014/main" id="{069C5934-ABB8-4AD5-5069-42DCBADF9D60}"/>
+              </a:ext>
+            </a:extLst>
+          </p:cNvPr>
+          <p:cNvSpPr/>
+          <p:nvPr/>
+        </p:nvSpPr>
+        <p:spPr>
+          <a:xfrm>
+            <a:off x="998355" y="3956706"/>
+            <a:ext cx="1597249" cy="622354"/>
+          </a:xfrm>
+          <a:prstGeom prst="rect">
+            <a:avLst/>
+          </a:prstGeom>
+          <a:solidFill>
+            <a:schemeClr val="bg1">
+              <a:lumMod val="85000"/>
+            </a:schemeClr>
+          </a:solidFill>
+          <a:ln w="12700">
+            <a:solidFill>
+              <a:srgbClr val="000000"/>
+            </a:solidFill>
+          </a:ln>
+        </p:spPr>
+        <p:style>
+          <a:lnRef idx="2">
+            <a:schemeClr val="accent1">
+              <a:shade val="50000"/>
+            </a:schemeClr>
+          </a:lnRef>
+          <a:fillRef idx="1">
+            <a:schemeClr val="accent1"/>
+          </a:fillRef>
+          <a:effectRef idx="0">
+            <a:schemeClr val="accent1"/>
+          </a:effectRef>
+          <a:fontRef idx="minor"/>
+        </p:style>
+      </p:sp>
+      <p:sp>
+        <p:nvSpPr>
+          <p:cNvPr id="38" name="직사각형 37">
+            <a:extLst>
+              <a:ext uri="{FF2B5EF4-FFF2-40B4-BE49-F238E27FC236}">
+                <a16:creationId xmlns:a16="http://schemas.microsoft.com/office/drawing/2014/main" id="{1AB1110D-CC31-8152-811E-65C913FE72FD}"/>
+              </a:ext>
+            </a:extLst>
+          </p:cNvPr>
+          <p:cNvSpPr/>
+          <p:nvPr/>
+        </p:nvSpPr>
+        <p:spPr>
+          <a:xfrm>
+            <a:off x="1895197" y="3920494"/>
+            <a:ext cx="214891" cy="36652"/>
+          </a:xfrm>
+          <a:prstGeom prst="rect">
+            <a:avLst/>
+          </a:prstGeom>
+          <a:solidFill>
+            <a:schemeClr val="bg1">
+              <a:lumMod val="85000"/>
+            </a:schemeClr>
+          </a:solidFill>
+          <a:ln w="12700">
+            <a:solidFill>
+              <a:srgbClr val="000000"/>
+            </a:solidFill>
+          </a:ln>
+        </p:spPr>
+        <p:style>
+          <a:lnRef idx="2">
+            <a:schemeClr val="accent1">
+              <a:shade val="50000"/>
+            </a:schemeClr>
+          </a:lnRef>
+          <a:fillRef idx="1">
+            <a:schemeClr val="accent1"/>
+          </a:fillRef>
+          <a:effectRef idx="0">
+            <a:schemeClr val="accent1"/>
+          </a:effectRef>
+          <a:fontRef idx="minor"/>
+        </p:style>
+        <p:txBody>
+          <a:bodyPr rtlCol="0" anchor="ctr"/>
+          <a:lstStyle/>
+          <a:p>
+            <a:pPr algn="ctr"/>
+            <a:endParaRPr lang="ko-KR" altLang="en-US"/>
+          </a:p>
+        </p:txBody>
+      </p:sp>
+      <p:cxnSp>
+        <p:nvCxnSpPr>
+          <p:cNvPr id="39" name="직선 연결선 38">
+            <a:extLst>
+              <a:ext uri="{FF2B5EF4-FFF2-40B4-BE49-F238E27FC236}">
+                <a16:creationId xmlns:a16="http://schemas.microsoft.com/office/drawing/2014/main" id="{E123491D-9A1C-D5EF-4841-ADCDB4BBDB63}"/>
+              </a:ext>
+            </a:extLst>
+          </p:cNvPr>
+          <p:cNvCxnSpPr/>
+          <p:nvPr/>
+        </p:nvCxnSpPr>
+        <p:spPr>
+          <a:xfrm>
+            <a:off x="1423815" y="3952434"/>
+            <a:ext cx="0" cy="622354"/>
+          </a:xfrm>
+          <a:prstGeom prst="line">
+            <a:avLst/>
+          </a:prstGeom>
+          <a:ln w="57150">
+            <a:solidFill>
+              <a:srgbClr val="33CCCC"/>
+            </a:solidFill>
+          </a:ln>
+        </p:spPr>
+        <p:style>
+          <a:lnRef idx="1">
+            <a:schemeClr val="accent1"/>
+          </a:lnRef>
+          <a:fillRef idx="0">
+            <a:schemeClr val="accent1"/>
+          </a:fillRef>
+          <a:effectRef idx="0">
+            <a:schemeClr val="accent1"/>
+          </a:effectRef>
+          <a:fontRef idx="minor">
+            <a:schemeClr val="tx1"/>
+          </a:fontRef>
+        </p:style>
+      </p:cxnSp>
+      <p:sp>
+        <p:nvSpPr>
+          <p:cNvPr id="40" name="직사각형 39">
+            <a:extLst>
+              <a:ext uri="{FF2B5EF4-FFF2-40B4-BE49-F238E27FC236}">
+                <a16:creationId xmlns:a16="http://schemas.microsoft.com/office/drawing/2014/main" id="{DEA81C5C-C816-DFEC-6915-072E4880B248}"/>
+              </a:ext>
+            </a:extLst>
+          </p:cNvPr>
+          <p:cNvSpPr/>
+          <p:nvPr/>
+        </p:nvSpPr>
+        <p:spPr>
+          <a:xfrm>
+            <a:off x="1423815" y="4203872"/>
+            <a:ext cx="28270" cy="119477"/>
+          </a:xfrm>
+          <a:prstGeom prst="rect">
+            <a:avLst/>
+          </a:prstGeom>
+          <a:solidFill>
+            <a:schemeClr val="accent4"/>
+          </a:solidFill>
+          <a:ln w="12700">
+            <a:solidFill>
+              <a:srgbClr val="000000"/>
+            </a:solidFill>
+          </a:ln>
+        </p:spPr>
+        <p:style>
+          <a:lnRef idx="2">
+            <a:schemeClr val="accent1">
+              <a:shade val="50000"/>
+            </a:schemeClr>
+          </a:lnRef>
+          <a:fillRef idx="1">
+            <a:schemeClr val="accent1"/>
+          </a:fillRef>
+          <a:effectRef idx="0">
+            <a:schemeClr val="accent1"/>
+          </a:effectRef>
+          <a:fontRef idx="minor"/>
+        </p:style>
+        <p:txBody>
+          <a:bodyPr rtlCol="0" anchor="ctr"/>
+          <a:lstStyle/>
+          <a:p>
+            <a:pPr algn="ctr"/>
+            <a:endParaRPr lang="ko-KR" altLang="en-US">
+              <a:solidFill>
+                <a:schemeClr val="tx1"/>
+              </a:solidFill>
+            </a:endParaRPr>
+          </a:p>
+        </p:txBody>
+      </p:sp>
+      <p:cxnSp>
+        <p:nvCxnSpPr>
+          <p:cNvPr id="41" name="직선 화살표 연결선 40">
+            <a:extLst>
+              <a:ext uri="{FF2B5EF4-FFF2-40B4-BE49-F238E27FC236}">
+                <a16:creationId xmlns:a16="http://schemas.microsoft.com/office/drawing/2014/main" id="{EF655D0B-57C2-D396-C0C2-4C1B1B1579C5}"/>
+              </a:ext>
+            </a:extLst>
+          </p:cNvPr>
+          <p:cNvCxnSpPr>
+            <a:cxnSpLocks/>
+          </p:cNvCxnSpPr>
+          <p:nvPr/>
+        </p:nvCxnSpPr>
+        <p:spPr>
+          <a:xfrm>
+            <a:off x="1039399" y="3268617"/>
+            <a:ext cx="562312" cy="0"/>
+          </a:xfrm>
+          <a:prstGeom prst="straightConnector1">
+            <a:avLst/>
+          </a:prstGeom>
+          <a:ln w="19050">
+            <a:solidFill>
+              <a:srgbClr val="FF0066"/>
+            </a:solidFill>
+            <a:headEnd type="none" w="med" len="med"/>
+            <a:tailEnd type="arrow" w="med" len="med"/>
+          </a:ln>
+          <a:effectLst/>
+        </p:spPr>
+        <p:style>
+          <a:lnRef idx="1">
+            <a:schemeClr val="accent1"/>
+          </a:lnRef>
+          <a:fillRef idx="0">
+            <a:schemeClr val="accent1"/>
+          </a:fillRef>
+          <a:effectRef idx="0">
+            <a:schemeClr val="accent1"/>
+          </a:effectRef>
+          <a:fontRef idx="minor">
+            <a:schemeClr val="tx1"/>
+          </a:fontRef>
+        </p:style>
+      </p:cxnSp>
+      <p:cxnSp>
+        <p:nvCxnSpPr>
+          <p:cNvPr id="42" name="직선 화살표 연결선 41">
+            <a:extLst>
+              <a:ext uri="{FF2B5EF4-FFF2-40B4-BE49-F238E27FC236}">
+                <a16:creationId xmlns:a16="http://schemas.microsoft.com/office/drawing/2014/main" id="{F77B7A3C-A062-3359-89B8-2D4BBA14570A}"/>
+              </a:ext>
+            </a:extLst>
+          </p:cNvPr>
+          <p:cNvCxnSpPr>
+            <a:cxnSpLocks/>
+          </p:cNvCxnSpPr>
+          <p:nvPr/>
+        </p:nvCxnSpPr>
+        <p:spPr>
+          <a:xfrm>
+            <a:off x="2002643" y="3692694"/>
+            <a:ext cx="0" cy="161034"/>
+          </a:xfrm>
+          <a:prstGeom prst="straightConnector1">
+            <a:avLst/>
+          </a:prstGeom>
+          <a:ln w="19050">
+            <a:solidFill>
+              <a:schemeClr val="bg1">
+                <a:lumMod val="75000"/>
+              </a:schemeClr>
+            </a:solidFill>
+            <a:headEnd type="none" w="med" len="med"/>
+            <a:tailEnd type="arrow" w="med" len="med"/>
+          </a:ln>
+          <a:effectLst/>
+        </p:spPr>
+        <p:style>
+          <a:lnRef idx="1">
+            <a:schemeClr val="accent1"/>
+          </a:lnRef>
+          <a:fillRef idx="0">
+            <a:schemeClr val="accent1"/>
+          </a:fillRef>
+          <a:effectRef idx="0">
+            <a:schemeClr val="accent1"/>
+          </a:effectRef>
+          <a:fontRef idx="minor">
+            <a:schemeClr val="tx1"/>
+          </a:fontRef>
+        </p:style>
+      </p:cxnSp>
+      <p:sp>
+        <p:nvSpPr>
+          <p:cNvPr id="43" name="직사각형 42">
+            <a:extLst>
+              <a:ext uri="{FF2B5EF4-FFF2-40B4-BE49-F238E27FC236}">
+                <a16:creationId xmlns:a16="http://schemas.microsoft.com/office/drawing/2014/main" id="{B980EDA5-D70F-02A7-3BF5-A4EDF75DBD58}"/>
+              </a:ext>
+            </a:extLst>
+          </p:cNvPr>
+          <p:cNvSpPr/>
+          <p:nvPr/>
+        </p:nvSpPr>
+        <p:spPr>
+          <a:xfrm flipH="1">
+            <a:off x="2594912" y="4237563"/>
+            <a:ext cx="29652" cy="339467"/>
+          </a:xfrm>
+          <a:prstGeom prst="rect">
+            <a:avLst/>
+          </a:prstGeom>
+          <a:solidFill>
+            <a:schemeClr val="accent4"/>
+          </a:solidFill>
+          <a:ln w="12700">
+            <a:solidFill>
+              <a:srgbClr val="000000"/>
+            </a:solidFill>
+          </a:ln>
+        </p:spPr>
+        <p:style>
+          <a:lnRef idx="2">
+            <a:schemeClr val="accent1">
+              <a:shade val="50000"/>
+            </a:schemeClr>
+          </a:lnRef>
+          <a:fillRef idx="1">
+            <a:schemeClr val="accent1"/>
+          </a:fillRef>
+          <a:effectRef idx="0">
+            <a:schemeClr val="accent1"/>
+          </a:effectRef>
+          <a:fontRef idx="minor"/>
+        </p:style>
+        <p:txBody>
+          <a:bodyPr rtlCol="0" anchor="ctr"/>
+          <a:lstStyle/>
+          <a:p>
+            <a:pPr algn="ctr"/>
+            <a:endParaRPr lang="ko-KR" altLang="en-US">
+              <a:solidFill>
+                <a:schemeClr val="tx1"/>
+              </a:solidFill>
+            </a:endParaRPr>
+          </a:p>
+        </p:txBody>
+      </p:sp>
+      <p:sp>
+        <p:nvSpPr>
+          <p:cNvPr id="44" name="직사각형 43">
+            <a:extLst>
+              <a:ext uri="{FF2B5EF4-FFF2-40B4-BE49-F238E27FC236}">
+                <a16:creationId xmlns:a16="http://schemas.microsoft.com/office/drawing/2014/main" id="{D440EA7C-1EDA-1574-E4CD-62C0A764A417}"/>
+              </a:ext>
+            </a:extLst>
+          </p:cNvPr>
+          <p:cNvSpPr/>
+          <p:nvPr/>
+        </p:nvSpPr>
+        <p:spPr>
+          <a:xfrm>
+            <a:off x="2595604" y="3935161"/>
+            <a:ext cx="28266" cy="336352"/>
+          </a:xfrm>
+          <a:prstGeom prst="rect">
+            <a:avLst/>
+          </a:prstGeom>
+          <a:solidFill>
+            <a:schemeClr val="accent4"/>
+          </a:solidFill>
+          <a:ln w="12700">
+            <a:solidFill>
+              <a:srgbClr val="000000"/>
+            </a:solidFill>
+          </a:ln>
+        </p:spPr>
+        <p:style>
+          <a:lnRef idx="2">
+            <a:schemeClr val="accent1">
+              <a:shade val="50000"/>
+            </a:schemeClr>
+          </a:lnRef>
+          <a:fillRef idx="1">
+            <a:schemeClr val="accent1"/>
+          </a:fillRef>
+          <a:effectRef idx="0">
+            <a:schemeClr val="accent1"/>
+          </a:effectRef>
+          <a:fontRef idx="minor"/>
+        </p:style>
+        <p:txBody>
+          <a:bodyPr rtlCol="0" anchor="ctr"/>
+          <a:lstStyle/>
+          <a:p>
+            <a:pPr algn="ctr"/>
+            <a:endParaRPr lang="ko-KR" altLang="en-US">
+              <a:solidFill>
+                <a:schemeClr val="tx1"/>
+              </a:solidFill>
+            </a:endParaRPr>
+          </a:p>
+        </p:txBody>
+      </p:sp>
+      <p:sp>
+        <p:nvSpPr>
+          <p:cNvPr id="45" name="직사각형 260">
+            <a:extLst>
+              <a:ext uri="{FF2B5EF4-FFF2-40B4-BE49-F238E27FC236}">
+                <a16:creationId xmlns:a16="http://schemas.microsoft.com/office/drawing/2014/main" id="{53B4E934-E8F2-8BB7-969D-4BAE9E492634}"/>
+              </a:ext>
+            </a:extLst>
+          </p:cNvPr>
+          <p:cNvSpPr/>
+          <p:nvPr/>
+        </p:nvSpPr>
+        <p:spPr>
+          <a:xfrm>
+            <a:off x="3237082" y="3316468"/>
+            <a:ext cx="426497" cy="425580"/>
+          </a:xfrm>
+          <a:prstGeom prst="rect">
+            <a:avLst/>
+          </a:prstGeom>
+          <a:solidFill>
+            <a:schemeClr val="bg1">
+              <a:lumMod val="50000"/>
+            </a:schemeClr>
+          </a:solidFill>
+          <a:ln w="12700">
+            <a:solidFill>
+              <a:srgbClr val="000000"/>
+            </a:solidFill>
+          </a:ln>
+        </p:spPr>
+        <p:style>
+          <a:lnRef idx="2">
+            <a:schemeClr val="accent1">
+              <a:shade val="50000"/>
+            </a:schemeClr>
+          </a:lnRef>
+          <a:fillRef idx="1">
+            <a:schemeClr val="accent1"/>
+          </a:fillRef>
+          <a:effectRef idx="0">
+            <a:schemeClr val="accent1"/>
+          </a:effectRef>
+          <a:fontRef idx="minor"/>
+        </p:style>
+      </p:sp>
+      <p:sp>
+        <p:nvSpPr>
+          <p:cNvPr id="47" name="직사각형 260">
+            <a:extLst>
+              <a:ext uri="{FF2B5EF4-FFF2-40B4-BE49-F238E27FC236}">
+                <a16:creationId xmlns:a16="http://schemas.microsoft.com/office/drawing/2014/main" id="{DAE4E150-901B-3154-2C14-173BBB3B9017}"/>
+              </a:ext>
+            </a:extLst>
+          </p:cNvPr>
+          <p:cNvSpPr/>
+          <p:nvPr/>
+        </p:nvSpPr>
+        <p:spPr>
+          <a:xfrm>
+            <a:off x="3663578" y="4795602"/>
+            <a:ext cx="426497" cy="425580"/>
+          </a:xfrm>
+          <a:prstGeom prst="rect">
+            <a:avLst/>
+          </a:prstGeom>
+          <a:solidFill>
+            <a:schemeClr val="bg1">
+              <a:lumMod val="50000"/>
+            </a:schemeClr>
+          </a:solidFill>
+          <a:ln w="12700">
+            <a:solidFill>
+              <a:srgbClr val="000000"/>
+            </a:solidFill>
+          </a:ln>
+        </p:spPr>
+        <p:style>
+          <a:lnRef idx="2">
+            <a:schemeClr val="accent1">
+              <a:shade val="50000"/>
+            </a:schemeClr>
+          </a:lnRef>
+          <a:fillRef idx="1">
+            <a:schemeClr val="accent1"/>
+          </a:fillRef>
+          <a:effectRef idx="0">
+            <a:schemeClr val="accent1"/>
+          </a:effectRef>
+          <a:fontRef idx="minor"/>
+        </p:style>
+      </p:sp>
+      <p:grpSp>
+        <p:nvGrpSpPr>
+          <p:cNvPr id="48" name="그룹 47">
+            <a:extLst>
+              <a:ext uri="{FF2B5EF4-FFF2-40B4-BE49-F238E27FC236}">
+                <a16:creationId xmlns:a16="http://schemas.microsoft.com/office/drawing/2014/main" id="{F7ED1CB9-B4FC-43C6-9501-2D2365C172A4}"/>
+              </a:ext>
+            </a:extLst>
+          </p:cNvPr>
+          <p:cNvGrpSpPr/>
+          <p:nvPr/>
+        </p:nvGrpSpPr>
+        <p:grpSpPr>
+          <a:xfrm>
+            <a:off x="1039399" y="3351573"/>
+            <a:ext cx="29629" cy="1838329"/>
+            <a:chOff x="1173094" y="3197399"/>
+            <a:chExt cx="45685" cy="2834482"/>
+          </a:xfrm>
+        </p:grpSpPr>
+        <p:sp>
+          <p:nvSpPr>
+            <p:cNvPr id="49" name="타원 48">
+              <a:extLst>
+                <a:ext uri="{FF2B5EF4-FFF2-40B4-BE49-F238E27FC236}">
+                  <a16:creationId xmlns:a16="http://schemas.microsoft.com/office/drawing/2014/main" id="{5FEA3B16-108B-E3C7-135A-C233BF00E923}"/>
+                </a:ext>
+              </a:extLst>
+            </p:cNvPr>
+            <p:cNvSpPr/>
+            <p:nvPr/>
+          </p:nvSpPr>
+          <p:spPr>
+            <a:xfrm>
+              <a:off x="1173094" y="4733299"/>
+              <a:ext cx="45685" cy="45685"/>
+            </a:xfrm>
+            <a:prstGeom prst="ellipse">
+              <a:avLst/>
+            </a:prstGeom>
+            <a:solidFill>
+              <a:schemeClr val="bg1"/>
+            </a:solidFill>
+            <a:ln>
+              <a:noFill/>
+              <a:headEnd type="none" w="med" len="med"/>
+              <a:tailEnd type="arrow" w="med" len="med"/>
+            </a:ln>
+            <a:effectLst>
+              <a:glow rad="101600">
+                <a:srgbClr val="FF0066">
+                  <a:alpha val="40000"/>
+                </a:srgbClr>
+              </a:glow>
+            </a:effectLst>
+          </p:spPr>
+          <p:style>
+            <a:lnRef idx="1">
+              <a:schemeClr val="accent1"/>
+            </a:lnRef>
+            <a:fillRef idx="0">
+              <a:schemeClr val="accent1"/>
+            </a:fillRef>
+            <a:effectRef idx="0">
+              <a:schemeClr val="accent1"/>
+            </a:effectRef>
+            <a:fontRef idx="minor">
+              <a:schemeClr val="tx1"/>
+            </a:fontRef>
+          </p:style>
+          <p:txBody>
+            <a:bodyPr rtlCol="0" anchor="ctr"/>
+            <a:lstStyle/>
+            <a:p>
+              <a:pPr algn="ctr"/>
+              <a:endParaRPr lang="ko-KR" altLang="en-US" dirty="0"/>
+            </a:p>
+          </p:txBody>
+        </p:sp>
+        <p:sp>
+          <p:nvSpPr>
+            <p:cNvPr id="50" name="타원 49">
+              <a:extLst>
+                <a:ext uri="{FF2B5EF4-FFF2-40B4-BE49-F238E27FC236}">
+                  <a16:creationId xmlns:a16="http://schemas.microsoft.com/office/drawing/2014/main" id="{F6F471D6-051F-75AE-C28D-089AE7FF8BA7}"/>
+                </a:ext>
+              </a:extLst>
+            </p:cNvPr>
+            <p:cNvSpPr/>
+            <p:nvPr/>
+          </p:nvSpPr>
+          <p:spPr>
+            <a:xfrm>
+              <a:off x="1173094" y="4596865"/>
+              <a:ext cx="45685" cy="45685"/>
+            </a:xfrm>
+            <a:prstGeom prst="ellipse">
+              <a:avLst/>
+            </a:prstGeom>
+            <a:solidFill>
+              <a:schemeClr val="bg1"/>
+            </a:solidFill>
+            <a:ln>
+              <a:noFill/>
+              <a:headEnd type="none" w="med" len="med"/>
+              <a:tailEnd type="arrow" w="med" len="med"/>
+            </a:ln>
+            <a:effectLst>
+              <a:glow rad="101600">
+                <a:srgbClr val="FF0066">
+                  <a:alpha val="40000"/>
+                </a:srgbClr>
+              </a:glow>
+            </a:effectLst>
+          </p:spPr>
+          <p:style>
+            <a:lnRef idx="1">
+              <a:schemeClr val="accent1"/>
+            </a:lnRef>
+            <a:fillRef idx="0">
+              <a:schemeClr val="accent1"/>
+            </a:fillRef>
+            <a:effectRef idx="0">
+              <a:schemeClr val="accent1"/>
+            </a:effectRef>
+            <a:fontRef idx="minor">
+              <a:schemeClr val="tx1"/>
+            </a:fontRef>
+          </p:style>
+          <p:txBody>
+            <a:bodyPr rtlCol="0" anchor="ctr"/>
+            <a:lstStyle/>
+            <a:p>
+              <a:pPr algn="ctr"/>
+              <a:endParaRPr lang="ko-KR" altLang="en-US" dirty="0"/>
+            </a:p>
+          </p:txBody>
+        </p:sp>
+        <p:sp>
+          <p:nvSpPr>
+            <p:cNvPr id="51" name="타원 50">
+              <a:extLst>
+                <a:ext uri="{FF2B5EF4-FFF2-40B4-BE49-F238E27FC236}">
+                  <a16:creationId xmlns:a16="http://schemas.microsoft.com/office/drawing/2014/main" id="{229244A8-30C1-3BBC-7345-ACC801BB0087}"/>
+                </a:ext>
+              </a:extLst>
+            </p:cNvPr>
+            <p:cNvSpPr/>
+            <p:nvPr/>
+          </p:nvSpPr>
+          <p:spPr>
+            <a:xfrm>
+              <a:off x="1173094" y="4471738"/>
+              <a:ext cx="45685" cy="45685"/>
+            </a:xfrm>
+            <a:prstGeom prst="ellipse">
+              <a:avLst/>
+            </a:prstGeom>
+            <a:solidFill>
+              <a:schemeClr val="bg1"/>
+            </a:solidFill>
+            <a:ln>
+              <a:noFill/>
+              <a:headEnd type="none" w="med" len="med"/>
+              <a:tailEnd type="arrow" w="med" len="med"/>
+            </a:ln>
+            <a:effectLst>
+              <a:glow rad="101600">
+                <a:srgbClr val="FF0066">
+                  <a:alpha val="40000"/>
+                </a:srgbClr>
+              </a:glow>
+            </a:effectLst>
+          </p:spPr>
+          <p:style>
+            <a:lnRef idx="1">
+              <a:schemeClr val="accent1"/>
+            </a:lnRef>
+            <a:fillRef idx="0">
+              <a:schemeClr val="accent1"/>
+            </a:fillRef>
+            <a:effectRef idx="0">
+              <a:schemeClr val="accent1"/>
+            </a:effectRef>
+            <a:fontRef idx="minor">
+              <a:schemeClr val="tx1"/>
+            </a:fontRef>
+          </p:style>
+          <p:txBody>
+            <a:bodyPr rtlCol="0" anchor="ctr"/>
+            <a:lstStyle/>
+            <a:p>
+              <a:pPr algn="ctr"/>
+              <a:endParaRPr lang="ko-KR" altLang="en-US" dirty="0"/>
+            </a:p>
+          </p:txBody>
+        </p:sp>
+        <p:sp>
+          <p:nvSpPr>
+            <p:cNvPr id="53" name="타원 52">
+              <a:extLst>
+                <a:ext uri="{FF2B5EF4-FFF2-40B4-BE49-F238E27FC236}">
+                  <a16:creationId xmlns:a16="http://schemas.microsoft.com/office/drawing/2014/main" id="{886DE2BE-44B3-3084-700A-C5C564456D86}"/>
+                </a:ext>
+              </a:extLst>
+            </p:cNvPr>
+            <p:cNvSpPr/>
+            <p:nvPr/>
+          </p:nvSpPr>
+          <p:spPr>
+            <a:xfrm>
+              <a:off x="1173094" y="4335304"/>
+              <a:ext cx="45685" cy="45685"/>
+            </a:xfrm>
+            <a:prstGeom prst="ellipse">
+              <a:avLst/>
+            </a:prstGeom>
+            <a:solidFill>
+              <a:schemeClr val="bg1"/>
+            </a:solidFill>
+            <a:ln>
+              <a:noFill/>
+              <a:headEnd type="none" w="med" len="med"/>
+              <a:tailEnd type="arrow" w="med" len="med"/>
+            </a:ln>
+            <a:effectLst>
+              <a:glow rad="101600">
+                <a:srgbClr val="FF0066">
+                  <a:alpha val="40000"/>
+                </a:srgbClr>
+              </a:glow>
+            </a:effectLst>
+          </p:spPr>
+          <p:style>
+            <a:lnRef idx="1">
+              <a:schemeClr val="accent1"/>
+            </a:lnRef>
+            <a:fillRef idx="0">
+              <a:schemeClr val="accent1"/>
+            </a:fillRef>
+            <a:effectRef idx="0">
+              <a:schemeClr val="accent1"/>
+            </a:effectRef>
+            <a:fontRef idx="minor">
+              <a:schemeClr val="tx1"/>
+            </a:fontRef>
+          </p:style>
+          <p:txBody>
+            <a:bodyPr rtlCol="0" anchor="ctr"/>
+            <a:lstStyle/>
+            <a:p>
+              <a:pPr algn="ctr"/>
+              <a:endParaRPr lang="ko-KR" altLang="en-US" dirty="0"/>
+            </a:p>
+          </p:txBody>
+        </p:sp>
+        <p:sp>
+          <p:nvSpPr>
+            <p:cNvPr id="54" name="타원 53">
+              <a:extLst>
+                <a:ext uri="{FF2B5EF4-FFF2-40B4-BE49-F238E27FC236}">
+                  <a16:creationId xmlns:a16="http://schemas.microsoft.com/office/drawing/2014/main" id="{7AD2364B-507A-F421-6039-283C3D1D73B5}"/>
+                </a:ext>
+              </a:extLst>
+            </p:cNvPr>
+            <p:cNvSpPr/>
+            <p:nvPr/>
+          </p:nvSpPr>
+          <p:spPr>
+            <a:xfrm>
+              <a:off x="1173094" y="4188534"/>
+              <a:ext cx="45685" cy="45685"/>
+            </a:xfrm>
+            <a:prstGeom prst="ellipse">
+              <a:avLst/>
+            </a:prstGeom>
+            <a:solidFill>
+              <a:schemeClr val="bg1"/>
+            </a:solidFill>
+            <a:ln>
+              <a:noFill/>
+              <a:headEnd type="none" w="med" len="med"/>
+              <a:tailEnd type="arrow" w="med" len="med"/>
+            </a:ln>
+            <a:effectLst>
+              <a:glow rad="101600">
+                <a:srgbClr val="FF0066">
+                  <a:alpha val="40000"/>
+                </a:srgbClr>
+              </a:glow>
+            </a:effectLst>
+          </p:spPr>
+          <p:style>
+            <a:lnRef idx="1">
+              <a:schemeClr val="accent1"/>
+            </a:lnRef>
+            <a:fillRef idx="0">
+              <a:schemeClr val="accent1"/>
+            </a:fillRef>
+            <a:effectRef idx="0">
+              <a:schemeClr val="accent1"/>
+            </a:effectRef>
+            <a:fontRef idx="minor">
+              <a:schemeClr val="tx1"/>
+            </a:fontRef>
+          </p:style>
+          <p:txBody>
+            <a:bodyPr rtlCol="0" anchor="ctr"/>
+            <a:lstStyle/>
+            <a:p>
+              <a:pPr algn="ctr"/>
+              <a:endParaRPr lang="ko-KR" altLang="en-US" dirty="0"/>
+            </a:p>
+          </p:txBody>
+        </p:sp>
+        <p:sp>
+          <p:nvSpPr>
+            <p:cNvPr id="55" name="타원 54">
+              <a:extLst>
+                <a:ext uri="{FF2B5EF4-FFF2-40B4-BE49-F238E27FC236}">
+                  <a16:creationId xmlns:a16="http://schemas.microsoft.com/office/drawing/2014/main" id="{0CF4E7AE-BF11-E2BF-697B-147500327C8E}"/>
+                </a:ext>
+              </a:extLst>
+            </p:cNvPr>
+            <p:cNvSpPr/>
+            <p:nvPr/>
+          </p:nvSpPr>
+          <p:spPr>
+            <a:xfrm>
+              <a:off x="1173094" y="5005328"/>
+              <a:ext cx="45685" cy="45685"/>
+            </a:xfrm>
+            <a:prstGeom prst="ellipse">
+              <a:avLst/>
+            </a:prstGeom>
+            <a:solidFill>
+              <a:schemeClr val="bg1"/>
+            </a:solidFill>
+            <a:ln>
+              <a:noFill/>
+              <a:headEnd type="none" w="med" len="med"/>
+              <a:tailEnd type="arrow" w="med" len="med"/>
+            </a:ln>
+            <a:effectLst>
+              <a:glow rad="101600">
+                <a:srgbClr val="FF0066">
+                  <a:alpha val="40000"/>
+                </a:srgbClr>
+              </a:glow>
+            </a:effectLst>
+          </p:spPr>
+          <p:style>
+            <a:lnRef idx="1">
+              <a:schemeClr val="accent1"/>
+            </a:lnRef>
+            <a:fillRef idx="0">
+              <a:schemeClr val="accent1"/>
+            </a:fillRef>
+            <a:effectRef idx="0">
+              <a:schemeClr val="accent1"/>
+            </a:effectRef>
+            <a:fontRef idx="minor">
+              <a:schemeClr val="tx1"/>
+            </a:fontRef>
+          </p:style>
+          <p:txBody>
+            <a:bodyPr rtlCol="0" anchor="ctr"/>
+            <a:lstStyle/>
+            <a:p>
+              <a:pPr algn="ctr"/>
+              <a:endParaRPr lang="ko-KR" altLang="en-US" dirty="0"/>
+            </a:p>
+          </p:txBody>
+        </p:sp>
+        <p:sp>
+          <p:nvSpPr>
+            <p:cNvPr id="56" name="타원 55">
+              <a:extLst>
+                <a:ext uri="{FF2B5EF4-FFF2-40B4-BE49-F238E27FC236}">
+                  <a16:creationId xmlns:a16="http://schemas.microsoft.com/office/drawing/2014/main" id="{125F96C9-2484-68D4-3CB1-0AD226DA8E44}"/>
+                </a:ext>
+              </a:extLst>
+            </p:cNvPr>
+            <p:cNvSpPr/>
+            <p:nvPr/>
+          </p:nvSpPr>
+          <p:spPr>
+            <a:xfrm>
+              <a:off x="1173094" y="4868894"/>
+              <a:ext cx="45685" cy="45685"/>
+            </a:xfrm>
+            <a:prstGeom prst="ellipse">
+              <a:avLst/>
+            </a:prstGeom>
+            <a:solidFill>
+              <a:schemeClr val="bg1"/>
+            </a:solidFill>
+            <a:ln>
+              <a:noFill/>
+              <a:headEnd type="none" w="med" len="med"/>
+              <a:tailEnd type="arrow" w="med" len="med"/>
+            </a:ln>
+            <a:effectLst>
+              <a:glow rad="101600">
+                <a:srgbClr val="FF0066">
+                  <a:alpha val="40000"/>
+                </a:srgbClr>
+              </a:glow>
+            </a:effectLst>
+          </p:spPr>
+          <p:style>
+            <a:lnRef idx="1">
+              <a:schemeClr val="accent1"/>
+            </a:lnRef>
+            <a:fillRef idx="0">
+              <a:schemeClr val="accent1"/>
+            </a:fillRef>
+            <a:effectRef idx="0">
+              <a:schemeClr val="accent1"/>
+            </a:effectRef>
+            <a:fontRef idx="minor">
+              <a:schemeClr val="tx1"/>
+            </a:fontRef>
+          </p:style>
+          <p:txBody>
+            <a:bodyPr rtlCol="0" anchor="ctr"/>
+            <a:lstStyle/>
+            <a:p>
+              <a:pPr algn="ctr"/>
+              <a:endParaRPr lang="ko-KR" altLang="en-US" dirty="0"/>
+            </a:p>
+          </p:txBody>
+        </p:sp>
+        <p:sp>
+          <p:nvSpPr>
+            <p:cNvPr id="57" name="타원 56">
+              <a:extLst>
+                <a:ext uri="{FF2B5EF4-FFF2-40B4-BE49-F238E27FC236}">
+                  <a16:creationId xmlns:a16="http://schemas.microsoft.com/office/drawing/2014/main" id="{361B3E47-E9CD-66F1-8255-1F311CD4F7CA}"/>
+                </a:ext>
+              </a:extLst>
+            </p:cNvPr>
+            <p:cNvSpPr/>
+            <p:nvPr/>
+          </p:nvSpPr>
+          <p:spPr>
+            <a:xfrm>
+              <a:off x="1173094" y="5714167"/>
+              <a:ext cx="45685" cy="45685"/>
+            </a:xfrm>
+            <a:prstGeom prst="ellipse">
+              <a:avLst/>
+            </a:prstGeom>
+            <a:solidFill>
+              <a:schemeClr val="bg1"/>
+            </a:solidFill>
+            <a:ln>
+              <a:noFill/>
+              <a:headEnd type="none" w="med" len="med"/>
+              <a:tailEnd type="arrow" w="med" len="med"/>
+            </a:ln>
+            <a:effectLst>
+              <a:glow rad="101600">
+                <a:srgbClr val="FF0066">
+                  <a:alpha val="40000"/>
+                </a:srgbClr>
+              </a:glow>
+            </a:effectLst>
+          </p:spPr>
+          <p:style>
+            <a:lnRef idx="1">
+              <a:schemeClr val="accent1"/>
+            </a:lnRef>
+            <a:fillRef idx="0">
+              <a:schemeClr val="accent1"/>
+            </a:fillRef>
+            <a:effectRef idx="0">
+              <a:schemeClr val="accent1"/>
+            </a:effectRef>
+            <a:fontRef idx="minor">
+              <a:schemeClr val="tx1"/>
+            </a:fontRef>
+          </p:style>
+          <p:txBody>
+            <a:bodyPr rtlCol="0" anchor="ctr"/>
+            <a:lstStyle/>
+            <a:p>
+              <a:pPr algn="ctr"/>
+              <a:endParaRPr lang="ko-KR" altLang="en-US" dirty="0"/>
+            </a:p>
+          </p:txBody>
+        </p:sp>
+        <p:sp>
+          <p:nvSpPr>
+            <p:cNvPr id="58" name="타원 57">
+              <a:extLst>
+                <a:ext uri="{FF2B5EF4-FFF2-40B4-BE49-F238E27FC236}">
+                  <a16:creationId xmlns:a16="http://schemas.microsoft.com/office/drawing/2014/main" id="{316AAA2A-678D-6438-F3F2-280B630488E9}"/>
+                </a:ext>
+              </a:extLst>
+            </p:cNvPr>
+            <p:cNvSpPr/>
+            <p:nvPr/>
+          </p:nvSpPr>
+          <p:spPr>
+            <a:xfrm>
+              <a:off x="1173094" y="5577733"/>
+              <a:ext cx="45685" cy="45685"/>
+            </a:xfrm>
+            <a:prstGeom prst="ellipse">
+              <a:avLst/>
+            </a:prstGeom>
+            <a:solidFill>
+              <a:schemeClr val="bg1"/>
+            </a:solidFill>
+            <a:ln>
+              <a:noFill/>
+              <a:headEnd type="none" w="med" len="med"/>
+              <a:tailEnd type="arrow" w="med" len="med"/>
+            </a:ln>
+            <a:effectLst>
+              <a:glow rad="101600">
+                <a:srgbClr val="FF0066">
+                  <a:alpha val="40000"/>
+                </a:srgbClr>
+              </a:glow>
+            </a:effectLst>
+          </p:spPr>
+          <p:style>
+            <a:lnRef idx="1">
+              <a:schemeClr val="accent1"/>
+            </a:lnRef>
+            <a:fillRef idx="0">
+              <a:schemeClr val="accent1"/>
+            </a:fillRef>
+            <a:effectRef idx="0">
+              <a:schemeClr val="accent1"/>
+            </a:effectRef>
+            <a:fontRef idx="minor">
+              <a:schemeClr val="tx1"/>
+            </a:fontRef>
+          </p:style>
+          <p:txBody>
+            <a:bodyPr rtlCol="0" anchor="ctr"/>
+            <a:lstStyle/>
+            <a:p>
+              <a:pPr algn="ctr"/>
+              <a:endParaRPr lang="ko-KR" altLang="en-US" dirty="0"/>
+            </a:p>
+          </p:txBody>
+        </p:sp>
+        <p:sp>
+          <p:nvSpPr>
+            <p:cNvPr id="59" name="타원 58">
+              <a:extLst>
+                <a:ext uri="{FF2B5EF4-FFF2-40B4-BE49-F238E27FC236}">
+                  <a16:creationId xmlns:a16="http://schemas.microsoft.com/office/drawing/2014/main" id="{AC584AC2-808B-F595-8EC7-A7D90F8E0121}"/>
+                </a:ext>
+              </a:extLst>
+            </p:cNvPr>
+            <p:cNvSpPr/>
+            <p:nvPr/>
+          </p:nvSpPr>
+          <p:spPr>
+            <a:xfrm>
+              <a:off x="1173094" y="5452606"/>
+              <a:ext cx="45685" cy="45685"/>
+            </a:xfrm>
+            <a:prstGeom prst="ellipse">
+              <a:avLst/>
+            </a:prstGeom>
+            <a:solidFill>
+              <a:schemeClr val="bg1"/>
+            </a:solidFill>
+            <a:ln>
+              <a:noFill/>
+              <a:headEnd type="none" w="med" len="med"/>
+              <a:tailEnd type="arrow" w="med" len="med"/>
+            </a:ln>
+            <a:effectLst>
+              <a:glow rad="101600">
+                <a:srgbClr val="FF0066">
+                  <a:alpha val="40000"/>
+                </a:srgbClr>
+              </a:glow>
+            </a:effectLst>
+          </p:spPr>
+          <p:style>
+            <a:lnRef idx="1">
+              <a:schemeClr val="accent1"/>
+            </a:lnRef>
+            <a:fillRef idx="0">
+              <a:schemeClr val="accent1"/>
+            </a:fillRef>
+            <a:effectRef idx="0">
+              <a:schemeClr val="accent1"/>
+            </a:effectRef>
+            <a:fontRef idx="minor">
+              <a:schemeClr val="tx1"/>
+            </a:fontRef>
+          </p:style>
+          <p:txBody>
+            <a:bodyPr rtlCol="0" anchor="ctr"/>
+            <a:lstStyle/>
+            <a:p>
+              <a:pPr algn="ctr"/>
+              <a:endParaRPr lang="ko-KR" altLang="en-US" dirty="0"/>
+            </a:p>
+          </p:txBody>
+        </p:sp>
+        <p:sp>
+          <p:nvSpPr>
+            <p:cNvPr id="60" name="타원 59">
+              <a:extLst>
+                <a:ext uri="{FF2B5EF4-FFF2-40B4-BE49-F238E27FC236}">
+                  <a16:creationId xmlns:a16="http://schemas.microsoft.com/office/drawing/2014/main" id="{B3570820-8B3A-70E8-0AAA-6A88034F36A4}"/>
+                </a:ext>
+              </a:extLst>
+            </p:cNvPr>
+            <p:cNvSpPr/>
+            <p:nvPr/>
+          </p:nvSpPr>
+          <p:spPr>
+            <a:xfrm>
+              <a:off x="1173094" y="5316172"/>
+              <a:ext cx="45685" cy="45685"/>
+            </a:xfrm>
+            <a:prstGeom prst="ellipse">
+              <a:avLst/>
+            </a:prstGeom>
+            <a:solidFill>
+              <a:schemeClr val="bg1"/>
+            </a:solidFill>
+            <a:ln>
+              <a:noFill/>
+              <a:headEnd type="none" w="med" len="med"/>
+              <a:tailEnd type="arrow" w="med" len="med"/>
+            </a:ln>
+            <a:effectLst>
+              <a:glow rad="101600">
+                <a:srgbClr val="FF0066">
+                  <a:alpha val="40000"/>
+                </a:srgbClr>
+              </a:glow>
+            </a:effectLst>
+          </p:spPr>
+          <p:style>
+            <a:lnRef idx="1">
+              <a:schemeClr val="accent1"/>
+            </a:lnRef>
+            <a:fillRef idx="0">
+              <a:schemeClr val="accent1"/>
+            </a:fillRef>
+            <a:effectRef idx="0">
+              <a:schemeClr val="accent1"/>
+            </a:effectRef>
+            <a:fontRef idx="minor">
+              <a:schemeClr val="tx1"/>
+            </a:fontRef>
+          </p:style>
+          <p:txBody>
+            <a:bodyPr rtlCol="0" anchor="ctr"/>
+            <a:lstStyle/>
+            <a:p>
+              <a:pPr algn="ctr"/>
+              <a:endParaRPr lang="ko-KR" altLang="en-US" dirty="0"/>
+            </a:p>
+          </p:txBody>
+        </p:sp>
+        <p:sp>
+          <p:nvSpPr>
+            <p:cNvPr id="63" name="타원 62">
+              <a:extLst>
+                <a:ext uri="{FF2B5EF4-FFF2-40B4-BE49-F238E27FC236}">
+                  <a16:creationId xmlns:a16="http://schemas.microsoft.com/office/drawing/2014/main" id="{9C669C0B-329B-4494-213D-AEF3A55ACF63}"/>
+                </a:ext>
+              </a:extLst>
+            </p:cNvPr>
+            <p:cNvSpPr/>
+            <p:nvPr/>
+          </p:nvSpPr>
+          <p:spPr>
+            <a:xfrm>
+              <a:off x="1173094" y="5169402"/>
+              <a:ext cx="45685" cy="45685"/>
+            </a:xfrm>
+            <a:prstGeom prst="ellipse">
+              <a:avLst/>
+            </a:prstGeom>
+            <a:solidFill>
+              <a:schemeClr val="bg1"/>
+            </a:solidFill>
+            <a:ln>
+              <a:noFill/>
+              <a:headEnd type="none" w="med" len="med"/>
+              <a:tailEnd type="arrow" w="med" len="med"/>
+            </a:ln>
+            <a:effectLst>
+              <a:glow rad="101600">
+                <a:srgbClr val="FF0066">
+                  <a:alpha val="40000"/>
+                </a:srgbClr>
+              </a:glow>
+            </a:effectLst>
+          </p:spPr>
+          <p:style>
+            <a:lnRef idx="1">
+              <a:schemeClr val="accent1"/>
+            </a:lnRef>
+            <a:fillRef idx="0">
+              <a:schemeClr val="accent1"/>
+            </a:fillRef>
+            <a:effectRef idx="0">
+              <a:schemeClr val="accent1"/>
+            </a:effectRef>
+            <a:fontRef idx="minor">
+              <a:schemeClr val="tx1"/>
+            </a:fontRef>
+          </p:style>
+          <p:txBody>
+            <a:bodyPr rtlCol="0" anchor="ctr"/>
+            <a:lstStyle/>
+            <a:p>
+              <a:pPr algn="ctr"/>
+              <a:endParaRPr lang="ko-KR" altLang="en-US" dirty="0"/>
+            </a:p>
+          </p:txBody>
+        </p:sp>
+        <p:sp>
+          <p:nvSpPr>
+            <p:cNvPr id="64" name="타원 63">
+              <a:extLst>
+                <a:ext uri="{FF2B5EF4-FFF2-40B4-BE49-F238E27FC236}">
+                  <a16:creationId xmlns:a16="http://schemas.microsoft.com/office/drawing/2014/main" id="{1422EBE1-3519-3B8D-77DA-8D0AF14C9C10}"/>
+                </a:ext>
+              </a:extLst>
+            </p:cNvPr>
+            <p:cNvSpPr/>
+            <p:nvPr/>
+          </p:nvSpPr>
+          <p:spPr>
+            <a:xfrm>
+              <a:off x="1173094" y="5986196"/>
+              <a:ext cx="45685" cy="45685"/>
+            </a:xfrm>
+            <a:prstGeom prst="ellipse">
+              <a:avLst/>
+            </a:prstGeom>
+            <a:solidFill>
+              <a:schemeClr val="bg1"/>
+            </a:solidFill>
+            <a:ln>
+              <a:noFill/>
+              <a:headEnd type="none" w="med" len="med"/>
+              <a:tailEnd type="arrow" w="med" len="med"/>
+            </a:ln>
+            <a:effectLst>
+              <a:glow rad="101600">
+                <a:srgbClr val="FF0066">
+                  <a:alpha val="40000"/>
+                </a:srgbClr>
+              </a:glow>
+            </a:effectLst>
+          </p:spPr>
+          <p:style>
+            <a:lnRef idx="1">
+              <a:schemeClr val="accent1"/>
+            </a:lnRef>
+            <a:fillRef idx="0">
+              <a:schemeClr val="accent1"/>
+            </a:fillRef>
+            <a:effectRef idx="0">
+              <a:schemeClr val="accent1"/>
+            </a:effectRef>
+            <a:fontRef idx="minor">
+              <a:schemeClr val="tx1"/>
+            </a:fontRef>
+          </p:style>
+          <p:txBody>
+            <a:bodyPr rtlCol="0" anchor="ctr"/>
+            <a:lstStyle/>
+            <a:p>
+              <a:pPr algn="ctr"/>
+              <a:endParaRPr lang="ko-KR" altLang="en-US" dirty="0"/>
+            </a:p>
+          </p:txBody>
+        </p:sp>
+        <p:sp>
+          <p:nvSpPr>
+            <p:cNvPr id="65" name="타원 64">
+              <a:extLst>
+                <a:ext uri="{FF2B5EF4-FFF2-40B4-BE49-F238E27FC236}">
+                  <a16:creationId xmlns:a16="http://schemas.microsoft.com/office/drawing/2014/main" id="{D5BB3F0B-D452-0D0C-067E-5BE151A6943F}"/>
+                </a:ext>
+              </a:extLst>
+            </p:cNvPr>
+            <p:cNvSpPr/>
+            <p:nvPr/>
+          </p:nvSpPr>
+          <p:spPr>
+            <a:xfrm>
+              <a:off x="1173094" y="5849762"/>
+              <a:ext cx="45685" cy="45685"/>
+            </a:xfrm>
+            <a:prstGeom prst="ellipse">
+              <a:avLst/>
+            </a:prstGeom>
+            <a:solidFill>
+              <a:schemeClr val="bg1"/>
+            </a:solidFill>
+            <a:ln>
+              <a:noFill/>
+              <a:headEnd type="none" w="med" len="med"/>
+              <a:tailEnd type="arrow" w="med" len="med"/>
+            </a:ln>
+            <a:effectLst>
+              <a:glow rad="101600">
+                <a:srgbClr val="FF0066">
+                  <a:alpha val="40000"/>
+                </a:srgbClr>
+              </a:glow>
+            </a:effectLst>
+          </p:spPr>
+          <p:style>
+            <a:lnRef idx="1">
+              <a:schemeClr val="accent1"/>
+            </a:lnRef>
+            <a:fillRef idx="0">
+              <a:schemeClr val="accent1"/>
+            </a:fillRef>
+            <a:effectRef idx="0">
+              <a:schemeClr val="accent1"/>
+            </a:effectRef>
+            <a:fontRef idx="minor">
+              <a:schemeClr val="tx1"/>
+            </a:fontRef>
+          </p:style>
+          <p:txBody>
+            <a:bodyPr rtlCol="0" anchor="ctr"/>
+            <a:lstStyle/>
+            <a:p>
+              <a:pPr algn="ctr"/>
+              <a:endParaRPr lang="ko-KR" altLang="en-US" dirty="0"/>
+            </a:p>
+          </p:txBody>
+        </p:sp>
+        <p:sp>
+          <p:nvSpPr>
+            <p:cNvPr id="66" name="타원 65">
+              <a:extLst>
+                <a:ext uri="{FF2B5EF4-FFF2-40B4-BE49-F238E27FC236}">
+                  <a16:creationId xmlns:a16="http://schemas.microsoft.com/office/drawing/2014/main" id="{BF4F83A0-6457-5891-EA11-646C6456AE7D}"/>
+                </a:ext>
+              </a:extLst>
+            </p:cNvPr>
+            <p:cNvSpPr/>
+            <p:nvPr/>
+          </p:nvSpPr>
+          <p:spPr>
+            <a:xfrm>
+              <a:off x="1173094" y="3742164"/>
+              <a:ext cx="45685" cy="45685"/>
+            </a:xfrm>
+            <a:prstGeom prst="ellipse">
+              <a:avLst/>
+            </a:prstGeom>
+            <a:solidFill>
+              <a:schemeClr val="bg1"/>
+            </a:solidFill>
+            <a:ln>
+              <a:noFill/>
+              <a:headEnd type="none" w="med" len="med"/>
+              <a:tailEnd type="arrow" w="med" len="med"/>
+            </a:ln>
+            <a:effectLst>
+              <a:glow rad="101600">
+                <a:srgbClr val="FF0066">
+                  <a:alpha val="40000"/>
+                </a:srgbClr>
+              </a:glow>
+            </a:effectLst>
+          </p:spPr>
+          <p:style>
+            <a:lnRef idx="1">
+              <a:schemeClr val="accent1"/>
+            </a:lnRef>
+            <a:fillRef idx="0">
+              <a:schemeClr val="accent1"/>
+            </a:fillRef>
+            <a:effectRef idx="0">
+              <a:schemeClr val="accent1"/>
+            </a:effectRef>
+            <a:fontRef idx="minor">
+              <a:schemeClr val="tx1"/>
+            </a:fontRef>
+          </p:style>
+          <p:txBody>
+            <a:bodyPr rtlCol="0" anchor="ctr"/>
+            <a:lstStyle/>
+            <a:p>
+              <a:pPr algn="ctr"/>
+              <a:endParaRPr lang="ko-KR" altLang="en-US" dirty="0"/>
+            </a:p>
+          </p:txBody>
+        </p:sp>
+        <p:sp>
+          <p:nvSpPr>
+            <p:cNvPr id="67" name="타원 66">
+              <a:extLst>
+                <a:ext uri="{FF2B5EF4-FFF2-40B4-BE49-F238E27FC236}">
+                  <a16:creationId xmlns:a16="http://schemas.microsoft.com/office/drawing/2014/main" id="{0E53B58E-317A-134D-CB1B-261C7FEA427D}"/>
+                </a:ext>
+              </a:extLst>
+            </p:cNvPr>
+            <p:cNvSpPr/>
+            <p:nvPr/>
+          </p:nvSpPr>
+          <p:spPr>
+            <a:xfrm>
+              <a:off x="1173094" y="3605730"/>
+              <a:ext cx="45685" cy="45685"/>
+            </a:xfrm>
+            <a:prstGeom prst="ellipse">
+              <a:avLst/>
+            </a:prstGeom>
+            <a:solidFill>
+              <a:schemeClr val="bg1"/>
+            </a:solidFill>
+            <a:ln>
+              <a:noFill/>
+              <a:headEnd type="none" w="med" len="med"/>
+              <a:tailEnd type="arrow" w="med" len="med"/>
+            </a:ln>
+            <a:effectLst>
+              <a:glow rad="101600">
+                <a:srgbClr val="FF0066">
+                  <a:alpha val="40000"/>
+                </a:srgbClr>
+              </a:glow>
+            </a:effectLst>
+          </p:spPr>
+          <p:style>
+            <a:lnRef idx="1">
+              <a:schemeClr val="accent1"/>
+            </a:lnRef>
+            <a:fillRef idx="0">
+              <a:schemeClr val="accent1"/>
+            </a:fillRef>
+            <a:effectRef idx="0">
+              <a:schemeClr val="accent1"/>
+            </a:effectRef>
+            <a:fontRef idx="minor">
+              <a:schemeClr val="tx1"/>
+            </a:fontRef>
+          </p:style>
+          <p:txBody>
+            <a:bodyPr rtlCol="0" anchor="ctr"/>
+            <a:lstStyle/>
+            <a:p>
+              <a:pPr algn="ctr"/>
+              <a:endParaRPr lang="ko-KR" altLang="en-US" dirty="0"/>
+            </a:p>
+          </p:txBody>
+        </p:sp>
+        <p:sp>
+          <p:nvSpPr>
+            <p:cNvPr id="68" name="타원 67">
+              <a:extLst>
+                <a:ext uri="{FF2B5EF4-FFF2-40B4-BE49-F238E27FC236}">
+                  <a16:creationId xmlns:a16="http://schemas.microsoft.com/office/drawing/2014/main" id="{8C926A05-A319-72F4-9631-9F23610E1D9B}"/>
+                </a:ext>
+              </a:extLst>
+            </p:cNvPr>
+            <p:cNvSpPr/>
+            <p:nvPr/>
+          </p:nvSpPr>
+          <p:spPr>
+            <a:xfrm>
+              <a:off x="1173094" y="3480603"/>
+              <a:ext cx="45685" cy="45685"/>
+            </a:xfrm>
+            <a:prstGeom prst="ellipse">
+              <a:avLst/>
+            </a:prstGeom>
+            <a:solidFill>
+              <a:schemeClr val="bg1"/>
+            </a:solidFill>
+            <a:ln>
+              <a:noFill/>
+              <a:headEnd type="none" w="med" len="med"/>
+              <a:tailEnd type="arrow" w="med" len="med"/>
+            </a:ln>
+            <a:effectLst>
+              <a:glow rad="101600">
+                <a:srgbClr val="FF0066">
+                  <a:alpha val="40000"/>
+                </a:srgbClr>
+              </a:glow>
+            </a:effectLst>
+          </p:spPr>
+          <p:style>
+            <a:lnRef idx="1">
+              <a:schemeClr val="accent1"/>
+            </a:lnRef>
+            <a:fillRef idx="0">
+              <a:schemeClr val="accent1"/>
+            </a:fillRef>
+            <a:effectRef idx="0">
+              <a:schemeClr val="accent1"/>
+            </a:effectRef>
+            <a:fontRef idx="minor">
+              <a:schemeClr val="tx1"/>
+            </a:fontRef>
+          </p:style>
+          <p:txBody>
+            <a:bodyPr rtlCol="0" anchor="ctr"/>
+            <a:lstStyle/>
+            <a:p>
+              <a:pPr algn="ctr"/>
+              <a:endParaRPr lang="ko-KR" altLang="en-US" dirty="0"/>
+            </a:p>
+          </p:txBody>
+        </p:sp>
+        <p:sp>
+          <p:nvSpPr>
+            <p:cNvPr id="69" name="타원 68">
+              <a:extLst>
+                <a:ext uri="{FF2B5EF4-FFF2-40B4-BE49-F238E27FC236}">
+                  <a16:creationId xmlns:a16="http://schemas.microsoft.com/office/drawing/2014/main" id="{69AF8C53-D6CC-F2AB-9AF2-0E30EC47138D}"/>
+                </a:ext>
+              </a:extLst>
+            </p:cNvPr>
+            <p:cNvSpPr/>
+            <p:nvPr/>
+          </p:nvSpPr>
+          <p:spPr>
+            <a:xfrm>
+              <a:off x="1173094" y="3344169"/>
+              <a:ext cx="45685" cy="45685"/>
+            </a:xfrm>
+            <a:prstGeom prst="ellipse">
+              <a:avLst/>
+            </a:prstGeom>
+            <a:solidFill>
+              <a:schemeClr val="bg1"/>
+            </a:solidFill>
+            <a:ln>
+              <a:noFill/>
+              <a:headEnd type="none" w="med" len="med"/>
+              <a:tailEnd type="arrow" w="med" len="med"/>
+            </a:ln>
+            <a:effectLst>
+              <a:glow rad="101600">
+                <a:srgbClr val="FF0066">
+                  <a:alpha val="40000"/>
+                </a:srgbClr>
+              </a:glow>
+            </a:effectLst>
+          </p:spPr>
+          <p:style>
+            <a:lnRef idx="1">
+              <a:schemeClr val="accent1"/>
+            </a:lnRef>
+            <a:fillRef idx="0">
+              <a:schemeClr val="accent1"/>
+            </a:fillRef>
+            <a:effectRef idx="0">
+              <a:schemeClr val="accent1"/>
+            </a:effectRef>
+            <a:fontRef idx="minor">
+              <a:schemeClr val="tx1"/>
+            </a:fontRef>
+          </p:style>
+          <p:txBody>
+            <a:bodyPr rtlCol="0" anchor="ctr"/>
+            <a:lstStyle/>
+            <a:p>
+              <a:pPr algn="ctr"/>
+              <a:endParaRPr lang="ko-KR" altLang="en-US" dirty="0"/>
+            </a:p>
+          </p:txBody>
+        </p:sp>
+        <p:sp>
+          <p:nvSpPr>
+            <p:cNvPr id="70" name="타원 69">
+              <a:extLst>
+                <a:ext uri="{FF2B5EF4-FFF2-40B4-BE49-F238E27FC236}">
+                  <a16:creationId xmlns:a16="http://schemas.microsoft.com/office/drawing/2014/main" id="{4A23D244-6523-AAFB-E114-34479E0D542A}"/>
+                </a:ext>
+              </a:extLst>
+            </p:cNvPr>
+            <p:cNvSpPr/>
+            <p:nvPr/>
+          </p:nvSpPr>
+          <p:spPr>
+            <a:xfrm>
+              <a:off x="1173094" y="3197399"/>
+              <a:ext cx="45685" cy="45685"/>
+            </a:xfrm>
+            <a:prstGeom prst="ellipse">
+              <a:avLst/>
+            </a:prstGeom>
+            <a:solidFill>
+              <a:schemeClr val="bg1"/>
+            </a:solidFill>
+            <a:ln>
+              <a:noFill/>
+              <a:headEnd type="none" w="med" len="med"/>
+              <a:tailEnd type="arrow" w="med" len="med"/>
+            </a:ln>
+            <a:effectLst>
+              <a:glow rad="101600">
+                <a:srgbClr val="FF0066">
+                  <a:alpha val="40000"/>
+                </a:srgbClr>
+              </a:glow>
+            </a:effectLst>
+          </p:spPr>
+          <p:style>
+            <a:lnRef idx="1">
+              <a:schemeClr val="accent1"/>
+            </a:lnRef>
+            <a:fillRef idx="0">
+              <a:schemeClr val="accent1"/>
+            </a:fillRef>
+            <a:effectRef idx="0">
+              <a:schemeClr val="accent1"/>
+            </a:effectRef>
+            <a:fontRef idx="minor">
+              <a:schemeClr val="tx1"/>
+            </a:fontRef>
+          </p:style>
+          <p:txBody>
+            <a:bodyPr rtlCol="0" anchor="ctr"/>
+            <a:lstStyle/>
+            <a:p>
+              <a:pPr algn="ctr"/>
+              <a:endParaRPr lang="ko-KR" altLang="en-US" dirty="0"/>
+            </a:p>
+          </p:txBody>
+        </p:sp>
+        <p:sp>
+          <p:nvSpPr>
+            <p:cNvPr id="71" name="타원 70">
+              <a:extLst>
+                <a:ext uri="{FF2B5EF4-FFF2-40B4-BE49-F238E27FC236}">
+                  <a16:creationId xmlns:a16="http://schemas.microsoft.com/office/drawing/2014/main" id="{B76CC923-8A7E-8C2A-A267-8CDE540AE879}"/>
+                </a:ext>
+              </a:extLst>
+            </p:cNvPr>
+            <p:cNvSpPr/>
+            <p:nvPr/>
+          </p:nvSpPr>
+          <p:spPr>
+            <a:xfrm>
+              <a:off x="1173094" y="4014193"/>
+              <a:ext cx="45685" cy="45685"/>
+            </a:xfrm>
+            <a:prstGeom prst="ellipse">
+              <a:avLst/>
+            </a:prstGeom>
+            <a:solidFill>
+              <a:schemeClr val="bg1"/>
+            </a:solidFill>
+            <a:ln>
+              <a:noFill/>
+              <a:headEnd type="none" w="med" len="med"/>
+              <a:tailEnd type="arrow" w="med" len="med"/>
+            </a:ln>
+            <a:effectLst>
+              <a:glow rad="101600">
+                <a:srgbClr val="FF0066">
+                  <a:alpha val="40000"/>
+                </a:srgbClr>
+              </a:glow>
+            </a:effectLst>
+          </p:spPr>
+          <p:style>
+            <a:lnRef idx="1">
+              <a:schemeClr val="accent1"/>
+            </a:lnRef>
+            <a:fillRef idx="0">
+              <a:schemeClr val="accent1"/>
+            </a:fillRef>
+            <a:effectRef idx="0">
+              <a:schemeClr val="accent1"/>
+            </a:effectRef>
+            <a:fontRef idx="minor">
+              <a:schemeClr val="tx1"/>
+            </a:fontRef>
+          </p:style>
+          <p:txBody>
+            <a:bodyPr rtlCol="0" anchor="ctr"/>
+            <a:lstStyle/>
+            <a:p>
+              <a:pPr algn="ctr"/>
+              <a:endParaRPr lang="ko-KR" altLang="en-US" dirty="0"/>
+            </a:p>
+          </p:txBody>
+        </p:sp>
+        <p:sp>
+          <p:nvSpPr>
+            <p:cNvPr id="72" name="타원 71">
+              <a:extLst>
+                <a:ext uri="{FF2B5EF4-FFF2-40B4-BE49-F238E27FC236}">
+                  <a16:creationId xmlns:a16="http://schemas.microsoft.com/office/drawing/2014/main" id="{15B57F71-BAF4-E4FD-A443-AA1A6846B07C}"/>
+                </a:ext>
+              </a:extLst>
+            </p:cNvPr>
+            <p:cNvSpPr/>
+            <p:nvPr/>
+          </p:nvSpPr>
+          <p:spPr>
+            <a:xfrm>
+              <a:off x="1173094" y="3877759"/>
+              <a:ext cx="45685" cy="45685"/>
+            </a:xfrm>
+            <a:prstGeom prst="ellipse">
+              <a:avLst/>
+            </a:prstGeom>
+            <a:solidFill>
+              <a:schemeClr val="bg1"/>
+            </a:solidFill>
+            <a:ln>
+              <a:noFill/>
+              <a:headEnd type="none" w="med" len="med"/>
+              <a:tailEnd type="arrow" w="med" len="med"/>
+            </a:ln>
+            <a:effectLst>
+              <a:glow rad="101600">
+                <a:srgbClr val="FF0066">
+                  <a:alpha val="40000"/>
+                </a:srgbClr>
+              </a:glow>
+            </a:effectLst>
+          </p:spPr>
+          <p:style>
+            <a:lnRef idx="1">
+              <a:schemeClr val="accent1"/>
+            </a:lnRef>
+            <a:fillRef idx="0">
+              <a:schemeClr val="accent1"/>
+            </a:fillRef>
+            <a:effectRef idx="0">
+              <a:schemeClr val="accent1"/>
+            </a:effectRef>
+            <a:fontRef idx="minor">
+              <a:schemeClr val="tx1"/>
+            </a:fontRef>
+          </p:style>
+          <p:txBody>
+            <a:bodyPr rtlCol="0" anchor="ctr"/>
+            <a:lstStyle/>
+            <a:p>
+              <a:pPr algn="ctr"/>
+              <a:endParaRPr lang="ko-KR" altLang="en-US" dirty="0"/>
+            </a:p>
+          </p:txBody>
+        </p:sp>
+      </p:grpSp>
+      <p:grpSp>
+        <p:nvGrpSpPr>
+          <p:cNvPr id="73" name="그룹 72">
+            <a:extLst>
+              <a:ext uri="{FF2B5EF4-FFF2-40B4-BE49-F238E27FC236}">
+                <a16:creationId xmlns:a16="http://schemas.microsoft.com/office/drawing/2014/main" id="{75400AE3-82E7-23A4-92A9-EC2DA336C0CB}"/>
+              </a:ext>
+            </a:extLst>
+          </p:cNvPr>
+          <p:cNvGrpSpPr/>
+          <p:nvPr/>
+        </p:nvGrpSpPr>
+        <p:grpSpPr>
+          <a:xfrm>
+            <a:off x="4508889" y="3316468"/>
+            <a:ext cx="946687" cy="1266863"/>
+            <a:chOff x="6996273" y="2835528"/>
+            <a:chExt cx="1783743" cy="2387018"/>
+          </a:xfrm>
+          <a:solidFill>
+            <a:schemeClr val="accent6">
+              <a:lumMod val="60000"/>
+              <a:lumOff val="40000"/>
+            </a:schemeClr>
+          </a:solidFill>
+        </p:grpSpPr>
+        <p:sp>
+          <p:nvSpPr>
+            <p:cNvPr id="74" name="직사각형 260">
+              <a:extLst>
+                <a:ext uri="{FF2B5EF4-FFF2-40B4-BE49-F238E27FC236}">
+                  <a16:creationId xmlns:a16="http://schemas.microsoft.com/office/drawing/2014/main" id="{06D3F364-C84A-0A93-5A61-15489912E9F5}"/>
+                </a:ext>
+              </a:extLst>
+            </p:cNvPr>
+            <p:cNvSpPr/>
+            <p:nvPr/>
+          </p:nvSpPr>
+          <p:spPr>
+            <a:xfrm>
+              <a:off x="6996273" y="2835528"/>
+              <a:ext cx="1783743" cy="801876"/>
+            </a:xfrm>
+            <a:prstGeom prst="rect">
+              <a:avLst/>
+            </a:prstGeom>
+            <a:solidFill>
+              <a:schemeClr val="bg1">
+                <a:lumMod val="85000"/>
+              </a:schemeClr>
+            </a:solidFill>
+            <a:ln w="12700">
+              <a:solidFill>
+                <a:srgbClr val="000000"/>
+              </a:solidFill>
+            </a:ln>
+          </p:spPr>
+          <p:style>
+            <a:lnRef idx="2">
+              <a:schemeClr val="accent1">
+                <a:shade val="50000"/>
+              </a:schemeClr>
+            </a:lnRef>
+            <a:fillRef idx="1">
+              <a:schemeClr val="accent1"/>
+            </a:fillRef>
+            <a:effectRef idx="0">
+              <a:schemeClr val="accent1"/>
+            </a:effectRef>
+            <a:fontRef idx="minor"/>
+          </p:style>
+        </p:sp>
+        <p:sp>
+          <p:nvSpPr>
+            <p:cNvPr id="75" name="직사각형 260">
+              <a:extLst>
+                <a:ext uri="{FF2B5EF4-FFF2-40B4-BE49-F238E27FC236}">
+                  <a16:creationId xmlns:a16="http://schemas.microsoft.com/office/drawing/2014/main" id="{513B203D-8008-D6D5-927D-38AA8201DF15}"/>
+                </a:ext>
+              </a:extLst>
+            </p:cNvPr>
+            <p:cNvSpPr/>
+            <p:nvPr/>
+          </p:nvSpPr>
+          <p:spPr>
+            <a:xfrm>
+              <a:off x="7892249" y="3640924"/>
+              <a:ext cx="887767" cy="1581622"/>
+            </a:xfrm>
+            <a:prstGeom prst="rect">
+              <a:avLst/>
+            </a:prstGeom>
+            <a:solidFill>
+              <a:schemeClr val="bg1">
+                <a:lumMod val="85000"/>
+              </a:schemeClr>
+            </a:solidFill>
+            <a:ln w="12700">
+              <a:solidFill>
+                <a:srgbClr val="000000"/>
+              </a:solidFill>
+            </a:ln>
+          </p:spPr>
+          <p:style>
+            <a:lnRef idx="2">
+              <a:schemeClr val="accent1">
+                <a:shade val="50000"/>
+              </a:schemeClr>
+            </a:lnRef>
+            <a:fillRef idx="1">
+              <a:schemeClr val="accent1"/>
+            </a:fillRef>
+            <a:effectRef idx="0">
+              <a:schemeClr val="accent1"/>
+            </a:effectRef>
+            <a:fontRef idx="minor"/>
+          </p:style>
+        </p:sp>
+        <p:sp>
+          <p:nvSpPr>
+            <p:cNvPr id="76" name="직사각형 260">
+              <a:extLst>
+                <a:ext uri="{FF2B5EF4-FFF2-40B4-BE49-F238E27FC236}">
+                  <a16:creationId xmlns:a16="http://schemas.microsoft.com/office/drawing/2014/main" id="{C8F21610-F033-10C8-194D-D6A8516FEB8D}"/>
+                </a:ext>
+              </a:extLst>
+            </p:cNvPr>
+            <p:cNvSpPr/>
+            <p:nvPr/>
+          </p:nvSpPr>
+          <p:spPr>
+            <a:xfrm>
+              <a:off x="7899400" y="3292730"/>
+              <a:ext cx="875030" cy="1581622"/>
+            </a:xfrm>
+            <a:prstGeom prst="rect">
+              <a:avLst/>
+            </a:prstGeom>
+            <a:solidFill>
+              <a:schemeClr val="bg1">
+                <a:lumMod val="85000"/>
+              </a:schemeClr>
+            </a:solidFill>
+            <a:ln w="12700">
+              <a:noFill/>
+            </a:ln>
+          </p:spPr>
+          <p:style>
+            <a:lnRef idx="2">
+              <a:schemeClr val="accent1">
+                <a:shade val="50000"/>
+              </a:schemeClr>
+            </a:lnRef>
+            <a:fillRef idx="1">
+              <a:schemeClr val="accent1"/>
+            </a:fillRef>
+            <a:effectRef idx="0">
+              <a:schemeClr val="accent1"/>
+            </a:effectRef>
+            <a:fontRef idx="minor"/>
+          </p:style>
+        </p:sp>
+      </p:grpSp>
+      <p:cxnSp>
+        <p:nvCxnSpPr>
+          <p:cNvPr id="77" name="직선 화살표 연결선 76">
+            <a:extLst>
+              <a:ext uri="{FF2B5EF4-FFF2-40B4-BE49-F238E27FC236}">
+                <a16:creationId xmlns:a16="http://schemas.microsoft.com/office/drawing/2014/main" id="{232E29E3-2D2C-7C13-EF11-CF34E217A9B8}"/>
+              </a:ext>
+            </a:extLst>
+          </p:cNvPr>
+          <p:cNvCxnSpPr>
+            <a:cxnSpLocks/>
+          </p:cNvCxnSpPr>
+          <p:nvPr/>
+        </p:nvCxnSpPr>
+        <p:spPr>
+          <a:xfrm>
+            <a:off x="2595604" y="3657904"/>
+            <a:ext cx="2857007" cy="0"/>
+          </a:xfrm>
+          <a:prstGeom prst="straightConnector1">
+            <a:avLst/>
+          </a:prstGeom>
+          <a:ln>
+            <a:solidFill>
+              <a:schemeClr val="bg1"/>
+            </a:solidFill>
+            <a:headEnd type="arrow" w="med" len="med"/>
+            <a:tailEnd type="arrow" w="med" len="med"/>
+          </a:ln>
+          <a:effectLst>
+            <a:glow rad="101600">
+              <a:srgbClr val="9966FF">
+                <a:alpha val="40000"/>
+              </a:srgbClr>
+            </a:glow>
+          </a:effectLst>
+        </p:spPr>
+        <p:style>
+          <a:lnRef idx="1">
+            <a:schemeClr val="accent1"/>
+          </a:lnRef>
+          <a:fillRef idx="0">
+            <a:schemeClr val="accent1"/>
+          </a:fillRef>
+          <a:effectRef idx="0">
+            <a:schemeClr val="accent1"/>
+          </a:effectRef>
+          <a:fontRef idx="minor">
+            <a:schemeClr val="tx1"/>
+          </a:fontRef>
+        </p:style>
+      </p:cxnSp>
+      <p:cxnSp>
+        <p:nvCxnSpPr>
+          <p:cNvPr id="78" name="직선 화살표 연결선 77">
+            <a:extLst>
+              <a:ext uri="{FF2B5EF4-FFF2-40B4-BE49-F238E27FC236}">
+                <a16:creationId xmlns:a16="http://schemas.microsoft.com/office/drawing/2014/main" id="{8564250C-72CC-027D-3A7B-B992DD82AF7C}"/>
+              </a:ext>
+            </a:extLst>
+          </p:cNvPr>
+          <p:cNvCxnSpPr>
+            <a:cxnSpLocks/>
+          </p:cNvCxnSpPr>
+          <p:nvPr/>
+        </p:nvCxnSpPr>
+        <p:spPr>
+          <a:xfrm>
+            <a:off x="2595604" y="4869878"/>
+            <a:ext cx="2857007" cy="0"/>
+          </a:xfrm>
+          <a:prstGeom prst="straightConnector1">
+            <a:avLst/>
+          </a:prstGeom>
+          <a:ln>
+            <a:solidFill>
+              <a:schemeClr val="bg1"/>
+            </a:solidFill>
+            <a:headEnd type="arrow" w="med" len="med"/>
+            <a:tailEnd type="arrow" w="med" len="med"/>
+          </a:ln>
+          <a:effectLst>
+            <a:glow rad="101600">
+              <a:srgbClr val="9966FF">
+                <a:alpha val="40000"/>
+              </a:srgbClr>
+            </a:glow>
+          </a:effectLst>
+        </p:spPr>
+        <p:style>
+          <a:lnRef idx="1">
+            <a:schemeClr val="accent1"/>
+          </a:lnRef>
+          <a:fillRef idx="0">
+            <a:schemeClr val="accent1"/>
+          </a:fillRef>
+          <a:effectRef idx="0">
+            <a:schemeClr val="accent1"/>
+          </a:effectRef>
+          <a:fontRef idx="minor">
+            <a:schemeClr val="tx1"/>
+          </a:fontRef>
+        </p:style>
+      </p:cxnSp>
+      <p:sp>
+        <p:nvSpPr>
+          <p:cNvPr id="79" name="타원 78">
+            <a:extLst>
+              <a:ext uri="{FF2B5EF4-FFF2-40B4-BE49-F238E27FC236}">
+                <a16:creationId xmlns:a16="http://schemas.microsoft.com/office/drawing/2014/main" id="{C477E301-D13E-B798-6070-412833C56A71}"/>
+              </a:ext>
+            </a:extLst>
+          </p:cNvPr>
+          <p:cNvSpPr/>
+          <p:nvPr/>
+        </p:nvSpPr>
+        <p:spPr>
+          <a:xfrm>
+            <a:off x="3290026" y="3643089"/>
+            <a:ext cx="29629" cy="29629"/>
+          </a:xfrm>
+          <a:prstGeom prst="ellipse">
+            <a:avLst/>
+          </a:prstGeom>
+          <a:solidFill>
+            <a:schemeClr val="bg1"/>
+          </a:solidFill>
+          <a:ln>
+            <a:noFill/>
+            <a:headEnd type="none" w="med" len="med"/>
+            <a:tailEnd type="arrow" w="med" len="med"/>
+          </a:ln>
+          <a:effectLst>
+            <a:glow rad="101600">
+              <a:srgbClr val="9966FF">
+                <a:alpha val="40000"/>
+              </a:srgbClr>
+            </a:glow>
+          </a:effectLst>
+        </p:spPr>
+        <p:style>
+          <a:lnRef idx="1">
+            <a:schemeClr val="accent1"/>
+          </a:lnRef>
+          <a:fillRef idx="0">
+            <a:schemeClr val="accent1"/>
+          </a:fillRef>
+          <a:effectRef idx="0">
+            <a:schemeClr val="accent1"/>
+          </a:effectRef>
+          <a:fontRef idx="minor">
+            <a:schemeClr val="tx1"/>
+          </a:fontRef>
+        </p:style>
+        <p:txBody>
+          <a:bodyPr rtlCol="0" anchor="ctr"/>
+          <a:lstStyle/>
+          <a:p>
+            <a:pPr algn="ctr"/>
+            <a:endParaRPr lang="ko-KR" altLang="en-US" dirty="0"/>
+          </a:p>
+        </p:txBody>
+      </p:sp>
+      <p:sp>
+        <p:nvSpPr>
+          <p:cNvPr id="80" name="타원 79">
+            <a:extLst>
+              <a:ext uri="{FF2B5EF4-FFF2-40B4-BE49-F238E27FC236}">
+                <a16:creationId xmlns:a16="http://schemas.microsoft.com/office/drawing/2014/main" id="{C1D845D9-4AD9-2072-13ED-EEC583875C69}"/>
+              </a:ext>
+            </a:extLst>
+          </p:cNvPr>
+          <p:cNvSpPr/>
+          <p:nvPr/>
+        </p:nvSpPr>
+        <p:spPr>
+          <a:xfrm>
+            <a:off x="3593756" y="3643089"/>
+            <a:ext cx="29629" cy="29629"/>
+          </a:xfrm>
+          <a:prstGeom prst="ellipse">
+            <a:avLst/>
+          </a:prstGeom>
+          <a:solidFill>
+            <a:schemeClr val="bg1"/>
+          </a:solidFill>
+          <a:ln>
+            <a:noFill/>
+            <a:headEnd type="none" w="med" len="med"/>
+            <a:tailEnd type="arrow" w="med" len="med"/>
+          </a:ln>
+          <a:effectLst>
+            <a:glow rad="101600">
+              <a:srgbClr val="9966FF">
+                <a:alpha val="40000"/>
+              </a:srgbClr>
+            </a:glow>
+          </a:effectLst>
+        </p:spPr>
+        <p:style>
+          <a:lnRef idx="1">
+            <a:schemeClr val="accent1"/>
+          </a:lnRef>
+          <a:fillRef idx="0">
+            <a:schemeClr val="accent1"/>
+          </a:fillRef>
+          <a:effectRef idx="0">
+            <a:schemeClr val="accent1"/>
+          </a:effectRef>
+          <a:fontRef idx="minor">
+            <a:schemeClr val="tx1"/>
+          </a:fontRef>
+        </p:style>
+        <p:txBody>
+          <a:bodyPr rtlCol="0" anchor="ctr"/>
+          <a:lstStyle/>
+          <a:p>
+            <a:pPr algn="ctr"/>
+            <a:endParaRPr lang="ko-KR" altLang="en-US" dirty="0"/>
+          </a:p>
+        </p:txBody>
+      </p:sp>
+      <p:sp>
+        <p:nvSpPr>
+          <p:cNvPr id="82" name="타원 81">
+            <a:extLst>
+              <a:ext uri="{FF2B5EF4-FFF2-40B4-BE49-F238E27FC236}">
+                <a16:creationId xmlns:a16="http://schemas.microsoft.com/office/drawing/2014/main" id="{DC9135A5-99E9-97D4-2C84-916B12FD2449}"/>
+              </a:ext>
+            </a:extLst>
+          </p:cNvPr>
+          <p:cNvSpPr/>
+          <p:nvPr/>
+        </p:nvSpPr>
+        <p:spPr>
+          <a:xfrm>
+            <a:off x="3740716" y="4872370"/>
+            <a:ext cx="29629" cy="29629"/>
+          </a:xfrm>
+          <a:prstGeom prst="ellipse">
+            <a:avLst/>
+          </a:prstGeom>
+          <a:solidFill>
+            <a:schemeClr val="bg1"/>
+          </a:solidFill>
+          <a:ln>
+            <a:noFill/>
+            <a:headEnd type="none" w="med" len="med"/>
+            <a:tailEnd type="arrow" w="med" len="med"/>
+          </a:ln>
+          <a:effectLst>
+            <a:glow rad="101600">
+              <a:srgbClr val="9966FF">
+                <a:alpha val="40000"/>
+              </a:srgbClr>
+            </a:glow>
+          </a:effectLst>
+        </p:spPr>
+        <p:style>
+          <a:lnRef idx="1">
+            <a:schemeClr val="accent1"/>
+          </a:lnRef>
+          <a:fillRef idx="0">
+            <a:schemeClr val="accent1"/>
+          </a:fillRef>
+          <a:effectRef idx="0">
+            <a:schemeClr val="accent1"/>
+          </a:effectRef>
+          <a:fontRef idx="minor">
+            <a:schemeClr val="tx1"/>
+          </a:fontRef>
+        </p:style>
+        <p:txBody>
+          <a:bodyPr rtlCol="0" anchor="ctr"/>
+          <a:lstStyle/>
+          <a:p>
+            <a:pPr algn="ctr"/>
+            <a:endParaRPr lang="ko-KR" altLang="en-US" dirty="0"/>
+          </a:p>
+        </p:txBody>
+      </p:sp>
+      <p:sp>
+        <p:nvSpPr>
+          <p:cNvPr id="85" name="타원 84">
+            <a:extLst>
+              <a:ext uri="{FF2B5EF4-FFF2-40B4-BE49-F238E27FC236}">
+                <a16:creationId xmlns:a16="http://schemas.microsoft.com/office/drawing/2014/main" id="{8C0A054C-3A93-6798-0337-86F173B1432C}"/>
+              </a:ext>
+            </a:extLst>
+          </p:cNvPr>
+          <p:cNvSpPr/>
+          <p:nvPr/>
+        </p:nvSpPr>
+        <p:spPr>
+          <a:xfrm>
+            <a:off x="4003027" y="4872370"/>
+            <a:ext cx="29629" cy="29629"/>
+          </a:xfrm>
+          <a:prstGeom prst="ellipse">
+            <a:avLst/>
+          </a:prstGeom>
+          <a:solidFill>
+            <a:schemeClr val="bg1"/>
+          </a:solidFill>
+          <a:ln>
+            <a:noFill/>
+            <a:headEnd type="none" w="med" len="med"/>
+            <a:tailEnd type="arrow" w="med" len="med"/>
+          </a:ln>
+          <a:effectLst>
+            <a:glow rad="101600">
+              <a:srgbClr val="9966FF">
+                <a:alpha val="40000"/>
+              </a:srgbClr>
+            </a:glow>
+          </a:effectLst>
+        </p:spPr>
+        <p:style>
+          <a:lnRef idx="1">
+            <a:schemeClr val="accent1"/>
+          </a:lnRef>
+          <a:fillRef idx="0">
+            <a:schemeClr val="accent1"/>
+          </a:fillRef>
+          <a:effectRef idx="0">
+            <a:schemeClr val="accent1"/>
+          </a:effectRef>
+          <a:fontRef idx="minor">
+            <a:schemeClr val="tx1"/>
+          </a:fontRef>
+        </p:style>
+        <p:txBody>
+          <a:bodyPr rtlCol="0" anchor="ctr"/>
+          <a:lstStyle/>
+          <a:p>
+            <a:pPr algn="ctr"/>
+            <a:endParaRPr lang="ko-KR" altLang="en-US" dirty="0"/>
+          </a:p>
+        </p:txBody>
+      </p:sp>
+      <p:cxnSp>
+        <p:nvCxnSpPr>
+          <p:cNvPr id="87" name="직선 화살표 연결선 86">
+            <a:extLst>
+              <a:ext uri="{FF2B5EF4-FFF2-40B4-BE49-F238E27FC236}">
+                <a16:creationId xmlns:a16="http://schemas.microsoft.com/office/drawing/2014/main" id="{4DF9D65D-833F-0E70-B886-EDD4C36F16DD}"/>
+              </a:ext>
+            </a:extLst>
+          </p:cNvPr>
+          <p:cNvCxnSpPr/>
+          <p:nvPr/>
+        </p:nvCxnSpPr>
+        <p:spPr>
+          <a:xfrm>
+            <a:off x="3663578" y="3314584"/>
+            <a:ext cx="0" cy="1906598"/>
+          </a:xfrm>
+          <a:prstGeom prst="straightConnector1">
+            <a:avLst/>
+          </a:prstGeom>
+          <a:ln>
+            <a:solidFill>
+              <a:schemeClr val="bg1"/>
+            </a:solidFill>
+            <a:headEnd type="arrow" w="med" len="med"/>
+            <a:tailEnd type="arrow" w="med" len="med"/>
+          </a:ln>
+          <a:effectLst>
+            <a:glow rad="101600">
+              <a:srgbClr val="9966FF">
+                <a:alpha val="40000"/>
+              </a:srgbClr>
+            </a:glow>
+          </a:effectLst>
+        </p:spPr>
+        <p:style>
+          <a:lnRef idx="1">
+            <a:schemeClr val="accent1"/>
+          </a:lnRef>
+          <a:fillRef idx="0">
+            <a:schemeClr val="accent1"/>
+          </a:fillRef>
+          <a:effectRef idx="0">
+            <a:schemeClr val="accent1"/>
+          </a:effectRef>
+          <a:fontRef idx="minor">
+            <a:schemeClr val="tx1"/>
+          </a:fontRef>
+        </p:style>
+      </p:cxnSp>
+      <p:cxnSp>
+        <p:nvCxnSpPr>
+          <p:cNvPr id="88" name="직선 연결선 87">
+            <a:extLst>
+              <a:ext uri="{FF2B5EF4-FFF2-40B4-BE49-F238E27FC236}">
+                <a16:creationId xmlns:a16="http://schemas.microsoft.com/office/drawing/2014/main" id="{B5973A71-6168-1FE6-68FD-2FEF8534E767}"/>
+              </a:ext>
+            </a:extLst>
+          </p:cNvPr>
+          <p:cNvCxnSpPr/>
+          <p:nvPr/>
+        </p:nvCxnSpPr>
+        <p:spPr>
+          <a:xfrm>
+            <a:off x="4508889" y="3759322"/>
+            <a:ext cx="473343" cy="0"/>
+          </a:xfrm>
+          <a:prstGeom prst="line">
+            <a:avLst/>
+          </a:prstGeom>
+          <a:ln w="57150">
+            <a:solidFill>
+              <a:srgbClr val="33CCCC"/>
+            </a:solidFill>
+          </a:ln>
+        </p:spPr>
+        <p:style>
+          <a:lnRef idx="1">
+            <a:schemeClr val="accent1"/>
+          </a:lnRef>
+          <a:fillRef idx="0">
+            <a:schemeClr val="accent1"/>
+          </a:fillRef>
+          <a:effectRef idx="0">
+            <a:schemeClr val="accent1"/>
+          </a:effectRef>
+          <a:fontRef idx="minor">
+            <a:schemeClr val="tx1"/>
+          </a:fontRef>
+        </p:style>
+      </p:cxnSp>
+      <p:cxnSp>
+        <p:nvCxnSpPr>
+          <p:cNvPr id="89" name="직선 연결선 88">
+            <a:extLst>
+              <a:ext uri="{FF2B5EF4-FFF2-40B4-BE49-F238E27FC236}">
+                <a16:creationId xmlns:a16="http://schemas.microsoft.com/office/drawing/2014/main" id="{5FC1CAD0-F718-2EA4-1EE9-C6C3B7567905}"/>
+              </a:ext>
+            </a:extLst>
+          </p:cNvPr>
+          <p:cNvCxnSpPr/>
+          <p:nvPr/>
+        </p:nvCxnSpPr>
+        <p:spPr>
+          <a:xfrm>
+            <a:off x="4976474" y="3742047"/>
+            <a:ext cx="0" cy="841283"/>
+          </a:xfrm>
+          <a:prstGeom prst="line">
+            <a:avLst/>
+          </a:prstGeom>
+          <a:ln w="57150">
+            <a:solidFill>
+              <a:srgbClr val="33CCCC"/>
+            </a:solidFill>
+          </a:ln>
+        </p:spPr>
+        <p:style>
+          <a:lnRef idx="1">
+            <a:schemeClr val="accent1"/>
+          </a:lnRef>
+          <a:fillRef idx="0">
+            <a:schemeClr val="accent1"/>
+          </a:fillRef>
+          <a:effectRef idx="0">
+            <a:schemeClr val="accent1"/>
+          </a:effectRef>
+          <a:fontRef idx="minor">
+            <a:schemeClr val="tx1"/>
+          </a:fontRef>
+        </p:style>
+      </p:cxnSp>
+      <p:cxnSp>
+        <p:nvCxnSpPr>
+          <p:cNvPr id="90" name="직선 연결선 89">
+            <a:extLst>
+              <a:ext uri="{FF2B5EF4-FFF2-40B4-BE49-F238E27FC236}">
+                <a16:creationId xmlns:a16="http://schemas.microsoft.com/office/drawing/2014/main" id="{BFE681F5-7F21-E3A3-35C0-45EE64E39C00}"/>
+              </a:ext>
+            </a:extLst>
+          </p:cNvPr>
+          <p:cNvCxnSpPr>
+            <a:cxnSpLocks/>
+          </p:cNvCxnSpPr>
+          <p:nvPr/>
+        </p:nvCxnSpPr>
+        <p:spPr>
+          <a:xfrm>
+            <a:off x="4970716" y="4584817"/>
+            <a:ext cx="481895" cy="0"/>
+          </a:xfrm>
+          <a:prstGeom prst="line">
+            <a:avLst/>
+          </a:prstGeom>
+          <a:ln w="57150">
+            <a:solidFill>
+              <a:srgbClr val="33CCCC"/>
+            </a:solidFill>
+          </a:ln>
+        </p:spPr>
+        <p:style>
+          <a:lnRef idx="1">
+            <a:schemeClr val="accent1"/>
+          </a:lnRef>
+          <a:fillRef idx="0">
+            <a:schemeClr val="accent1"/>
+          </a:fillRef>
+          <a:effectRef idx="0">
+            <a:schemeClr val="accent1"/>
+          </a:effectRef>
+          <a:fontRef idx="minor">
+            <a:schemeClr val="tx1"/>
+          </a:fontRef>
+        </p:style>
+      </p:cxnSp>
+      <p:sp>
+        <p:nvSpPr>
+          <p:cNvPr id="101" name="직사각형 100">
+            <a:extLst>
+              <a:ext uri="{FF2B5EF4-FFF2-40B4-BE49-F238E27FC236}">
+                <a16:creationId xmlns:a16="http://schemas.microsoft.com/office/drawing/2014/main" id="{44963F90-259D-E86D-F48C-936656091DCA}"/>
+              </a:ext>
+            </a:extLst>
+          </p:cNvPr>
+          <p:cNvSpPr/>
+          <p:nvPr/>
+        </p:nvSpPr>
+        <p:spPr>
+          <a:xfrm>
+            <a:off x="3848255" y="5137450"/>
+            <a:ext cx="80095" cy="80095"/>
+          </a:xfrm>
+          <a:prstGeom prst="rect">
+            <a:avLst/>
+          </a:prstGeom>
+          <a:solidFill>
+            <a:srgbClr val="3366FF"/>
+          </a:solidFill>
+          <a:ln w="12700">
+            <a:solidFill>
+              <a:srgbClr val="000000"/>
+            </a:solidFill>
+          </a:ln>
+        </p:spPr>
+        <p:style>
+          <a:lnRef idx="2">
+            <a:schemeClr val="accent1">
+              <a:shade val="50000"/>
+            </a:schemeClr>
+          </a:lnRef>
+          <a:fillRef idx="1">
+            <a:schemeClr val="accent1"/>
+          </a:fillRef>
+          <a:effectRef idx="0">
+            <a:schemeClr val="accent1"/>
+          </a:effectRef>
+          <a:fontRef idx="minor"/>
+        </p:style>
+        <p:txBody>
+          <a:bodyPr rtlCol="0" anchor="ctr"/>
+          <a:lstStyle/>
+          <a:p>
+            <a:pPr algn="ctr"/>
+            <a:endParaRPr lang="ko-KR" altLang="en-US" sz="1000" dirty="0"/>
+          </a:p>
+        </p:txBody>
+      </p:sp>
+      <p:sp>
+        <p:nvSpPr>
+          <p:cNvPr id="102" name="직사각형 101">
+            <a:extLst>
+              <a:ext uri="{FF2B5EF4-FFF2-40B4-BE49-F238E27FC236}">
+                <a16:creationId xmlns:a16="http://schemas.microsoft.com/office/drawing/2014/main" id="{0A353AEC-F423-D07B-0A44-EAD219354E3A}"/>
+              </a:ext>
+            </a:extLst>
+          </p:cNvPr>
+          <p:cNvSpPr/>
+          <p:nvPr/>
+        </p:nvSpPr>
+        <p:spPr>
+          <a:xfrm>
+            <a:off x="4508458" y="3314584"/>
+            <a:ext cx="29651" cy="460139"/>
+          </a:xfrm>
+          <a:prstGeom prst="rect">
+            <a:avLst/>
+          </a:prstGeom>
+          <a:solidFill>
+            <a:srgbClr val="3366FF"/>
+          </a:solidFill>
+          <a:ln w="12700">
+            <a:solidFill>
+              <a:srgbClr val="000000"/>
+            </a:solidFill>
+          </a:ln>
+        </p:spPr>
+        <p:style>
+          <a:lnRef idx="2">
+            <a:schemeClr val="accent1">
+              <a:shade val="50000"/>
+            </a:schemeClr>
+          </a:lnRef>
+          <a:fillRef idx="1">
+            <a:schemeClr val="accent1"/>
+          </a:fillRef>
+          <a:effectRef idx="0">
+            <a:schemeClr val="accent1"/>
+          </a:effectRef>
+          <a:fontRef idx="minor"/>
+        </p:style>
+        <p:txBody>
+          <a:bodyPr rtlCol="0" anchor="ctr"/>
+          <a:lstStyle/>
+          <a:p>
+            <a:pPr algn="ctr"/>
+            <a:endParaRPr lang="ko-KR" altLang="en-US" sz="1000">
+              <a:solidFill>
+                <a:schemeClr val="tx1"/>
+              </a:solidFill>
+            </a:endParaRPr>
+          </a:p>
+        </p:txBody>
+      </p:sp>
+      <p:sp>
+        <p:nvSpPr>
+          <p:cNvPr id="103" name="직사각형 102">
+            <a:extLst>
+              <a:ext uri="{FF2B5EF4-FFF2-40B4-BE49-F238E27FC236}">
+                <a16:creationId xmlns:a16="http://schemas.microsoft.com/office/drawing/2014/main" id="{8A5BA026-F8F1-B175-161F-6F2CD4FBC1A0}"/>
+              </a:ext>
+            </a:extLst>
+          </p:cNvPr>
+          <p:cNvSpPr/>
+          <p:nvPr/>
+        </p:nvSpPr>
+        <p:spPr>
+          <a:xfrm>
+            <a:off x="3415592" y="3478546"/>
+            <a:ext cx="80095" cy="80095"/>
+          </a:xfrm>
+          <a:prstGeom prst="rect">
+            <a:avLst/>
+          </a:prstGeom>
+          <a:solidFill>
+            <a:schemeClr val="bg1">
+              <a:lumMod val="85000"/>
+            </a:schemeClr>
+          </a:solidFill>
+          <a:ln w="12700">
+            <a:solidFill>
+              <a:srgbClr val="000000"/>
+            </a:solidFill>
+          </a:ln>
+        </p:spPr>
+        <p:style>
+          <a:lnRef idx="2">
+            <a:schemeClr val="accent1">
+              <a:shade val="50000"/>
+            </a:schemeClr>
+          </a:lnRef>
+          <a:fillRef idx="1">
+            <a:schemeClr val="accent1"/>
+          </a:fillRef>
+          <a:effectRef idx="0">
+            <a:schemeClr val="accent1"/>
+          </a:effectRef>
+          <a:fontRef idx="minor"/>
+        </p:style>
+        <p:txBody>
+          <a:bodyPr rtlCol="0" anchor="ctr"/>
+          <a:lstStyle/>
+          <a:p>
+            <a:pPr algn="ctr"/>
+            <a:r>
+              <a:rPr lang="en-US" altLang="ko-KR" sz="1000" dirty="0"/>
+              <a:t>A</a:t>
+            </a:r>
+            <a:endParaRPr lang="ko-KR" altLang="en-US" sz="1000" dirty="0"/>
+          </a:p>
+        </p:txBody>
+      </p:sp>
+      <p:cxnSp>
+        <p:nvCxnSpPr>
+          <p:cNvPr id="104" name="직선 연결선 103">
+            <a:extLst>
+              <a:ext uri="{FF2B5EF4-FFF2-40B4-BE49-F238E27FC236}">
+                <a16:creationId xmlns:a16="http://schemas.microsoft.com/office/drawing/2014/main" id="{829B9E0D-4C2A-0BDF-565B-D569A01CC960}"/>
+              </a:ext>
+            </a:extLst>
+          </p:cNvPr>
+          <p:cNvCxnSpPr>
+            <a:cxnSpLocks/>
+          </p:cNvCxnSpPr>
+          <p:nvPr/>
+        </p:nvCxnSpPr>
+        <p:spPr>
+          <a:xfrm flipV="1">
+            <a:off x="2609738" y="2519058"/>
+            <a:ext cx="0" cy="818479"/>
+          </a:xfrm>
+          <a:prstGeom prst="line">
+            <a:avLst/>
+          </a:prstGeom>
+          <a:ln w="12700">
+            <a:solidFill>
+              <a:schemeClr val="tx1">
+                <a:lumMod val="50000"/>
+                <a:lumOff val="50000"/>
+              </a:schemeClr>
+            </a:solidFill>
+            <a:prstDash val="dash"/>
+          </a:ln>
+        </p:spPr>
+        <p:style>
+          <a:lnRef idx="1">
+            <a:schemeClr val="accent1"/>
+          </a:lnRef>
+          <a:fillRef idx="0">
+            <a:schemeClr val="accent1"/>
+          </a:fillRef>
+          <a:effectRef idx="0">
+            <a:schemeClr val="accent1"/>
+          </a:effectRef>
+          <a:fontRef idx="minor">
+            <a:schemeClr val="tx1"/>
+          </a:fontRef>
+        </p:style>
+      </p:cxnSp>
+      <p:sp>
+        <p:nvSpPr>
+          <p:cNvPr id="109" name="TextBox 108">
+            <a:extLst>
+              <a:ext uri="{FF2B5EF4-FFF2-40B4-BE49-F238E27FC236}">
+                <a16:creationId xmlns:a16="http://schemas.microsoft.com/office/drawing/2014/main" id="{F5B4DBA1-356C-A7A3-6931-41C8375B9991}"/>
+              </a:ext>
+            </a:extLst>
+          </p:cNvPr>
+          <p:cNvSpPr txBox="1"/>
+          <p:nvPr/>
+        </p:nvSpPr>
+        <p:spPr>
+          <a:xfrm>
+            <a:off x="2321626" y="2244480"/>
+            <a:ext cx="532641" cy="276999"/>
+          </a:xfrm>
+          <a:prstGeom prst="rect">
+            <a:avLst/>
+          </a:prstGeom>
+          <a:noFill/>
+        </p:spPr>
+        <p:txBody>
+          <a:bodyPr wrap="square" rtlCol="0">
+            <a:spAutoFit/>
+          </a:bodyPr>
+          <a:lstStyle/>
+          <a:p>
+            <a:pPr algn="ctr"/>
+            <a:r>
+              <a:rPr lang="en-US" altLang="ko-KR" sz="1200" dirty="0">
+                <a:solidFill>
+                  <a:schemeClr val="bg1">
+                    <a:lumMod val="50000"/>
+                  </a:schemeClr>
+                </a:solidFill>
+              </a:rPr>
+              <a:t>16m</a:t>
+            </a:r>
+            <a:endParaRPr lang="ko-KR" altLang="en-US" sz="1200" dirty="0">
+              <a:solidFill>
+                <a:schemeClr val="bg1">
+                  <a:lumMod val="50000"/>
+                </a:schemeClr>
+              </a:solidFill>
+            </a:endParaRPr>
+          </a:p>
+        </p:txBody>
+      </p:sp>
+      <p:sp>
+        <p:nvSpPr>
+          <p:cNvPr id="111" name="직사각형 260">
+            <a:extLst>
+              <a:ext uri="{FF2B5EF4-FFF2-40B4-BE49-F238E27FC236}">
+                <a16:creationId xmlns:a16="http://schemas.microsoft.com/office/drawing/2014/main" id="{E14063E2-B2F5-5AA3-9320-B4C37C8FA209}"/>
+              </a:ext>
+            </a:extLst>
+          </p:cNvPr>
+          <p:cNvSpPr/>
+          <p:nvPr/>
+        </p:nvSpPr>
+        <p:spPr>
+          <a:xfrm>
+            <a:off x="2376165" y="3956706"/>
+            <a:ext cx="218540" cy="622354"/>
+          </a:xfrm>
+          <a:prstGeom prst="rect">
+            <a:avLst/>
+          </a:prstGeom>
+          <a:solidFill>
+            <a:schemeClr val="bg1">
+              <a:lumMod val="50000"/>
+            </a:schemeClr>
+          </a:solidFill>
+          <a:ln w="12700">
+            <a:solidFill>
+              <a:srgbClr val="000000"/>
+            </a:solidFill>
+          </a:ln>
+        </p:spPr>
+        <p:style>
+          <a:lnRef idx="2">
+            <a:schemeClr val="accent1">
+              <a:shade val="50000"/>
+            </a:schemeClr>
+          </a:lnRef>
+          <a:fillRef idx="1">
+            <a:schemeClr val="accent1"/>
+          </a:fillRef>
+          <a:effectRef idx="0">
+            <a:schemeClr val="accent1"/>
+          </a:effectRef>
+          <a:fontRef idx="minor"/>
+        </p:style>
+        <p:txBody>
+          <a:bodyPr/>
+          <a:lstStyle/>
+          <a:p>
+            <a:endParaRPr lang="ko-KR" altLang="en-US" dirty="0"/>
+          </a:p>
+        </p:txBody>
+      </p:sp>
+      <p:cxnSp>
+        <p:nvCxnSpPr>
+          <p:cNvPr id="112" name="직선 연결선 111">
+            <a:extLst>
+              <a:ext uri="{FF2B5EF4-FFF2-40B4-BE49-F238E27FC236}">
+                <a16:creationId xmlns:a16="http://schemas.microsoft.com/office/drawing/2014/main" id="{29BFEC10-1CFB-CD83-965A-88A2F134B3D7}"/>
+              </a:ext>
+            </a:extLst>
+          </p:cNvPr>
+          <p:cNvCxnSpPr>
+            <a:cxnSpLocks/>
+          </p:cNvCxnSpPr>
+          <p:nvPr/>
+        </p:nvCxnSpPr>
+        <p:spPr>
+          <a:xfrm flipV="1">
+            <a:off x="2376165" y="2806279"/>
+            <a:ext cx="0" cy="1172547"/>
+          </a:xfrm>
+          <a:prstGeom prst="line">
+            <a:avLst/>
+          </a:prstGeom>
+          <a:ln w="12700">
+            <a:solidFill>
+              <a:schemeClr val="tx1">
+                <a:lumMod val="50000"/>
+                <a:lumOff val="50000"/>
+              </a:schemeClr>
+            </a:solidFill>
+            <a:prstDash val="dash"/>
+          </a:ln>
+        </p:spPr>
+        <p:style>
+          <a:lnRef idx="1">
+            <a:schemeClr val="accent1"/>
+          </a:lnRef>
+          <a:fillRef idx="0">
+            <a:schemeClr val="accent1"/>
+          </a:fillRef>
+          <a:effectRef idx="0">
+            <a:schemeClr val="accent1"/>
+          </a:effectRef>
+          <a:fontRef idx="minor">
+            <a:schemeClr val="tx1"/>
+          </a:fontRef>
+        </p:style>
+      </p:cxnSp>
+      <p:sp>
+        <p:nvSpPr>
+          <p:cNvPr id="113" name="TextBox 112">
+            <a:extLst>
+              <a:ext uri="{FF2B5EF4-FFF2-40B4-BE49-F238E27FC236}">
+                <a16:creationId xmlns:a16="http://schemas.microsoft.com/office/drawing/2014/main" id="{C73C90E8-98D0-F5D0-073D-20B5A11CA398}"/>
+              </a:ext>
+            </a:extLst>
+          </p:cNvPr>
+          <p:cNvSpPr txBox="1"/>
+          <p:nvPr/>
+        </p:nvSpPr>
+        <p:spPr>
+          <a:xfrm>
+            <a:off x="2110088" y="2544858"/>
+            <a:ext cx="532641" cy="276999"/>
+          </a:xfrm>
+          <a:prstGeom prst="rect">
+            <a:avLst/>
+          </a:prstGeom>
+          <a:noFill/>
+        </p:spPr>
+        <p:txBody>
+          <a:bodyPr wrap="square" rtlCol="0">
+            <a:spAutoFit/>
+          </a:bodyPr>
+          <a:lstStyle/>
+          <a:p>
+            <a:pPr algn="ctr"/>
+            <a:r>
+              <a:rPr lang="en-US" altLang="ko-KR" sz="1200" dirty="0">
+                <a:solidFill>
+                  <a:schemeClr val="bg1">
+                    <a:lumMod val="50000"/>
+                  </a:schemeClr>
+                </a:solidFill>
+              </a:rPr>
+              <a:t>14m</a:t>
+            </a:r>
+            <a:endParaRPr lang="ko-KR" altLang="en-US" sz="1200" dirty="0">
+              <a:solidFill>
+                <a:schemeClr val="bg1">
+                  <a:lumMod val="50000"/>
+                </a:schemeClr>
+              </a:solidFill>
+            </a:endParaRPr>
+          </a:p>
+        </p:txBody>
+      </p:sp>
+      <p:cxnSp>
+        <p:nvCxnSpPr>
+          <p:cNvPr id="115" name="직선 연결선 114">
+            <a:extLst>
+              <a:ext uri="{FF2B5EF4-FFF2-40B4-BE49-F238E27FC236}">
+                <a16:creationId xmlns:a16="http://schemas.microsoft.com/office/drawing/2014/main" id="{7555509D-5DC9-1DCF-8CA3-36BCFB85AE28}"/>
+              </a:ext>
+            </a:extLst>
+          </p:cNvPr>
+          <p:cNvCxnSpPr>
+            <a:cxnSpLocks/>
+          </p:cNvCxnSpPr>
+          <p:nvPr/>
+        </p:nvCxnSpPr>
+        <p:spPr>
+          <a:xfrm flipV="1">
+            <a:off x="6208825" y="2269200"/>
+            <a:ext cx="0" cy="383434"/>
+          </a:xfrm>
+          <a:prstGeom prst="line">
+            <a:avLst/>
+          </a:prstGeom>
+          <a:ln w="12700">
+            <a:solidFill>
+              <a:schemeClr val="tx1">
+                <a:lumMod val="50000"/>
+                <a:lumOff val="50000"/>
+              </a:schemeClr>
+            </a:solidFill>
+            <a:prstDash val="dash"/>
+          </a:ln>
+        </p:spPr>
+        <p:style>
+          <a:lnRef idx="1">
+            <a:schemeClr val="accent1"/>
+          </a:lnRef>
+          <a:fillRef idx="0">
+            <a:schemeClr val="accent1"/>
+          </a:fillRef>
+          <a:effectRef idx="0">
+            <a:schemeClr val="accent1"/>
+          </a:effectRef>
+          <a:fontRef idx="minor">
+            <a:schemeClr val="tx1"/>
+          </a:fontRef>
+        </p:style>
+      </p:cxnSp>
+      <p:sp>
+        <p:nvSpPr>
+          <p:cNvPr id="116" name="TextBox 115">
+            <a:extLst>
+              <a:ext uri="{FF2B5EF4-FFF2-40B4-BE49-F238E27FC236}">
+                <a16:creationId xmlns:a16="http://schemas.microsoft.com/office/drawing/2014/main" id="{D91A6D42-9CD0-5585-55D3-25F56AB27441}"/>
+              </a:ext>
+            </a:extLst>
+          </p:cNvPr>
+          <p:cNvSpPr txBox="1"/>
+          <p:nvPr/>
+        </p:nvSpPr>
+        <p:spPr>
+          <a:xfrm>
+            <a:off x="5920713" y="1994622"/>
+            <a:ext cx="532641" cy="276999"/>
+          </a:xfrm>
+          <a:prstGeom prst="rect">
+            <a:avLst/>
+          </a:prstGeom>
+          <a:noFill/>
+        </p:spPr>
+        <p:txBody>
+          <a:bodyPr wrap="square" rtlCol="0">
+            <a:spAutoFit/>
+          </a:bodyPr>
+          <a:lstStyle/>
+          <a:p>
+            <a:pPr algn="ctr"/>
+            <a:r>
+              <a:rPr lang="en-US" altLang="ko-KR" sz="1200" dirty="0">
+                <a:solidFill>
+                  <a:schemeClr val="bg1">
+                    <a:lumMod val="50000"/>
+                  </a:schemeClr>
+                </a:solidFill>
+              </a:rPr>
+              <a:t>34m</a:t>
+            </a:r>
+            <a:endParaRPr lang="ko-KR" altLang="en-US" sz="1200" dirty="0">
+              <a:solidFill>
+                <a:schemeClr val="bg1">
+                  <a:lumMod val="50000"/>
+                </a:schemeClr>
+              </a:solidFill>
+            </a:endParaRPr>
+          </a:p>
+        </p:txBody>
+      </p:sp>
+      <p:cxnSp>
+        <p:nvCxnSpPr>
+          <p:cNvPr id="124" name="직선 연결선 123">
+            <a:extLst>
+              <a:ext uri="{FF2B5EF4-FFF2-40B4-BE49-F238E27FC236}">
+                <a16:creationId xmlns:a16="http://schemas.microsoft.com/office/drawing/2014/main" id="{B70A2E88-D1AB-F3D7-8D1B-E6B6D1E1387C}"/>
+              </a:ext>
+            </a:extLst>
+          </p:cNvPr>
+          <p:cNvCxnSpPr>
+            <a:cxnSpLocks/>
+          </p:cNvCxnSpPr>
+          <p:nvPr/>
+        </p:nvCxnSpPr>
+        <p:spPr>
+          <a:xfrm flipV="1">
+            <a:off x="5956918" y="2544858"/>
+            <a:ext cx="0" cy="1544714"/>
+          </a:xfrm>
+          <a:prstGeom prst="line">
+            <a:avLst/>
+          </a:prstGeom>
+          <a:ln w="12700">
+            <a:solidFill>
+              <a:schemeClr val="tx1">
+                <a:lumMod val="50000"/>
+                <a:lumOff val="50000"/>
+              </a:schemeClr>
+            </a:solidFill>
+            <a:prstDash val="dash"/>
+          </a:ln>
+        </p:spPr>
+        <p:style>
+          <a:lnRef idx="1">
+            <a:schemeClr val="accent1"/>
+          </a:lnRef>
+          <a:fillRef idx="0">
+            <a:schemeClr val="accent1"/>
+          </a:fillRef>
+          <a:effectRef idx="0">
+            <a:schemeClr val="accent1"/>
+          </a:effectRef>
+          <a:fontRef idx="minor">
+            <a:schemeClr val="tx1"/>
+          </a:fontRef>
+        </p:style>
+      </p:cxnSp>
+      <p:sp>
+        <p:nvSpPr>
+          <p:cNvPr id="128" name="TextBox 127">
+            <a:extLst>
+              <a:ext uri="{FF2B5EF4-FFF2-40B4-BE49-F238E27FC236}">
+                <a16:creationId xmlns:a16="http://schemas.microsoft.com/office/drawing/2014/main" id="{962FE58C-833B-8470-7DD0-28D4738C7B98}"/>
+              </a:ext>
+            </a:extLst>
+          </p:cNvPr>
+          <p:cNvSpPr txBox="1"/>
+          <p:nvPr/>
+        </p:nvSpPr>
+        <p:spPr>
+          <a:xfrm>
+            <a:off x="5689576" y="2269070"/>
+            <a:ext cx="532641" cy="276999"/>
+          </a:xfrm>
+          <a:prstGeom prst="rect">
+            <a:avLst/>
+          </a:prstGeom>
+          <a:noFill/>
+        </p:spPr>
+        <p:txBody>
+          <a:bodyPr wrap="square" rtlCol="0">
+            <a:spAutoFit/>
+          </a:bodyPr>
+          <a:lstStyle/>
+          <a:p>
+            <a:pPr algn="ctr"/>
+            <a:r>
+              <a:rPr lang="en-US" altLang="ko-KR" sz="1200" dirty="0">
+                <a:solidFill>
+                  <a:schemeClr val="bg1">
+                    <a:lumMod val="50000"/>
+                  </a:schemeClr>
+                </a:solidFill>
+              </a:rPr>
+              <a:t>32m</a:t>
+            </a:r>
+            <a:endParaRPr lang="ko-KR" altLang="en-US" sz="1200" dirty="0">
+              <a:solidFill>
+                <a:schemeClr val="bg1">
+                  <a:lumMod val="50000"/>
+                </a:schemeClr>
+              </a:solidFill>
+            </a:endParaRPr>
+          </a:p>
+        </p:txBody>
+      </p:sp>
+    </p:spTree>
+    <p:extLst>
+      <p:ext uri="{BB962C8B-B14F-4D97-AF65-F5344CB8AC3E}">
+        <p14:creationId xmlns:p14="http://schemas.microsoft.com/office/powerpoint/2010/main" val="2944875672"/>
+      </p:ext>
+    </p:extLst>
+  </p:cSld>
+  <p:clrMapOvr>
+    <a:masterClrMapping/>
+  </p:clrMapOvr>
+</p:sld>
+</file>
+
+<file path=ppt/slides/slide15.xml><?xml version="1.0" encoding="utf-8"?>
+<p:sld xmlns:a="http://schemas.openxmlformats.org/drawingml/2006/main" xmlns:r="http://schemas.openxmlformats.org/officeDocument/2006/relationships" xmlns:p="http://schemas.openxmlformats.org/presentationml/2006/main">
+  <p:cSld>
+    <p:spTree>
+      <p:nvGrpSpPr>
+        <p:cNvPr id="1" name=""/>
+        <p:cNvGrpSpPr/>
+        <p:nvPr/>
+      </p:nvGrpSpPr>
+      <p:grpSpPr>
+        <a:xfrm>
+          <a:off x="0" y="0"/>
+          <a:ext cx="0" cy="0"/>
+          <a:chOff x="0" y="0"/>
+          <a:chExt cx="0" cy="0"/>
+        </a:xfrm>
+      </p:grpSpPr>
+      <p:sp>
+        <p:nvSpPr>
+          <p:cNvPr id="794" name="직사각형 29"/>
+          <p:cNvSpPr/>
+          <p:nvPr/>
+        </p:nvSpPr>
+        <p:spPr>
+          <a:xfrm>
+            <a:off x="0" y="318600"/>
+            <a:ext cx="1504080" cy="416520"/>
+          </a:xfrm>
+          <a:prstGeom prst="rect">
+            <a:avLst/>
+          </a:prstGeom>
+          <a:solidFill>
+            <a:schemeClr val="tx1">
+              <a:lumMod val="85000"/>
+              <a:lumOff val="15000"/>
+            </a:schemeClr>
+          </a:solidFill>
+          <a:ln>
+            <a:noFill/>
+          </a:ln>
+        </p:spPr>
+        <p:style>
+          <a:lnRef idx="2">
+            <a:schemeClr val="accent1">
+              <a:shade val="50000"/>
+            </a:schemeClr>
+          </a:lnRef>
+          <a:fillRef idx="1">
+            <a:schemeClr val="accent1"/>
+          </a:fillRef>
+          <a:effectRef idx="0">
+            <a:schemeClr val="accent1"/>
+          </a:effectRef>
+          <a:fontRef idx="minor"/>
+        </p:style>
+        <p:txBody>
+          <a:bodyPr lIns="90000" tIns="45000" rIns="90000" bIns="45000" anchor="ctr">
+            <a:noAutofit/>
+          </a:bodyPr>
+          <a:lstStyle/>
+          <a:p>
+            <a:pPr algn="ctr">
+              <a:lnSpc>
+                <a:spcPct val="100000"/>
+              </a:lnSpc>
+              <a:buNone/>
+            </a:pPr>
+            <a:r>
+              <a:rPr lang="en-US" sz="1800" b="0" strike="noStrike" spc="-1" dirty="0">
+                <a:solidFill>
+                  <a:schemeClr val="bg1"/>
+                </a:solidFill>
+                <a:latin typeface="Arial"/>
+              </a:rPr>
+              <a:t>Lumo_S10</a:t>
+            </a:r>
+          </a:p>
+        </p:txBody>
+      </p:sp>
+      <p:sp>
+        <p:nvSpPr>
+          <p:cNvPr id="46" name="직사각형 29">
+            <a:extLst>
+              <a:ext uri="{FF2B5EF4-FFF2-40B4-BE49-F238E27FC236}">
+                <a16:creationId xmlns:a16="http://schemas.microsoft.com/office/drawing/2014/main" id="{91B85975-9B0A-458D-34D5-2407E54D711E}"/>
+              </a:ext>
+            </a:extLst>
+          </p:cNvPr>
+          <p:cNvSpPr/>
+          <p:nvPr/>
+        </p:nvSpPr>
+        <p:spPr>
+          <a:xfrm>
+            <a:off x="1475349" y="325751"/>
+            <a:ext cx="1394226" cy="402218"/>
+          </a:xfrm>
+          <a:prstGeom prst="rect">
+            <a:avLst/>
+          </a:prstGeom>
+          <a:noFill/>
+          <a:ln w="19050">
+            <a:solidFill>
+              <a:schemeClr val="tx1">
+                <a:lumMod val="85000"/>
+                <a:lumOff val="15000"/>
+              </a:schemeClr>
+            </a:solidFill>
+          </a:ln>
+        </p:spPr>
+        <p:style>
+          <a:lnRef idx="2">
+            <a:schemeClr val="accent1">
+              <a:shade val="50000"/>
+            </a:schemeClr>
+          </a:lnRef>
+          <a:fillRef idx="1">
+            <a:schemeClr val="accent1"/>
+          </a:fillRef>
+          <a:effectRef idx="0">
+            <a:schemeClr val="accent1"/>
+          </a:effectRef>
+          <a:fontRef idx="minor"/>
+        </p:style>
+        <p:txBody>
+          <a:bodyPr lIns="90000" tIns="45000" rIns="90000" bIns="45000" anchor="ctr">
+            <a:noAutofit/>
+          </a:bodyPr>
+          <a:lstStyle/>
+          <a:p>
+            <a:pPr algn="ctr">
+              <a:lnSpc>
+                <a:spcPct val="100000"/>
+              </a:lnSpc>
+              <a:buNone/>
+            </a:pPr>
+            <a:r>
+              <a:rPr lang="ko-KR" altLang="en-US" sz="1600" b="0" strike="noStrike" spc="-1" dirty="0">
+                <a:latin typeface="Arial"/>
+              </a:rPr>
+              <a:t>전체 맵</a:t>
+            </a:r>
+            <a:endParaRPr lang="en-US" sz="1600" b="0" strike="noStrike" spc="-1" dirty="0">
+              <a:latin typeface="Arial"/>
+            </a:endParaRPr>
+          </a:p>
+        </p:txBody>
+      </p:sp>
+      <p:grpSp>
+        <p:nvGrpSpPr>
+          <p:cNvPr id="8" name="그룹 7">
+            <a:extLst>
+              <a:ext uri="{FF2B5EF4-FFF2-40B4-BE49-F238E27FC236}">
+                <a16:creationId xmlns:a16="http://schemas.microsoft.com/office/drawing/2014/main" id="{B5BAD275-7658-10F9-134A-1D20AE2A8304}"/>
+              </a:ext>
+            </a:extLst>
+          </p:cNvPr>
+          <p:cNvGrpSpPr/>
+          <p:nvPr/>
+        </p:nvGrpSpPr>
+        <p:grpSpPr>
+          <a:xfrm>
+            <a:off x="1308110" y="665825"/>
+            <a:ext cx="9721648" cy="5873575"/>
+            <a:chOff x="979636" y="665825"/>
+            <a:chExt cx="9721648" cy="5873575"/>
+          </a:xfrm>
+        </p:grpSpPr>
+        <p:cxnSp>
+          <p:nvCxnSpPr>
+            <p:cNvPr id="7" name="직선 연결선 6">
+              <a:extLst>
+                <a:ext uri="{FF2B5EF4-FFF2-40B4-BE49-F238E27FC236}">
+                  <a16:creationId xmlns:a16="http://schemas.microsoft.com/office/drawing/2014/main" id="{C1559AF9-9631-2FD7-6BE8-24A777411DB0}"/>
+                </a:ext>
+              </a:extLst>
+            </p:cNvPr>
+            <p:cNvCxnSpPr/>
+            <p:nvPr/>
+          </p:nvCxnSpPr>
+          <p:spPr>
+            <a:xfrm>
+              <a:off x="5752730" y="665825"/>
+              <a:ext cx="0" cy="5873575"/>
+            </a:xfrm>
+            <a:prstGeom prst="line">
+              <a:avLst/>
+            </a:prstGeom>
+            <a:ln w="12700">
+              <a:solidFill>
+                <a:schemeClr val="bg1">
+                  <a:lumMod val="65000"/>
+                </a:schemeClr>
+              </a:solidFill>
+              <a:prstDash val="dash"/>
+            </a:ln>
+          </p:spPr>
+          <p:style>
+            <a:lnRef idx="1">
+              <a:schemeClr val="accent1"/>
+            </a:lnRef>
+            <a:fillRef idx="0">
+              <a:schemeClr val="accent1"/>
+            </a:fillRef>
+            <a:effectRef idx="0">
+              <a:schemeClr val="accent1"/>
+            </a:effectRef>
+            <a:fontRef idx="minor">
+              <a:schemeClr val="tx1"/>
+            </a:fontRef>
+          </p:style>
+        </p:cxnSp>
+        <p:grpSp>
+          <p:nvGrpSpPr>
+            <p:cNvPr id="5" name="그룹 4">
+              <a:extLst>
+                <a:ext uri="{FF2B5EF4-FFF2-40B4-BE49-F238E27FC236}">
+                  <a16:creationId xmlns:a16="http://schemas.microsoft.com/office/drawing/2014/main" id="{364165B6-B423-35BC-184E-B04FE097FAB5}"/>
+                </a:ext>
+              </a:extLst>
+            </p:cNvPr>
+            <p:cNvGrpSpPr/>
+            <p:nvPr/>
+          </p:nvGrpSpPr>
+          <p:grpSpPr>
+            <a:xfrm>
+              <a:off x="979636" y="2070132"/>
+              <a:ext cx="9721648" cy="3450944"/>
+              <a:chOff x="759155" y="2567281"/>
+              <a:chExt cx="9721648" cy="3450944"/>
+            </a:xfrm>
+          </p:grpSpPr>
+          <p:sp>
+            <p:nvSpPr>
+              <p:cNvPr id="91" name="직사각형 260">
+                <a:extLst>
+                  <a:ext uri="{FF2B5EF4-FFF2-40B4-BE49-F238E27FC236}">
+                    <a16:creationId xmlns:a16="http://schemas.microsoft.com/office/drawing/2014/main" id="{0981E3BF-4C3A-83E5-5B68-684B728E3544}"/>
+                  </a:ext>
+                </a:extLst>
+              </p:cNvPr>
+              <p:cNvSpPr/>
+              <p:nvPr/>
+            </p:nvSpPr>
+            <p:spPr>
+              <a:xfrm>
+                <a:off x="5213411" y="4060025"/>
+                <a:ext cx="610060" cy="425578"/>
+              </a:xfrm>
+              <a:prstGeom prst="rect">
+                <a:avLst/>
+              </a:prstGeom>
+              <a:gradFill flip="none" rotWithShape="1">
+                <a:gsLst>
+                  <a:gs pos="0">
+                    <a:schemeClr val="accent6">
+                      <a:lumMod val="60000"/>
+                      <a:lumOff val="40000"/>
+                    </a:schemeClr>
+                  </a:gs>
+                  <a:gs pos="100000">
+                    <a:schemeClr val="accent6">
+                      <a:lumMod val="20000"/>
+                      <a:lumOff val="80000"/>
+                    </a:schemeClr>
+                  </a:gs>
+                </a:gsLst>
+                <a:lin ang="0" scaled="1"/>
+                <a:tileRect/>
+              </a:gradFill>
+              <a:ln w="12700">
+                <a:solidFill>
+                  <a:srgbClr val="000000"/>
+                </a:solidFill>
+              </a:ln>
+            </p:spPr>
+            <p:style>
+              <a:lnRef idx="2">
+                <a:schemeClr val="accent1">
+                  <a:shade val="50000"/>
+                </a:schemeClr>
+              </a:lnRef>
+              <a:fillRef idx="1">
+                <a:schemeClr val="accent1"/>
+              </a:fillRef>
+              <a:effectRef idx="0">
+                <a:schemeClr val="accent1"/>
+              </a:effectRef>
+              <a:fontRef idx="minor"/>
+            </p:style>
+          </p:sp>
+          <p:sp>
+            <p:nvSpPr>
+              <p:cNvPr id="94" name="직사각형 260">
+                <a:extLst>
+                  <a:ext uri="{FF2B5EF4-FFF2-40B4-BE49-F238E27FC236}">
+                    <a16:creationId xmlns:a16="http://schemas.microsoft.com/office/drawing/2014/main" id="{9EC5956C-851E-777D-1F15-142D0379871F}"/>
+                  </a:ext>
+                </a:extLst>
+              </p:cNvPr>
+              <p:cNvSpPr/>
+              <p:nvPr/>
+            </p:nvSpPr>
+            <p:spPr>
+              <a:xfrm>
+                <a:off x="5844037" y="2650311"/>
+                <a:ext cx="3710292" cy="3249262"/>
+              </a:xfrm>
+              <a:prstGeom prst="rect">
+                <a:avLst/>
+              </a:prstGeom>
+              <a:solidFill>
+                <a:schemeClr val="bg1">
+                  <a:lumMod val="95000"/>
+                </a:schemeClr>
+              </a:solidFill>
+              <a:ln w="12700">
+                <a:solidFill>
+                  <a:srgbClr val="000000"/>
+                </a:solidFill>
+              </a:ln>
+            </p:spPr>
+            <p:style>
+              <a:lnRef idx="2">
+                <a:schemeClr val="accent1">
+                  <a:shade val="50000"/>
+                </a:schemeClr>
+              </a:lnRef>
+              <a:fillRef idx="1">
+                <a:schemeClr val="accent1"/>
+              </a:fillRef>
+              <a:effectRef idx="0">
+                <a:schemeClr val="accent1"/>
+              </a:effectRef>
+              <a:fontRef idx="minor"/>
+            </p:style>
+          </p:sp>
+          <p:sp>
+            <p:nvSpPr>
+              <p:cNvPr id="86" name="직사각형 85">
+                <a:extLst>
+                  <a:ext uri="{FF2B5EF4-FFF2-40B4-BE49-F238E27FC236}">
+                    <a16:creationId xmlns:a16="http://schemas.microsoft.com/office/drawing/2014/main" id="{2EEFE058-4199-2C56-8D88-FAD6CC2ACB2D}"/>
+                  </a:ext>
+                </a:extLst>
+              </p:cNvPr>
+              <p:cNvSpPr/>
+              <p:nvPr/>
+            </p:nvSpPr>
+            <p:spPr>
+              <a:xfrm>
+                <a:off x="5785418" y="4205772"/>
+                <a:ext cx="28609" cy="120913"/>
+              </a:xfrm>
+              <a:prstGeom prst="rect">
+                <a:avLst/>
+              </a:prstGeom>
+              <a:solidFill>
+                <a:srgbClr val="9966FF"/>
+              </a:solidFill>
+              <a:ln w="12700">
+                <a:solidFill>
+                  <a:srgbClr val="000000"/>
+                </a:solidFill>
+              </a:ln>
+            </p:spPr>
+            <p:style>
+              <a:lnRef idx="2">
+                <a:schemeClr val="accent1">
+                  <a:shade val="50000"/>
+                </a:schemeClr>
+              </a:lnRef>
+              <a:fillRef idx="1">
+                <a:schemeClr val="accent1"/>
+              </a:fillRef>
+              <a:effectRef idx="0">
+                <a:schemeClr val="accent1"/>
+              </a:effectRef>
+              <a:fontRef idx="minor"/>
+            </p:style>
+            <p:txBody>
+              <a:bodyPr rtlCol="0" anchor="ctr"/>
+              <a:lstStyle/>
+              <a:p>
+                <a:pPr algn="ctr"/>
+                <a:endParaRPr lang="ko-KR" altLang="en-US">
+                  <a:solidFill>
+                    <a:schemeClr val="tx1"/>
+                  </a:solidFill>
+                </a:endParaRPr>
+              </a:p>
+            </p:txBody>
+          </p:sp>
+          <p:sp>
+            <p:nvSpPr>
+              <p:cNvPr id="93" name="직사각형 92">
+                <a:extLst>
+                  <a:ext uri="{FF2B5EF4-FFF2-40B4-BE49-F238E27FC236}">
+                    <a16:creationId xmlns:a16="http://schemas.microsoft.com/office/drawing/2014/main" id="{E30B25B6-4A3B-46CE-6CFF-B35DF7971520}"/>
+                  </a:ext>
+                </a:extLst>
+              </p:cNvPr>
+              <p:cNvSpPr/>
+              <p:nvPr/>
+            </p:nvSpPr>
+            <p:spPr>
+              <a:xfrm>
+                <a:off x="5813466" y="4058994"/>
+                <a:ext cx="30570" cy="431895"/>
+              </a:xfrm>
+              <a:prstGeom prst="rect">
+                <a:avLst/>
+              </a:prstGeom>
+              <a:solidFill>
+                <a:srgbClr val="9966FF"/>
+              </a:solidFill>
+              <a:ln w="12700">
+                <a:solidFill>
+                  <a:srgbClr val="000000"/>
+                </a:solidFill>
+              </a:ln>
+            </p:spPr>
+            <p:style>
+              <a:lnRef idx="2">
+                <a:schemeClr val="accent1">
+                  <a:shade val="50000"/>
+                </a:schemeClr>
+              </a:lnRef>
+              <a:fillRef idx="1">
+                <a:schemeClr val="accent1"/>
+              </a:fillRef>
+              <a:effectRef idx="0">
+                <a:schemeClr val="accent1"/>
+              </a:effectRef>
+              <a:fontRef idx="minor"/>
+            </p:style>
+            <p:txBody>
+              <a:bodyPr rtlCol="0" anchor="ctr"/>
+              <a:lstStyle/>
+              <a:p>
+                <a:pPr algn="ctr"/>
+                <a:endParaRPr lang="ko-KR" altLang="en-US">
+                  <a:solidFill>
+                    <a:schemeClr val="tx1"/>
+                  </a:solidFill>
+                </a:endParaRPr>
+              </a:p>
+            </p:txBody>
+          </p:sp>
+          <p:sp>
+            <p:nvSpPr>
+              <p:cNvPr id="96" name="직사각형 260">
+                <a:extLst>
+                  <a:ext uri="{FF2B5EF4-FFF2-40B4-BE49-F238E27FC236}">
+                    <a16:creationId xmlns:a16="http://schemas.microsoft.com/office/drawing/2014/main" id="{808FA587-8495-A1F3-D853-84E02909E4DA}"/>
+                  </a:ext>
+                </a:extLst>
+              </p:cNvPr>
+              <p:cNvSpPr/>
+              <p:nvPr/>
+            </p:nvSpPr>
+            <p:spPr>
+              <a:xfrm>
+                <a:off x="6564566" y="2652634"/>
+                <a:ext cx="431622" cy="430694"/>
+              </a:xfrm>
+              <a:prstGeom prst="rect">
+                <a:avLst/>
+              </a:prstGeom>
+              <a:solidFill>
+                <a:schemeClr val="accent6">
+                  <a:lumMod val="75000"/>
+                </a:schemeClr>
+              </a:solidFill>
+              <a:ln w="12700">
+                <a:solidFill>
+                  <a:srgbClr val="000000"/>
+                </a:solidFill>
+              </a:ln>
+            </p:spPr>
+            <p:style>
+              <a:lnRef idx="2">
+                <a:schemeClr val="accent1">
+                  <a:shade val="50000"/>
+                </a:schemeClr>
+              </a:lnRef>
+              <a:fillRef idx="1">
+                <a:schemeClr val="accent1"/>
+              </a:fillRef>
+              <a:effectRef idx="0">
+                <a:schemeClr val="accent1"/>
+              </a:effectRef>
+              <a:fontRef idx="minor"/>
+            </p:style>
+          </p:sp>
+          <p:sp>
+            <p:nvSpPr>
+              <p:cNvPr id="97" name="직사각형 260">
+                <a:extLst>
+                  <a:ext uri="{FF2B5EF4-FFF2-40B4-BE49-F238E27FC236}">
+                    <a16:creationId xmlns:a16="http://schemas.microsoft.com/office/drawing/2014/main" id="{6C3B44AC-DFC5-23B3-20FD-26A7E43990A9}"/>
+                  </a:ext>
+                </a:extLst>
+              </p:cNvPr>
+              <p:cNvSpPr/>
+              <p:nvPr/>
+            </p:nvSpPr>
+            <p:spPr>
+              <a:xfrm>
+                <a:off x="6996189" y="2650311"/>
+                <a:ext cx="431622" cy="893260"/>
+              </a:xfrm>
+              <a:prstGeom prst="rect">
+                <a:avLst/>
+              </a:prstGeom>
+              <a:solidFill>
+                <a:schemeClr val="accent6">
+                  <a:lumMod val="20000"/>
+                  <a:lumOff val="80000"/>
+                </a:schemeClr>
+              </a:solidFill>
+              <a:ln w="12700">
+                <a:solidFill>
+                  <a:srgbClr val="000000"/>
+                </a:solidFill>
+              </a:ln>
+            </p:spPr>
+            <p:style>
+              <a:lnRef idx="2">
+                <a:schemeClr val="accent1">
+                  <a:shade val="50000"/>
+                </a:schemeClr>
+              </a:lnRef>
+              <a:fillRef idx="1">
+                <a:schemeClr val="accent1"/>
+              </a:fillRef>
+              <a:effectRef idx="0">
+                <a:schemeClr val="accent1"/>
+              </a:effectRef>
+              <a:fontRef idx="minor"/>
+            </p:style>
+          </p:sp>
+          <p:sp>
+            <p:nvSpPr>
+              <p:cNvPr id="98" name="직사각형 260">
+                <a:extLst>
+                  <a:ext uri="{FF2B5EF4-FFF2-40B4-BE49-F238E27FC236}">
+                    <a16:creationId xmlns:a16="http://schemas.microsoft.com/office/drawing/2014/main" id="{62B9CACA-0415-FF62-079E-5D4EB945E2F3}"/>
+                  </a:ext>
+                </a:extLst>
+              </p:cNvPr>
+              <p:cNvSpPr/>
+              <p:nvPr/>
+            </p:nvSpPr>
+            <p:spPr>
+              <a:xfrm>
+                <a:off x="7688469" y="2650312"/>
+                <a:ext cx="431622" cy="430694"/>
+              </a:xfrm>
+              <a:prstGeom prst="rect">
+                <a:avLst/>
+              </a:prstGeom>
+              <a:solidFill>
+                <a:schemeClr val="accent6">
+                  <a:lumMod val="60000"/>
+                  <a:lumOff val="40000"/>
+                </a:schemeClr>
+              </a:solidFill>
+              <a:ln w="12700">
+                <a:solidFill>
+                  <a:srgbClr val="000000"/>
+                </a:solidFill>
+              </a:ln>
+            </p:spPr>
+            <p:style>
+              <a:lnRef idx="2">
+                <a:schemeClr val="accent1">
+                  <a:shade val="50000"/>
+                </a:schemeClr>
+              </a:lnRef>
+              <a:fillRef idx="1">
+                <a:schemeClr val="accent1"/>
+              </a:fillRef>
+              <a:effectRef idx="0">
+                <a:schemeClr val="accent1"/>
+              </a:effectRef>
+              <a:fontRef idx="minor"/>
+            </p:style>
+          </p:sp>
+          <p:sp>
+            <p:nvSpPr>
+              <p:cNvPr id="100" name="직사각형 260">
+                <a:extLst>
+                  <a:ext uri="{FF2B5EF4-FFF2-40B4-BE49-F238E27FC236}">
+                    <a16:creationId xmlns:a16="http://schemas.microsoft.com/office/drawing/2014/main" id="{D9B9D14D-1723-AAA6-D976-95B1348F2DEE}"/>
+                  </a:ext>
+                </a:extLst>
+              </p:cNvPr>
+              <p:cNvSpPr/>
+              <p:nvPr/>
+            </p:nvSpPr>
+            <p:spPr>
+              <a:xfrm>
+                <a:off x="8380749" y="2650312"/>
+                <a:ext cx="431622" cy="430694"/>
+              </a:xfrm>
+              <a:prstGeom prst="rect">
+                <a:avLst/>
+              </a:prstGeom>
+              <a:solidFill>
+                <a:schemeClr val="accent6"/>
+              </a:solidFill>
+              <a:ln w="12700">
+                <a:solidFill>
+                  <a:srgbClr val="000000"/>
+                </a:solidFill>
+              </a:ln>
+            </p:spPr>
+            <p:style>
+              <a:lnRef idx="2">
+                <a:schemeClr val="accent1">
+                  <a:shade val="50000"/>
+                </a:schemeClr>
+              </a:lnRef>
+              <a:fillRef idx="1">
+                <a:schemeClr val="accent1"/>
+              </a:fillRef>
+              <a:effectRef idx="0">
+                <a:schemeClr val="accent1"/>
+              </a:effectRef>
+              <a:fontRef idx="minor"/>
+            </p:style>
+          </p:sp>
+          <p:sp>
+            <p:nvSpPr>
+              <p:cNvPr id="106" name="직사각형 260">
+                <a:extLst>
+                  <a:ext uri="{FF2B5EF4-FFF2-40B4-BE49-F238E27FC236}">
+                    <a16:creationId xmlns:a16="http://schemas.microsoft.com/office/drawing/2014/main" id="{858C56AD-9223-546C-C293-05C86C0BB8C7}"/>
+                  </a:ext>
+                </a:extLst>
+              </p:cNvPr>
+              <p:cNvSpPr/>
+              <p:nvPr/>
+            </p:nvSpPr>
+            <p:spPr>
+              <a:xfrm>
+                <a:off x="7256926" y="5471998"/>
+                <a:ext cx="431622" cy="430694"/>
+              </a:xfrm>
+              <a:prstGeom prst="rect">
+                <a:avLst/>
+              </a:prstGeom>
+              <a:solidFill>
+                <a:schemeClr val="accent6">
+                  <a:lumMod val="60000"/>
+                  <a:lumOff val="40000"/>
+                </a:schemeClr>
+              </a:solidFill>
+              <a:ln w="12700">
+                <a:solidFill>
+                  <a:srgbClr val="000000"/>
+                </a:solidFill>
+              </a:ln>
+            </p:spPr>
+            <p:style>
+              <a:lnRef idx="2">
+                <a:schemeClr val="accent1">
+                  <a:shade val="50000"/>
+                </a:schemeClr>
+              </a:lnRef>
+              <a:fillRef idx="1">
+                <a:schemeClr val="accent1"/>
+              </a:fillRef>
+              <a:effectRef idx="0">
+                <a:schemeClr val="accent1"/>
+              </a:effectRef>
+              <a:fontRef idx="minor"/>
+            </p:style>
+          </p:sp>
+          <p:sp>
+            <p:nvSpPr>
+              <p:cNvPr id="107" name="직사각형 260">
+                <a:extLst>
+                  <a:ext uri="{FF2B5EF4-FFF2-40B4-BE49-F238E27FC236}">
+                    <a16:creationId xmlns:a16="http://schemas.microsoft.com/office/drawing/2014/main" id="{8D1E143E-DBA1-22F2-0D5C-B63BF8EE3598}"/>
+                  </a:ext>
+                </a:extLst>
+              </p:cNvPr>
+              <p:cNvSpPr/>
+              <p:nvPr/>
+            </p:nvSpPr>
+            <p:spPr>
+              <a:xfrm>
+                <a:off x="7949126" y="5471998"/>
+                <a:ext cx="431622" cy="430694"/>
+              </a:xfrm>
+              <a:prstGeom prst="rect">
+                <a:avLst/>
+              </a:prstGeom>
+              <a:solidFill>
+                <a:schemeClr val="accent6">
+                  <a:lumMod val="20000"/>
+                  <a:lumOff val="80000"/>
+                </a:schemeClr>
+              </a:solidFill>
+              <a:ln w="12700">
+                <a:solidFill>
+                  <a:srgbClr val="000000"/>
+                </a:solidFill>
+              </a:ln>
+            </p:spPr>
+            <p:style>
+              <a:lnRef idx="2">
+                <a:schemeClr val="accent1">
+                  <a:shade val="50000"/>
+                </a:schemeClr>
+              </a:lnRef>
+              <a:fillRef idx="1">
+                <a:schemeClr val="accent1"/>
+              </a:fillRef>
+              <a:effectRef idx="0">
+                <a:schemeClr val="accent1"/>
+              </a:effectRef>
+              <a:fontRef idx="minor"/>
+            </p:style>
+          </p:sp>
+          <p:sp>
+            <p:nvSpPr>
+              <p:cNvPr id="118" name="직사각형 260">
+                <a:extLst>
+                  <a:ext uri="{FF2B5EF4-FFF2-40B4-BE49-F238E27FC236}">
+                    <a16:creationId xmlns:a16="http://schemas.microsoft.com/office/drawing/2014/main" id="{CCDA31EE-C91B-456E-6360-77075135548E}"/>
+                  </a:ext>
+                </a:extLst>
+              </p:cNvPr>
+              <p:cNvSpPr/>
+              <p:nvPr/>
+            </p:nvSpPr>
+            <p:spPr>
+              <a:xfrm>
+                <a:off x="6996189" y="3928885"/>
+                <a:ext cx="702994" cy="690913"/>
+              </a:xfrm>
+              <a:prstGeom prst="rect">
+                <a:avLst/>
+              </a:prstGeom>
+              <a:solidFill>
+                <a:schemeClr val="accent6">
+                  <a:lumMod val="60000"/>
+                  <a:lumOff val="40000"/>
+                </a:schemeClr>
+              </a:solidFill>
+              <a:ln w="12700">
+                <a:solidFill>
+                  <a:srgbClr val="000000"/>
+                </a:solidFill>
+              </a:ln>
+            </p:spPr>
+            <p:style>
+              <a:lnRef idx="2">
+                <a:schemeClr val="accent1">
+                  <a:shade val="50000"/>
+                </a:schemeClr>
+              </a:lnRef>
+              <a:fillRef idx="1">
+                <a:schemeClr val="accent1"/>
+              </a:fillRef>
+              <a:effectRef idx="0">
+                <a:schemeClr val="accent1"/>
+              </a:effectRef>
+              <a:fontRef idx="minor"/>
+            </p:style>
+          </p:sp>
+          <p:sp>
+            <p:nvSpPr>
+              <p:cNvPr id="119" name="직사각형 260">
+                <a:extLst>
+                  <a:ext uri="{FF2B5EF4-FFF2-40B4-BE49-F238E27FC236}">
+                    <a16:creationId xmlns:a16="http://schemas.microsoft.com/office/drawing/2014/main" id="{16E11921-661D-74F3-7E97-E3027D9856B3}"/>
+                  </a:ext>
+                </a:extLst>
+              </p:cNvPr>
+              <p:cNvSpPr/>
+              <p:nvPr/>
+            </p:nvSpPr>
+            <p:spPr>
+              <a:xfrm>
+                <a:off x="7699182" y="3928885"/>
+                <a:ext cx="681567" cy="690913"/>
+              </a:xfrm>
+              <a:prstGeom prst="rect">
+                <a:avLst/>
+              </a:prstGeom>
+              <a:solidFill>
+                <a:schemeClr val="accent6"/>
+              </a:solidFill>
+              <a:ln w="12700">
+                <a:solidFill>
+                  <a:srgbClr val="000000"/>
+                </a:solidFill>
+              </a:ln>
+            </p:spPr>
+            <p:style>
+              <a:lnRef idx="2">
+                <a:schemeClr val="accent1">
+                  <a:shade val="50000"/>
+                </a:schemeClr>
+              </a:lnRef>
+              <a:fillRef idx="1">
+                <a:schemeClr val="accent1"/>
+              </a:fillRef>
+              <a:effectRef idx="0">
+                <a:schemeClr val="accent1"/>
+              </a:effectRef>
+              <a:fontRef idx="minor"/>
+            </p:style>
+          </p:sp>
+          <p:cxnSp>
+            <p:nvCxnSpPr>
+              <p:cNvPr id="4" name="직선 화살표 연결선 3">
+                <a:extLst>
+                  <a:ext uri="{FF2B5EF4-FFF2-40B4-BE49-F238E27FC236}">
+                    <a16:creationId xmlns:a16="http://schemas.microsoft.com/office/drawing/2014/main" id="{7F22D00E-291B-5D1E-2C09-D06928424460}"/>
+                  </a:ext>
+                </a:extLst>
+              </p:cNvPr>
+              <p:cNvCxnSpPr>
+                <a:cxnSpLocks/>
+              </p:cNvCxnSpPr>
+              <p:nvPr/>
+            </p:nvCxnSpPr>
+            <p:spPr>
+              <a:xfrm>
+                <a:off x="5844037" y="2702216"/>
+                <a:ext cx="3710292" cy="0"/>
+              </a:xfrm>
+              <a:prstGeom prst="straightConnector1">
+                <a:avLst/>
+              </a:prstGeom>
+              <a:ln>
+                <a:solidFill>
+                  <a:schemeClr val="bg1"/>
+                </a:solidFill>
+                <a:headEnd type="arrow" w="med" len="med"/>
+                <a:tailEnd type="arrow" w="med" len="med"/>
+              </a:ln>
+              <a:effectLst>
+                <a:glow rad="101600">
+                  <a:srgbClr val="FF7C80">
+                    <a:alpha val="40000"/>
+                  </a:srgbClr>
+                </a:glow>
+              </a:effectLst>
+            </p:spPr>
+            <p:style>
+              <a:lnRef idx="1">
+                <a:schemeClr val="accent1"/>
+              </a:lnRef>
+              <a:fillRef idx="0">
+                <a:schemeClr val="accent1"/>
+              </a:fillRef>
+              <a:effectRef idx="0">
+                <a:schemeClr val="accent1"/>
+              </a:effectRef>
+              <a:fontRef idx="minor">
+                <a:schemeClr val="tx1"/>
+              </a:fontRef>
+            </p:style>
+          </p:cxnSp>
+          <p:cxnSp>
+            <p:nvCxnSpPr>
+              <p:cNvPr id="95" name="직선 화살표 연결선 94">
+                <a:extLst>
+                  <a:ext uri="{FF2B5EF4-FFF2-40B4-BE49-F238E27FC236}">
+                    <a16:creationId xmlns:a16="http://schemas.microsoft.com/office/drawing/2014/main" id="{F4A7119E-AC49-3C8D-B506-603B67FC301B}"/>
+                  </a:ext>
+                </a:extLst>
+              </p:cNvPr>
+              <p:cNvCxnSpPr>
+                <a:cxnSpLocks/>
+              </p:cNvCxnSpPr>
+              <p:nvPr/>
+            </p:nvCxnSpPr>
+            <p:spPr>
+              <a:xfrm>
+                <a:off x="5844037" y="5852406"/>
+                <a:ext cx="3710292" cy="0"/>
+              </a:xfrm>
+              <a:prstGeom prst="straightConnector1">
+                <a:avLst/>
+              </a:prstGeom>
+              <a:ln>
+                <a:solidFill>
+                  <a:schemeClr val="bg1"/>
+                </a:solidFill>
+                <a:headEnd type="arrow" w="med" len="med"/>
+                <a:tailEnd type="arrow" w="med" len="med"/>
+              </a:ln>
+              <a:effectLst>
+                <a:glow rad="101600">
+                  <a:schemeClr val="accent4">
+                    <a:alpha val="40000"/>
+                  </a:schemeClr>
+                </a:glow>
+              </a:effectLst>
+            </p:spPr>
+            <p:style>
+              <a:lnRef idx="1">
+                <a:schemeClr val="accent1"/>
+              </a:lnRef>
+              <a:fillRef idx="0">
+                <a:schemeClr val="accent1"/>
+              </a:fillRef>
+              <a:effectRef idx="0">
+                <a:schemeClr val="accent1"/>
+              </a:effectRef>
+              <a:fontRef idx="minor">
+                <a:schemeClr val="tx1"/>
+              </a:fontRef>
+            </p:style>
+          </p:cxnSp>
+          <p:sp>
+            <p:nvSpPr>
+              <p:cNvPr id="105" name="직사각형 260">
+                <a:extLst>
+                  <a:ext uri="{FF2B5EF4-FFF2-40B4-BE49-F238E27FC236}">
+                    <a16:creationId xmlns:a16="http://schemas.microsoft.com/office/drawing/2014/main" id="{452241C8-6A16-F37F-07A9-8F408A6AF0B4}"/>
+                  </a:ext>
+                </a:extLst>
+              </p:cNvPr>
+              <p:cNvSpPr/>
+              <p:nvPr/>
+            </p:nvSpPr>
+            <p:spPr>
+              <a:xfrm>
+                <a:off x="6564566" y="5471998"/>
+                <a:ext cx="431622" cy="430694"/>
+              </a:xfrm>
+              <a:prstGeom prst="rect">
+                <a:avLst/>
+              </a:prstGeom>
+              <a:solidFill>
+                <a:schemeClr val="accent6"/>
+              </a:solidFill>
+              <a:ln w="12700">
+                <a:solidFill>
+                  <a:srgbClr val="000000"/>
+                </a:solidFill>
+              </a:ln>
+            </p:spPr>
+            <p:style>
+              <a:lnRef idx="2">
+                <a:schemeClr val="accent1">
+                  <a:shade val="50000"/>
+                </a:schemeClr>
+              </a:lnRef>
+              <a:fillRef idx="1">
+                <a:schemeClr val="accent1"/>
+              </a:fillRef>
+              <a:effectRef idx="0">
+                <a:schemeClr val="accent1"/>
+              </a:effectRef>
+              <a:fontRef idx="minor"/>
+            </p:style>
+          </p:sp>
+          <p:sp>
+            <p:nvSpPr>
+              <p:cNvPr id="108" name="직사각형 260">
+                <a:extLst>
+                  <a:ext uri="{FF2B5EF4-FFF2-40B4-BE49-F238E27FC236}">
+                    <a16:creationId xmlns:a16="http://schemas.microsoft.com/office/drawing/2014/main" id="{B40435BA-F8A2-2A87-9B0F-D7D2D12610CE}"/>
+                  </a:ext>
+                </a:extLst>
+              </p:cNvPr>
+              <p:cNvSpPr/>
+              <p:nvPr/>
+            </p:nvSpPr>
+            <p:spPr>
+              <a:xfrm>
+                <a:off x="8380749" y="5471998"/>
+                <a:ext cx="431622" cy="430694"/>
+              </a:xfrm>
+              <a:prstGeom prst="rect">
+                <a:avLst/>
+              </a:prstGeom>
+              <a:solidFill>
+                <a:schemeClr val="accent6">
+                  <a:lumMod val="75000"/>
+                </a:schemeClr>
+              </a:solidFill>
+              <a:ln w="12700">
+                <a:solidFill>
+                  <a:srgbClr val="000000"/>
+                </a:solidFill>
+              </a:ln>
+            </p:spPr>
+            <p:style>
+              <a:lnRef idx="2">
+                <a:schemeClr val="accent1">
+                  <a:shade val="50000"/>
+                </a:schemeClr>
+              </a:lnRef>
+              <a:fillRef idx="1">
+                <a:schemeClr val="accent1"/>
+              </a:fillRef>
+              <a:effectRef idx="0">
+                <a:schemeClr val="accent1"/>
+              </a:effectRef>
+              <a:fontRef idx="minor"/>
+            </p:style>
+          </p:sp>
+          <p:cxnSp>
+            <p:nvCxnSpPr>
+              <p:cNvPr id="12" name="직선 화살표 연결선 11">
+                <a:extLst>
+                  <a:ext uri="{FF2B5EF4-FFF2-40B4-BE49-F238E27FC236}">
+                    <a16:creationId xmlns:a16="http://schemas.microsoft.com/office/drawing/2014/main" id="{9A2EAF21-A0BE-FC79-ABBA-44666C5BBA47}"/>
+                  </a:ext>
+                </a:extLst>
+              </p:cNvPr>
+              <p:cNvCxnSpPr>
+                <a:cxnSpLocks/>
+              </p:cNvCxnSpPr>
+              <p:nvPr/>
+            </p:nvCxnSpPr>
+            <p:spPr>
+              <a:xfrm flipV="1">
+                <a:off x="9752442" y="2645960"/>
+                <a:ext cx="0" cy="3249262"/>
+              </a:xfrm>
+              <a:prstGeom prst="straightConnector1">
+                <a:avLst/>
+              </a:prstGeom>
+              <a:ln w="19050">
+                <a:solidFill>
+                  <a:schemeClr val="accent4"/>
+                </a:solidFill>
+                <a:headEnd type="arrow" w="med" len="med"/>
+                <a:tailEnd type="arrow" w="med" len="med"/>
+              </a:ln>
+            </p:spPr>
+            <p:style>
+              <a:lnRef idx="1">
+                <a:schemeClr val="accent1"/>
+              </a:lnRef>
+              <a:fillRef idx="0">
+                <a:schemeClr val="accent1"/>
+              </a:fillRef>
+              <a:effectRef idx="0">
+                <a:schemeClr val="accent1"/>
+              </a:effectRef>
+              <a:fontRef idx="minor">
+                <a:schemeClr val="tx1"/>
+              </a:fontRef>
+            </p:style>
+          </p:cxnSp>
+          <p:cxnSp>
+            <p:nvCxnSpPr>
+              <p:cNvPr id="122" name="직선 화살표 연결선 121">
+                <a:extLst>
+                  <a:ext uri="{FF2B5EF4-FFF2-40B4-BE49-F238E27FC236}">
+                    <a16:creationId xmlns:a16="http://schemas.microsoft.com/office/drawing/2014/main" id="{52D1B66E-7873-17E4-3F34-88C46B1C8289}"/>
+                  </a:ext>
+                </a:extLst>
+              </p:cNvPr>
+              <p:cNvCxnSpPr>
+                <a:cxnSpLocks/>
+              </p:cNvCxnSpPr>
+              <p:nvPr/>
+            </p:nvCxnSpPr>
+            <p:spPr>
+              <a:xfrm flipV="1">
+                <a:off x="9659213" y="2645960"/>
+                <a:ext cx="0" cy="3249262"/>
+              </a:xfrm>
+              <a:prstGeom prst="straightConnector1">
+                <a:avLst/>
+              </a:prstGeom>
+              <a:ln w="19050">
+                <a:solidFill>
+                  <a:srgbClr val="FF7C80"/>
+                </a:solidFill>
+                <a:headEnd type="arrow" w="med" len="med"/>
+                <a:tailEnd type="arrow" w="med" len="med"/>
+              </a:ln>
+            </p:spPr>
+            <p:style>
+              <a:lnRef idx="1">
+                <a:schemeClr val="accent1"/>
+              </a:lnRef>
+              <a:fillRef idx="0">
+                <a:schemeClr val="accent1"/>
+              </a:fillRef>
+              <a:effectRef idx="0">
+                <a:schemeClr val="accent1"/>
+              </a:effectRef>
+              <a:fontRef idx="minor">
+                <a:schemeClr val="tx1"/>
+              </a:fontRef>
+            </p:style>
+          </p:cxnSp>
+          <p:sp>
+            <p:nvSpPr>
+              <p:cNvPr id="120" name="직사각형 260">
+                <a:extLst>
+                  <a:ext uri="{FF2B5EF4-FFF2-40B4-BE49-F238E27FC236}">
+                    <a16:creationId xmlns:a16="http://schemas.microsoft.com/office/drawing/2014/main" id="{7A06B221-7C9F-8468-1841-25BED1E3A4D6}"/>
+                  </a:ext>
+                </a:extLst>
+              </p:cNvPr>
+              <p:cNvSpPr/>
+              <p:nvPr/>
+            </p:nvSpPr>
+            <p:spPr>
+              <a:xfrm>
+                <a:off x="9554328" y="4060198"/>
+                <a:ext cx="617391" cy="430693"/>
+              </a:xfrm>
+              <a:prstGeom prst="rect">
+                <a:avLst/>
+              </a:prstGeom>
+              <a:solidFill>
+                <a:schemeClr val="accent6">
+                  <a:lumMod val="20000"/>
+                  <a:lumOff val="80000"/>
+                </a:schemeClr>
+              </a:solidFill>
+              <a:ln w="12700">
+                <a:solidFill>
+                  <a:srgbClr val="000000"/>
+                </a:solidFill>
+              </a:ln>
+            </p:spPr>
+            <p:style>
+              <a:lnRef idx="2">
+                <a:schemeClr val="accent1">
+                  <a:shade val="50000"/>
+                </a:schemeClr>
+              </a:lnRef>
+              <a:fillRef idx="1">
+                <a:schemeClr val="accent1"/>
+              </a:fillRef>
+              <a:effectRef idx="0">
+                <a:schemeClr val="accent1"/>
+              </a:effectRef>
+              <a:fontRef idx="minor"/>
+            </p:style>
+          </p:sp>
+          <p:cxnSp>
+            <p:nvCxnSpPr>
+              <p:cNvPr id="125" name="직선 화살표 연결선 124">
+                <a:extLst>
+                  <a:ext uri="{FF2B5EF4-FFF2-40B4-BE49-F238E27FC236}">
+                    <a16:creationId xmlns:a16="http://schemas.microsoft.com/office/drawing/2014/main" id="{C5D12559-DE88-E14A-B61F-80023D8B550B}"/>
+                  </a:ext>
+                </a:extLst>
+              </p:cNvPr>
+              <p:cNvCxnSpPr>
+                <a:cxnSpLocks/>
+              </p:cNvCxnSpPr>
+              <p:nvPr/>
+            </p:nvCxnSpPr>
+            <p:spPr>
+              <a:xfrm>
+                <a:off x="10276862" y="4270591"/>
+                <a:ext cx="203941" cy="0"/>
+              </a:xfrm>
+              <a:prstGeom prst="straightConnector1">
+                <a:avLst/>
+              </a:prstGeom>
+              <a:ln w="19050">
+                <a:solidFill>
+                  <a:srgbClr val="3366FF"/>
+                </a:solidFill>
+                <a:headEnd type="none" w="med" len="med"/>
+                <a:tailEnd type="arrow" w="med" len="med"/>
+              </a:ln>
+              <a:effectLst/>
+            </p:spPr>
+            <p:style>
+              <a:lnRef idx="1">
+                <a:schemeClr val="accent1"/>
+              </a:lnRef>
+              <a:fillRef idx="0">
+                <a:schemeClr val="accent1"/>
+              </a:fillRef>
+              <a:effectRef idx="0">
+                <a:schemeClr val="accent1"/>
+              </a:effectRef>
+              <a:fontRef idx="minor">
+                <a:schemeClr val="tx1"/>
+              </a:fontRef>
+            </p:style>
+          </p:cxnSp>
+          <p:sp>
+            <p:nvSpPr>
+              <p:cNvPr id="17" name="직사각형 16">
+                <a:extLst>
+                  <a:ext uri="{FF2B5EF4-FFF2-40B4-BE49-F238E27FC236}">
+                    <a16:creationId xmlns:a16="http://schemas.microsoft.com/office/drawing/2014/main" id="{2F53067D-D14C-FED7-8B0E-38A92D80B2F4}"/>
+                  </a:ext>
+                </a:extLst>
+              </p:cNvPr>
+              <p:cNvSpPr/>
+              <p:nvPr/>
+            </p:nvSpPr>
+            <p:spPr>
+              <a:xfrm>
+                <a:off x="10171720" y="4173697"/>
+                <a:ext cx="41044" cy="193787"/>
+              </a:xfrm>
+              <a:prstGeom prst="rect">
+                <a:avLst/>
+              </a:prstGeom>
+              <a:solidFill>
+                <a:srgbClr val="6699FF"/>
+              </a:solidFill>
+              <a:ln w="12700">
+                <a:solidFill>
+                  <a:srgbClr val="000000"/>
+                </a:solidFill>
+              </a:ln>
+            </p:spPr>
+            <p:style>
+              <a:lnRef idx="2">
+                <a:schemeClr val="accent1">
+                  <a:shade val="50000"/>
+                </a:schemeClr>
+              </a:lnRef>
+              <a:fillRef idx="1">
+                <a:schemeClr val="accent1"/>
+              </a:fillRef>
+              <a:effectRef idx="0">
+                <a:schemeClr val="accent1"/>
+              </a:effectRef>
+              <a:fontRef idx="minor"/>
+            </p:style>
+            <p:txBody>
+              <a:bodyPr rtlCol="0" anchor="ctr"/>
+              <a:lstStyle/>
+              <a:p>
+                <a:pPr algn="ctr"/>
+                <a:endParaRPr lang="ko-KR" altLang="en-US">
+                  <a:solidFill>
+                    <a:schemeClr val="tx1"/>
+                  </a:solidFill>
+                </a:endParaRPr>
+              </a:p>
+            </p:txBody>
+          </p:sp>
+          <p:sp>
+            <p:nvSpPr>
+              <p:cNvPr id="20" name="타원 19">
+                <a:extLst>
+                  <a:ext uri="{FF2B5EF4-FFF2-40B4-BE49-F238E27FC236}">
+                    <a16:creationId xmlns:a16="http://schemas.microsoft.com/office/drawing/2014/main" id="{565E6DC3-90B6-4752-8C26-ED5BA3BE3600}"/>
+                  </a:ext>
+                </a:extLst>
+              </p:cNvPr>
+              <p:cNvSpPr/>
+              <p:nvPr/>
+            </p:nvSpPr>
+            <p:spPr>
+              <a:xfrm>
+                <a:off x="6727936" y="2806279"/>
+                <a:ext cx="104883" cy="104883"/>
+              </a:xfrm>
+              <a:prstGeom prst="ellipse">
+                <a:avLst/>
+              </a:prstGeom>
+              <a:solidFill>
+                <a:srgbClr val="6699FF"/>
+              </a:solidFill>
+              <a:ln w="12700">
+                <a:solidFill>
+                  <a:srgbClr val="000000"/>
+                </a:solidFill>
+              </a:ln>
+            </p:spPr>
+            <p:style>
+              <a:lnRef idx="2">
+                <a:schemeClr val="accent1">
+                  <a:shade val="50000"/>
+                </a:schemeClr>
+              </a:lnRef>
+              <a:fillRef idx="1">
+                <a:schemeClr val="accent1"/>
+              </a:fillRef>
+              <a:effectRef idx="0">
+                <a:schemeClr val="accent1"/>
+              </a:effectRef>
+              <a:fontRef idx="minor"/>
+            </p:style>
+            <p:txBody>
+              <a:bodyPr rtlCol="0" anchor="ctr"/>
+              <a:lstStyle/>
+              <a:p>
+                <a:pPr algn="ctr"/>
+                <a:endParaRPr lang="ko-KR" altLang="en-US">
+                  <a:solidFill>
+                    <a:schemeClr val="tx1"/>
+                  </a:solidFill>
+                </a:endParaRPr>
+              </a:p>
+            </p:txBody>
+          </p:sp>
+          <p:sp>
+            <p:nvSpPr>
+              <p:cNvPr id="126" name="타원 125">
+                <a:extLst>
+                  <a:ext uri="{FF2B5EF4-FFF2-40B4-BE49-F238E27FC236}">
+                    <a16:creationId xmlns:a16="http://schemas.microsoft.com/office/drawing/2014/main" id="{6C1A82AC-5C5D-E703-703B-5E5DFD66E661}"/>
+                  </a:ext>
+                </a:extLst>
+              </p:cNvPr>
+              <p:cNvSpPr/>
+              <p:nvPr/>
+            </p:nvSpPr>
+            <p:spPr>
+              <a:xfrm>
+                <a:off x="8544118" y="5634903"/>
+                <a:ext cx="104883" cy="104883"/>
+              </a:xfrm>
+              <a:prstGeom prst="ellipse">
+                <a:avLst/>
+              </a:prstGeom>
+              <a:solidFill>
+                <a:srgbClr val="6699FF"/>
+              </a:solidFill>
+              <a:ln w="12700">
+                <a:solidFill>
+                  <a:srgbClr val="000000"/>
+                </a:solidFill>
+              </a:ln>
+            </p:spPr>
+            <p:style>
+              <a:lnRef idx="2">
+                <a:schemeClr val="accent1">
+                  <a:shade val="50000"/>
+                </a:schemeClr>
+              </a:lnRef>
+              <a:fillRef idx="1">
+                <a:schemeClr val="accent1"/>
+              </a:fillRef>
+              <a:effectRef idx="0">
+                <a:schemeClr val="accent1"/>
+              </a:effectRef>
+              <a:fontRef idx="minor"/>
+            </p:style>
+            <p:txBody>
+              <a:bodyPr rtlCol="0" anchor="ctr"/>
+              <a:lstStyle/>
+              <a:p>
+                <a:pPr algn="ctr"/>
+                <a:endParaRPr lang="ko-KR" altLang="en-US">
+                  <a:solidFill>
+                    <a:schemeClr val="tx1"/>
+                  </a:solidFill>
+                </a:endParaRPr>
+              </a:p>
+            </p:txBody>
+          </p:sp>
+          <p:cxnSp>
+            <p:nvCxnSpPr>
+              <p:cNvPr id="127" name="직선 연결선 126">
+                <a:extLst>
+                  <a:ext uri="{FF2B5EF4-FFF2-40B4-BE49-F238E27FC236}">
+                    <a16:creationId xmlns:a16="http://schemas.microsoft.com/office/drawing/2014/main" id="{240B77E4-C4A0-7024-CB9B-5F060C0531EF}"/>
+                  </a:ext>
+                </a:extLst>
+              </p:cNvPr>
+              <p:cNvCxnSpPr>
+                <a:cxnSpLocks/>
+              </p:cNvCxnSpPr>
+              <p:nvPr/>
+            </p:nvCxnSpPr>
+            <p:spPr>
+              <a:xfrm>
+                <a:off x="6996189" y="3919149"/>
+                <a:ext cx="0" cy="700649"/>
+              </a:xfrm>
+              <a:prstGeom prst="line">
+                <a:avLst/>
+              </a:prstGeom>
+              <a:ln w="57150">
+                <a:solidFill>
+                  <a:srgbClr val="33CCCC"/>
+                </a:solidFill>
+              </a:ln>
+            </p:spPr>
+            <p:style>
+              <a:lnRef idx="1">
+                <a:schemeClr val="accent1"/>
+              </a:lnRef>
+              <a:fillRef idx="0">
+                <a:schemeClr val="accent1"/>
+              </a:fillRef>
+              <a:effectRef idx="0">
+                <a:schemeClr val="accent1"/>
+              </a:effectRef>
+              <a:fontRef idx="minor">
+                <a:schemeClr val="tx1"/>
+              </a:fontRef>
+            </p:style>
+          </p:cxnSp>
+          <p:sp>
+            <p:nvSpPr>
+              <p:cNvPr id="36" name="직사각형 260">
+                <a:extLst>
+                  <a:ext uri="{FF2B5EF4-FFF2-40B4-BE49-F238E27FC236}">
+                    <a16:creationId xmlns:a16="http://schemas.microsoft.com/office/drawing/2014/main" id="{95D35CB4-6E5C-D0C5-83DA-A7188DB30440}"/>
+                  </a:ext>
+                </a:extLst>
+              </p:cNvPr>
+              <p:cNvSpPr/>
+              <p:nvPr/>
+            </p:nvSpPr>
+            <p:spPr>
+              <a:xfrm>
+                <a:off x="2370538" y="3314584"/>
+                <a:ext cx="2845838" cy="1906598"/>
+              </a:xfrm>
+              <a:prstGeom prst="rect">
+                <a:avLst/>
+              </a:prstGeom>
+              <a:solidFill>
+                <a:schemeClr val="bg1">
+                  <a:lumMod val="95000"/>
+                </a:schemeClr>
+              </a:solidFill>
+              <a:ln w="12700">
+                <a:solidFill>
+                  <a:srgbClr val="000000"/>
+                </a:solidFill>
+              </a:ln>
+            </p:spPr>
+            <p:style>
+              <a:lnRef idx="2">
+                <a:schemeClr val="accent1">
+                  <a:shade val="50000"/>
+                </a:schemeClr>
+              </a:lnRef>
+              <a:fillRef idx="1">
+                <a:schemeClr val="accent1"/>
+              </a:fillRef>
+              <a:effectRef idx="0">
+                <a:schemeClr val="accent1"/>
+              </a:effectRef>
+              <a:fontRef idx="minor"/>
+            </p:style>
+          </p:sp>
+          <p:sp>
+            <p:nvSpPr>
+              <p:cNvPr id="37" name="직사각형 260">
+                <a:extLst>
+                  <a:ext uri="{FF2B5EF4-FFF2-40B4-BE49-F238E27FC236}">
+                    <a16:creationId xmlns:a16="http://schemas.microsoft.com/office/drawing/2014/main" id="{069C5934-ABB8-4AD5-5069-42DCBADF9D60}"/>
+                  </a:ext>
+                </a:extLst>
+              </p:cNvPr>
+              <p:cNvSpPr/>
+              <p:nvPr/>
+            </p:nvSpPr>
+            <p:spPr>
+              <a:xfrm>
+                <a:off x="759155" y="3956706"/>
+                <a:ext cx="1597249" cy="622354"/>
+              </a:xfrm>
+              <a:prstGeom prst="rect">
+                <a:avLst/>
+              </a:prstGeom>
+              <a:solidFill>
+                <a:schemeClr val="accent6">
+                  <a:lumMod val="20000"/>
+                  <a:lumOff val="80000"/>
+                </a:schemeClr>
+              </a:solidFill>
+              <a:ln w="12700">
+                <a:solidFill>
+                  <a:srgbClr val="000000"/>
+                </a:solidFill>
+              </a:ln>
+            </p:spPr>
+            <p:style>
+              <a:lnRef idx="2">
+                <a:schemeClr val="accent1">
+                  <a:shade val="50000"/>
+                </a:schemeClr>
+              </a:lnRef>
+              <a:fillRef idx="1">
+                <a:schemeClr val="accent1"/>
+              </a:fillRef>
+              <a:effectRef idx="0">
+                <a:schemeClr val="accent1"/>
+              </a:effectRef>
+              <a:fontRef idx="minor"/>
+            </p:style>
+          </p:sp>
+          <p:sp>
+            <p:nvSpPr>
+              <p:cNvPr id="38" name="직사각형 37">
+                <a:extLst>
+                  <a:ext uri="{FF2B5EF4-FFF2-40B4-BE49-F238E27FC236}">
+                    <a16:creationId xmlns:a16="http://schemas.microsoft.com/office/drawing/2014/main" id="{1AB1110D-CC31-8152-811E-65C913FE72FD}"/>
+                  </a:ext>
+                </a:extLst>
+              </p:cNvPr>
+              <p:cNvSpPr/>
+              <p:nvPr/>
+            </p:nvSpPr>
+            <p:spPr>
+              <a:xfrm>
+                <a:off x="1655997" y="3920494"/>
+                <a:ext cx="214891" cy="36652"/>
+              </a:xfrm>
+              <a:prstGeom prst="rect">
+                <a:avLst/>
+              </a:prstGeom>
+              <a:solidFill>
+                <a:schemeClr val="bg1">
+                  <a:lumMod val="85000"/>
+                </a:schemeClr>
+              </a:solidFill>
+              <a:ln w="12700">
+                <a:solidFill>
+                  <a:srgbClr val="000000"/>
+                </a:solidFill>
+              </a:ln>
+            </p:spPr>
+            <p:style>
+              <a:lnRef idx="2">
+                <a:schemeClr val="accent1">
+                  <a:shade val="50000"/>
+                </a:schemeClr>
+              </a:lnRef>
+              <a:fillRef idx="1">
+                <a:schemeClr val="accent1"/>
+              </a:fillRef>
+              <a:effectRef idx="0">
+                <a:schemeClr val="accent1"/>
+              </a:effectRef>
+              <a:fontRef idx="minor"/>
+            </p:style>
+            <p:txBody>
+              <a:bodyPr rtlCol="0" anchor="ctr"/>
+              <a:lstStyle/>
+              <a:p>
+                <a:pPr algn="ctr"/>
+                <a:endParaRPr lang="ko-KR" altLang="en-US"/>
+              </a:p>
+            </p:txBody>
+          </p:sp>
+          <p:cxnSp>
+            <p:nvCxnSpPr>
+              <p:cNvPr id="39" name="직선 연결선 38">
+                <a:extLst>
+                  <a:ext uri="{FF2B5EF4-FFF2-40B4-BE49-F238E27FC236}">
+                    <a16:creationId xmlns:a16="http://schemas.microsoft.com/office/drawing/2014/main" id="{E123491D-9A1C-D5EF-4841-ADCDB4BBDB63}"/>
+                  </a:ext>
+                </a:extLst>
+              </p:cNvPr>
+              <p:cNvCxnSpPr/>
+              <p:nvPr/>
+            </p:nvCxnSpPr>
+            <p:spPr>
+              <a:xfrm>
+                <a:off x="1184615" y="3952434"/>
+                <a:ext cx="0" cy="622354"/>
+              </a:xfrm>
+              <a:prstGeom prst="line">
+                <a:avLst/>
+              </a:prstGeom>
+              <a:ln w="57150">
+                <a:solidFill>
+                  <a:srgbClr val="33CCCC"/>
+                </a:solidFill>
+              </a:ln>
+            </p:spPr>
+            <p:style>
+              <a:lnRef idx="1">
+                <a:schemeClr val="accent1"/>
+              </a:lnRef>
+              <a:fillRef idx="0">
+                <a:schemeClr val="accent1"/>
+              </a:fillRef>
+              <a:effectRef idx="0">
+                <a:schemeClr val="accent1"/>
+              </a:effectRef>
+              <a:fontRef idx="minor">
+                <a:schemeClr val="tx1"/>
+              </a:fontRef>
+            </p:style>
+          </p:cxnSp>
+          <p:sp>
+            <p:nvSpPr>
+              <p:cNvPr id="40" name="직사각형 39">
+                <a:extLst>
+                  <a:ext uri="{FF2B5EF4-FFF2-40B4-BE49-F238E27FC236}">
+                    <a16:creationId xmlns:a16="http://schemas.microsoft.com/office/drawing/2014/main" id="{DEA81C5C-C816-DFEC-6915-072E4880B248}"/>
+                  </a:ext>
+                </a:extLst>
+              </p:cNvPr>
+              <p:cNvSpPr/>
+              <p:nvPr/>
+            </p:nvSpPr>
+            <p:spPr>
+              <a:xfrm>
+                <a:off x="1184615" y="4203872"/>
+                <a:ext cx="28270" cy="119477"/>
+              </a:xfrm>
+              <a:prstGeom prst="rect">
+                <a:avLst/>
+              </a:prstGeom>
+              <a:solidFill>
+                <a:schemeClr val="accent4"/>
+              </a:solidFill>
+              <a:ln w="12700">
+                <a:solidFill>
+                  <a:srgbClr val="000000"/>
+                </a:solidFill>
+              </a:ln>
+            </p:spPr>
+            <p:style>
+              <a:lnRef idx="2">
+                <a:schemeClr val="accent1">
+                  <a:shade val="50000"/>
+                </a:schemeClr>
+              </a:lnRef>
+              <a:fillRef idx="1">
+                <a:schemeClr val="accent1"/>
+              </a:fillRef>
+              <a:effectRef idx="0">
+                <a:schemeClr val="accent1"/>
+              </a:effectRef>
+              <a:fontRef idx="minor"/>
+            </p:style>
+            <p:txBody>
+              <a:bodyPr rtlCol="0" anchor="ctr"/>
+              <a:lstStyle/>
+              <a:p>
+                <a:pPr algn="ctr"/>
+                <a:endParaRPr lang="ko-KR" altLang="en-US">
+                  <a:solidFill>
+                    <a:schemeClr val="tx1"/>
+                  </a:solidFill>
+                </a:endParaRPr>
+              </a:p>
+            </p:txBody>
+          </p:sp>
+          <p:cxnSp>
+            <p:nvCxnSpPr>
+              <p:cNvPr id="41" name="직선 화살표 연결선 40">
+                <a:extLst>
+                  <a:ext uri="{FF2B5EF4-FFF2-40B4-BE49-F238E27FC236}">
+                    <a16:creationId xmlns:a16="http://schemas.microsoft.com/office/drawing/2014/main" id="{EF655D0B-57C2-D396-C0C2-4C1B1B1579C5}"/>
+                  </a:ext>
+                </a:extLst>
+              </p:cNvPr>
+              <p:cNvCxnSpPr>
+                <a:cxnSpLocks/>
+              </p:cNvCxnSpPr>
+              <p:nvPr/>
+            </p:nvCxnSpPr>
+            <p:spPr>
+              <a:xfrm>
+                <a:off x="800199" y="2567281"/>
+                <a:ext cx="562312" cy="0"/>
+              </a:xfrm>
+              <a:prstGeom prst="straightConnector1">
+                <a:avLst/>
+              </a:prstGeom>
+              <a:ln w="19050">
+                <a:solidFill>
+                  <a:srgbClr val="FF0066"/>
+                </a:solidFill>
+                <a:headEnd type="none" w="med" len="med"/>
+                <a:tailEnd type="arrow" w="med" len="med"/>
+              </a:ln>
+              <a:effectLst/>
+            </p:spPr>
+            <p:style>
+              <a:lnRef idx="1">
+                <a:schemeClr val="accent1"/>
+              </a:lnRef>
+              <a:fillRef idx="0">
+                <a:schemeClr val="accent1"/>
+              </a:fillRef>
+              <a:effectRef idx="0">
+                <a:schemeClr val="accent1"/>
+              </a:effectRef>
+              <a:fontRef idx="minor">
+                <a:schemeClr val="tx1"/>
+              </a:fontRef>
+            </p:style>
+          </p:cxnSp>
+          <p:cxnSp>
+            <p:nvCxnSpPr>
+              <p:cNvPr id="42" name="직선 화살표 연결선 41">
+                <a:extLst>
+                  <a:ext uri="{FF2B5EF4-FFF2-40B4-BE49-F238E27FC236}">
+                    <a16:creationId xmlns:a16="http://schemas.microsoft.com/office/drawing/2014/main" id="{F77B7A3C-A062-3359-89B8-2D4BBA14570A}"/>
+                  </a:ext>
+                </a:extLst>
+              </p:cNvPr>
+              <p:cNvCxnSpPr>
+                <a:cxnSpLocks/>
+              </p:cNvCxnSpPr>
+              <p:nvPr/>
+            </p:nvCxnSpPr>
+            <p:spPr>
+              <a:xfrm>
+                <a:off x="1763443" y="3692694"/>
+                <a:ext cx="0" cy="161034"/>
+              </a:xfrm>
+              <a:prstGeom prst="straightConnector1">
+                <a:avLst/>
+              </a:prstGeom>
+              <a:ln w="19050">
+                <a:solidFill>
+                  <a:schemeClr val="bg1">
+                    <a:lumMod val="75000"/>
+                  </a:schemeClr>
+                </a:solidFill>
+                <a:headEnd type="none" w="med" len="med"/>
+                <a:tailEnd type="arrow" w="med" len="med"/>
+              </a:ln>
+              <a:effectLst/>
+            </p:spPr>
+            <p:style>
+              <a:lnRef idx="1">
+                <a:schemeClr val="accent1"/>
+              </a:lnRef>
+              <a:fillRef idx="0">
+                <a:schemeClr val="accent1"/>
+              </a:fillRef>
+              <a:effectRef idx="0">
+                <a:schemeClr val="accent1"/>
+              </a:effectRef>
+              <a:fontRef idx="minor">
+                <a:schemeClr val="tx1"/>
+              </a:fontRef>
+            </p:style>
+          </p:cxnSp>
+          <p:sp>
+            <p:nvSpPr>
+              <p:cNvPr id="43" name="직사각형 42">
+                <a:extLst>
+                  <a:ext uri="{FF2B5EF4-FFF2-40B4-BE49-F238E27FC236}">
+                    <a16:creationId xmlns:a16="http://schemas.microsoft.com/office/drawing/2014/main" id="{B980EDA5-D70F-02A7-3BF5-A4EDF75DBD58}"/>
+                  </a:ext>
+                </a:extLst>
+              </p:cNvPr>
+              <p:cNvSpPr/>
+              <p:nvPr/>
+            </p:nvSpPr>
+            <p:spPr>
+              <a:xfrm flipH="1">
+                <a:off x="2355712" y="4237563"/>
+                <a:ext cx="29652" cy="339467"/>
+              </a:xfrm>
+              <a:prstGeom prst="rect">
+                <a:avLst/>
+              </a:prstGeom>
+              <a:solidFill>
+                <a:schemeClr val="accent4"/>
+              </a:solidFill>
+              <a:ln w="12700">
+                <a:solidFill>
+                  <a:srgbClr val="000000"/>
+                </a:solidFill>
+              </a:ln>
+            </p:spPr>
+            <p:style>
+              <a:lnRef idx="2">
+                <a:schemeClr val="accent1">
+                  <a:shade val="50000"/>
+                </a:schemeClr>
+              </a:lnRef>
+              <a:fillRef idx="1">
+                <a:schemeClr val="accent1"/>
+              </a:fillRef>
+              <a:effectRef idx="0">
+                <a:schemeClr val="accent1"/>
+              </a:effectRef>
+              <a:fontRef idx="minor"/>
+            </p:style>
+            <p:txBody>
+              <a:bodyPr rtlCol="0" anchor="ctr"/>
+              <a:lstStyle/>
+              <a:p>
+                <a:pPr algn="ctr"/>
+                <a:endParaRPr lang="ko-KR" altLang="en-US">
+                  <a:solidFill>
+                    <a:schemeClr val="tx1"/>
+                  </a:solidFill>
+                </a:endParaRPr>
+              </a:p>
+            </p:txBody>
+          </p:sp>
+          <p:sp>
+            <p:nvSpPr>
+              <p:cNvPr id="44" name="직사각형 43">
+                <a:extLst>
+                  <a:ext uri="{FF2B5EF4-FFF2-40B4-BE49-F238E27FC236}">
+                    <a16:creationId xmlns:a16="http://schemas.microsoft.com/office/drawing/2014/main" id="{D440EA7C-1EDA-1574-E4CD-62C0A764A417}"/>
+                  </a:ext>
+                </a:extLst>
+              </p:cNvPr>
+              <p:cNvSpPr/>
+              <p:nvPr/>
+            </p:nvSpPr>
+            <p:spPr>
+              <a:xfrm>
+                <a:off x="2356404" y="3935161"/>
+                <a:ext cx="28266" cy="336352"/>
+              </a:xfrm>
+              <a:prstGeom prst="rect">
+                <a:avLst/>
+              </a:prstGeom>
+              <a:solidFill>
+                <a:schemeClr val="accent4"/>
+              </a:solidFill>
+              <a:ln w="12700">
+                <a:solidFill>
+                  <a:srgbClr val="000000"/>
+                </a:solidFill>
+              </a:ln>
+            </p:spPr>
+            <p:style>
+              <a:lnRef idx="2">
+                <a:schemeClr val="accent1">
+                  <a:shade val="50000"/>
+                </a:schemeClr>
+              </a:lnRef>
+              <a:fillRef idx="1">
+                <a:schemeClr val="accent1"/>
+              </a:fillRef>
+              <a:effectRef idx="0">
+                <a:schemeClr val="accent1"/>
+              </a:effectRef>
+              <a:fontRef idx="minor"/>
+            </p:style>
+            <p:txBody>
+              <a:bodyPr rtlCol="0" anchor="ctr"/>
+              <a:lstStyle/>
+              <a:p>
+                <a:pPr algn="ctr"/>
+                <a:endParaRPr lang="ko-KR" altLang="en-US">
+                  <a:solidFill>
+                    <a:schemeClr val="tx1"/>
+                  </a:solidFill>
+                </a:endParaRPr>
+              </a:p>
+            </p:txBody>
+          </p:sp>
+          <p:sp>
+            <p:nvSpPr>
+              <p:cNvPr id="45" name="직사각형 260">
+                <a:extLst>
+                  <a:ext uri="{FF2B5EF4-FFF2-40B4-BE49-F238E27FC236}">
+                    <a16:creationId xmlns:a16="http://schemas.microsoft.com/office/drawing/2014/main" id="{53B4E934-E8F2-8BB7-969D-4BAE9E492634}"/>
+                  </a:ext>
+                </a:extLst>
+              </p:cNvPr>
+              <p:cNvSpPr/>
+              <p:nvPr/>
+            </p:nvSpPr>
+            <p:spPr>
+              <a:xfrm>
+                <a:off x="2997882" y="3316468"/>
+                <a:ext cx="426497" cy="425580"/>
+              </a:xfrm>
+              <a:prstGeom prst="rect">
+                <a:avLst/>
+              </a:prstGeom>
+              <a:solidFill>
+                <a:schemeClr val="accent6">
+                  <a:lumMod val="20000"/>
+                  <a:lumOff val="80000"/>
+                </a:schemeClr>
+              </a:solidFill>
+              <a:ln w="12700">
+                <a:solidFill>
+                  <a:srgbClr val="000000"/>
+                </a:solidFill>
+              </a:ln>
+            </p:spPr>
+            <p:style>
+              <a:lnRef idx="2">
+                <a:schemeClr val="accent1">
+                  <a:shade val="50000"/>
+                </a:schemeClr>
+              </a:lnRef>
+              <a:fillRef idx="1">
+                <a:schemeClr val="accent1"/>
+              </a:fillRef>
+              <a:effectRef idx="0">
+                <a:schemeClr val="accent1"/>
+              </a:effectRef>
+              <a:fontRef idx="minor"/>
+            </p:style>
+          </p:sp>
+          <p:sp>
+            <p:nvSpPr>
+              <p:cNvPr id="47" name="직사각형 260">
+                <a:extLst>
+                  <a:ext uri="{FF2B5EF4-FFF2-40B4-BE49-F238E27FC236}">
+                    <a16:creationId xmlns:a16="http://schemas.microsoft.com/office/drawing/2014/main" id="{DAE4E150-901B-3154-2C14-173BBB3B9017}"/>
+                  </a:ext>
+                </a:extLst>
+              </p:cNvPr>
+              <p:cNvSpPr/>
+              <p:nvPr/>
+            </p:nvSpPr>
+            <p:spPr>
+              <a:xfrm>
+                <a:off x="3424378" y="4795602"/>
+                <a:ext cx="426497" cy="425580"/>
+              </a:xfrm>
+              <a:prstGeom prst="rect">
+                <a:avLst/>
+              </a:prstGeom>
+              <a:solidFill>
+                <a:schemeClr val="accent6">
+                  <a:lumMod val="20000"/>
+                  <a:lumOff val="80000"/>
+                </a:schemeClr>
+              </a:solidFill>
+              <a:ln w="12700">
+                <a:solidFill>
+                  <a:srgbClr val="000000"/>
+                </a:solidFill>
+              </a:ln>
+            </p:spPr>
+            <p:style>
+              <a:lnRef idx="2">
+                <a:schemeClr val="accent1">
+                  <a:shade val="50000"/>
+                </a:schemeClr>
+              </a:lnRef>
+              <a:fillRef idx="1">
+                <a:schemeClr val="accent1"/>
+              </a:fillRef>
+              <a:effectRef idx="0">
+                <a:schemeClr val="accent1"/>
+              </a:effectRef>
+              <a:fontRef idx="minor"/>
+            </p:style>
+          </p:sp>
+          <p:grpSp>
+            <p:nvGrpSpPr>
+              <p:cNvPr id="73" name="그룹 72">
+                <a:extLst>
+                  <a:ext uri="{FF2B5EF4-FFF2-40B4-BE49-F238E27FC236}">
+                    <a16:creationId xmlns:a16="http://schemas.microsoft.com/office/drawing/2014/main" id="{75400AE3-82E7-23A4-92A9-EC2DA336C0CB}"/>
+                  </a:ext>
+                </a:extLst>
+              </p:cNvPr>
+              <p:cNvGrpSpPr/>
+              <p:nvPr/>
+            </p:nvGrpSpPr>
+            <p:grpSpPr>
+              <a:xfrm>
+                <a:off x="4269689" y="3316468"/>
+                <a:ext cx="946687" cy="1266863"/>
+                <a:chOff x="6996273" y="2835528"/>
+                <a:chExt cx="1783743" cy="2387018"/>
+              </a:xfrm>
+              <a:solidFill>
+                <a:schemeClr val="accent6">
+                  <a:lumMod val="60000"/>
+                  <a:lumOff val="40000"/>
+                </a:schemeClr>
+              </a:solidFill>
+            </p:grpSpPr>
+            <p:sp>
+              <p:nvSpPr>
+                <p:cNvPr id="74" name="직사각형 260">
+                  <a:extLst>
+                    <a:ext uri="{FF2B5EF4-FFF2-40B4-BE49-F238E27FC236}">
+                      <a16:creationId xmlns:a16="http://schemas.microsoft.com/office/drawing/2014/main" id="{06D3F364-C84A-0A93-5A61-15489912E9F5}"/>
+                    </a:ext>
+                  </a:extLst>
+                </p:cNvPr>
+                <p:cNvSpPr/>
+                <p:nvPr/>
+              </p:nvSpPr>
+              <p:spPr>
+                <a:xfrm>
+                  <a:off x="6996273" y="2835528"/>
+                  <a:ext cx="1783743" cy="801876"/>
+                </a:xfrm>
+                <a:prstGeom prst="rect">
+                  <a:avLst/>
+                </a:prstGeom>
+                <a:grpFill/>
+                <a:ln w="12700">
+                  <a:solidFill>
+                    <a:srgbClr val="000000"/>
+                  </a:solidFill>
+                </a:ln>
+              </p:spPr>
+              <p:style>
+                <a:lnRef idx="2">
+                  <a:schemeClr val="accent1">
+                    <a:shade val="50000"/>
+                  </a:schemeClr>
+                </a:lnRef>
+                <a:fillRef idx="1">
+                  <a:schemeClr val="accent1"/>
+                </a:fillRef>
+                <a:effectRef idx="0">
+                  <a:schemeClr val="accent1"/>
+                </a:effectRef>
+                <a:fontRef idx="minor"/>
+              </p:style>
+            </p:sp>
+            <p:sp>
+              <p:nvSpPr>
+                <p:cNvPr id="75" name="직사각형 260">
+                  <a:extLst>
+                    <a:ext uri="{FF2B5EF4-FFF2-40B4-BE49-F238E27FC236}">
+                      <a16:creationId xmlns:a16="http://schemas.microsoft.com/office/drawing/2014/main" id="{513B203D-8008-D6D5-927D-38AA8201DF15}"/>
+                    </a:ext>
+                  </a:extLst>
+                </p:cNvPr>
+                <p:cNvSpPr/>
+                <p:nvPr/>
+              </p:nvSpPr>
+              <p:spPr>
+                <a:xfrm>
+                  <a:off x="7892249" y="3640924"/>
+                  <a:ext cx="887767" cy="1581622"/>
+                </a:xfrm>
+                <a:prstGeom prst="rect">
+                  <a:avLst/>
+                </a:prstGeom>
+                <a:grpFill/>
+                <a:ln w="12700">
+                  <a:solidFill>
+                    <a:srgbClr val="000000"/>
+                  </a:solidFill>
+                </a:ln>
+              </p:spPr>
+              <p:style>
+                <a:lnRef idx="2">
+                  <a:schemeClr val="accent1">
+                    <a:shade val="50000"/>
+                  </a:schemeClr>
+                </a:lnRef>
+                <a:fillRef idx="1">
+                  <a:schemeClr val="accent1"/>
+                </a:fillRef>
+                <a:effectRef idx="0">
+                  <a:schemeClr val="accent1"/>
+                </a:effectRef>
+                <a:fontRef idx="minor"/>
+              </p:style>
+            </p:sp>
+            <p:sp>
+              <p:nvSpPr>
+                <p:cNvPr id="76" name="직사각형 260">
+                  <a:extLst>
+                    <a:ext uri="{FF2B5EF4-FFF2-40B4-BE49-F238E27FC236}">
+                      <a16:creationId xmlns:a16="http://schemas.microsoft.com/office/drawing/2014/main" id="{C8F21610-F033-10C8-194D-D6A8516FEB8D}"/>
+                    </a:ext>
+                  </a:extLst>
+                </p:cNvPr>
+                <p:cNvSpPr/>
+                <p:nvPr/>
+              </p:nvSpPr>
+              <p:spPr>
+                <a:xfrm>
+                  <a:off x="7899400" y="3292730"/>
+                  <a:ext cx="875030" cy="1581622"/>
+                </a:xfrm>
+                <a:prstGeom prst="rect">
+                  <a:avLst/>
+                </a:prstGeom>
+                <a:grpFill/>
+                <a:ln w="12700">
+                  <a:noFill/>
+                </a:ln>
+              </p:spPr>
+              <p:style>
+                <a:lnRef idx="2">
+                  <a:schemeClr val="accent1">
+                    <a:shade val="50000"/>
+                  </a:schemeClr>
+                </a:lnRef>
+                <a:fillRef idx="1">
+                  <a:schemeClr val="accent1"/>
+                </a:fillRef>
+                <a:effectRef idx="0">
+                  <a:schemeClr val="accent1"/>
+                </a:effectRef>
+                <a:fontRef idx="minor"/>
+              </p:style>
+            </p:sp>
+          </p:grpSp>
+          <p:cxnSp>
+            <p:nvCxnSpPr>
+              <p:cNvPr id="77" name="직선 화살표 연결선 76">
+                <a:extLst>
+                  <a:ext uri="{FF2B5EF4-FFF2-40B4-BE49-F238E27FC236}">
+                    <a16:creationId xmlns:a16="http://schemas.microsoft.com/office/drawing/2014/main" id="{232E29E3-2D2C-7C13-EF11-CF34E217A9B8}"/>
+                  </a:ext>
+                </a:extLst>
+              </p:cNvPr>
+              <p:cNvCxnSpPr>
+                <a:cxnSpLocks/>
+              </p:cNvCxnSpPr>
+              <p:nvPr/>
+            </p:nvCxnSpPr>
+            <p:spPr>
+              <a:xfrm>
+                <a:off x="2356404" y="3657904"/>
+                <a:ext cx="2857007" cy="0"/>
+              </a:xfrm>
+              <a:prstGeom prst="straightConnector1">
+                <a:avLst/>
+              </a:prstGeom>
+              <a:ln>
+                <a:solidFill>
+                  <a:schemeClr val="bg1"/>
+                </a:solidFill>
+                <a:headEnd type="arrow" w="med" len="med"/>
+                <a:tailEnd type="arrow" w="med" len="med"/>
+              </a:ln>
+              <a:effectLst>
+                <a:glow rad="101600">
+                  <a:srgbClr val="9966FF">
+                    <a:alpha val="40000"/>
+                  </a:srgbClr>
+                </a:glow>
+              </a:effectLst>
+            </p:spPr>
+            <p:style>
+              <a:lnRef idx="1">
+                <a:schemeClr val="accent1"/>
+              </a:lnRef>
+              <a:fillRef idx="0">
+                <a:schemeClr val="accent1"/>
+              </a:fillRef>
+              <a:effectRef idx="0">
+                <a:schemeClr val="accent1"/>
+              </a:effectRef>
+              <a:fontRef idx="minor">
+                <a:schemeClr val="tx1"/>
+              </a:fontRef>
+            </p:style>
+          </p:cxnSp>
+          <p:cxnSp>
+            <p:nvCxnSpPr>
+              <p:cNvPr id="78" name="직선 화살표 연결선 77">
+                <a:extLst>
+                  <a:ext uri="{FF2B5EF4-FFF2-40B4-BE49-F238E27FC236}">
+                    <a16:creationId xmlns:a16="http://schemas.microsoft.com/office/drawing/2014/main" id="{8564250C-72CC-027D-3A7B-B992DD82AF7C}"/>
+                  </a:ext>
+                </a:extLst>
+              </p:cNvPr>
+              <p:cNvCxnSpPr>
+                <a:cxnSpLocks/>
+              </p:cNvCxnSpPr>
+              <p:nvPr/>
+            </p:nvCxnSpPr>
+            <p:spPr>
+              <a:xfrm>
+                <a:off x="2356404" y="4869878"/>
+                <a:ext cx="2857007" cy="0"/>
+              </a:xfrm>
+              <a:prstGeom prst="straightConnector1">
+                <a:avLst/>
+              </a:prstGeom>
+              <a:ln>
+                <a:solidFill>
+                  <a:schemeClr val="bg1"/>
+                </a:solidFill>
+                <a:headEnd type="arrow" w="med" len="med"/>
+                <a:tailEnd type="arrow" w="med" len="med"/>
+              </a:ln>
+              <a:effectLst>
+                <a:glow rad="101600">
+                  <a:srgbClr val="9966FF">
+                    <a:alpha val="40000"/>
+                  </a:srgbClr>
+                </a:glow>
+              </a:effectLst>
+            </p:spPr>
+            <p:style>
+              <a:lnRef idx="1">
+                <a:schemeClr val="accent1"/>
+              </a:lnRef>
+              <a:fillRef idx="0">
+                <a:schemeClr val="accent1"/>
+              </a:fillRef>
+              <a:effectRef idx="0">
+                <a:schemeClr val="accent1"/>
+              </a:effectRef>
+              <a:fontRef idx="minor">
+                <a:schemeClr val="tx1"/>
+              </a:fontRef>
+            </p:style>
+          </p:cxnSp>
+          <p:sp>
+            <p:nvSpPr>
+              <p:cNvPr id="79" name="타원 78">
+                <a:extLst>
+                  <a:ext uri="{FF2B5EF4-FFF2-40B4-BE49-F238E27FC236}">
+                    <a16:creationId xmlns:a16="http://schemas.microsoft.com/office/drawing/2014/main" id="{C477E301-D13E-B798-6070-412833C56A71}"/>
+                  </a:ext>
+                </a:extLst>
+              </p:cNvPr>
+              <p:cNvSpPr/>
+              <p:nvPr/>
+            </p:nvSpPr>
+            <p:spPr>
+              <a:xfrm>
+                <a:off x="3050826" y="3643089"/>
+                <a:ext cx="29629" cy="29629"/>
+              </a:xfrm>
+              <a:prstGeom prst="ellipse">
+                <a:avLst/>
+              </a:prstGeom>
+              <a:solidFill>
+                <a:schemeClr val="bg1"/>
+              </a:solidFill>
+              <a:ln>
+                <a:noFill/>
+                <a:headEnd type="none" w="med" len="med"/>
+                <a:tailEnd type="arrow" w="med" len="med"/>
+              </a:ln>
+              <a:effectLst>
+                <a:glow rad="101600">
+                  <a:srgbClr val="9966FF">
+                    <a:alpha val="40000"/>
+                  </a:srgbClr>
+                </a:glow>
+              </a:effectLst>
+            </p:spPr>
+            <p:style>
+              <a:lnRef idx="1">
+                <a:schemeClr val="accent1"/>
+              </a:lnRef>
+              <a:fillRef idx="0">
+                <a:schemeClr val="accent1"/>
+              </a:fillRef>
+              <a:effectRef idx="0">
+                <a:schemeClr val="accent1"/>
+              </a:effectRef>
+              <a:fontRef idx="minor">
+                <a:schemeClr val="tx1"/>
+              </a:fontRef>
+            </p:style>
+            <p:txBody>
+              <a:bodyPr rtlCol="0" anchor="ctr"/>
+              <a:lstStyle/>
+              <a:p>
+                <a:pPr algn="ctr"/>
+                <a:endParaRPr lang="ko-KR" altLang="en-US" dirty="0"/>
+              </a:p>
+            </p:txBody>
+          </p:sp>
+          <p:sp>
+            <p:nvSpPr>
+              <p:cNvPr id="80" name="타원 79">
+                <a:extLst>
+                  <a:ext uri="{FF2B5EF4-FFF2-40B4-BE49-F238E27FC236}">
+                    <a16:creationId xmlns:a16="http://schemas.microsoft.com/office/drawing/2014/main" id="{C1D845D9-4AD9-2072-13ED-EEC583875C69}"/>
+                  </a:ext>
+                </a:extLst>
+              </p:cNvPr>
+              <p:cNvSpPr/>
+              <p:nvPr/>
+            </p:nvSpPr>
+            <p:spPr>
+              <a:xfrm>
+                <a:off x="3354556" y="3643089"/>
+                <a:ext cx="29629" cy="29629"/>
+              </a:xfrm>
+              <a:prstGeom prst="ellipse">
+                <a:avLst/>
+              </a:prstGeom>
+              <a:solidFill>
+                <a:schemeClr val="bg1"/>
+              </a:solidFill>
+              <a:ln>
+                <a:noFill/>
+                <a:headEnd type="none" w="med" len="med"/>
+                <a:tailEnd type="arrow" w="med" len="med"/>
+              </a:ln>
+              <a:effectLst>
+                <a:glow rad="101600">
+                  <a:srgbClr val="9966FF">
+                    <a:alpha val="40000"/>
+                  </a:srgbClr>
+                </a:glow>
+              </a:effectLst>
+            </p:spPr>
+            <p:style>
+              <a:lnRef idx="1">
+                <a:schemeClr val="accent1"/>
+              </a:lnRef>
+              <a:fillRef idx="0">
+                <a:schemeClr val="accent1"/>
+              </a:fillRef>
+              <a:effectRef idx="0">
+                <a:schemeClr val="accent1"/>
+              </a:effectRef>
+              <a:fontRef idx="minor">
+                <a:schemeClr val="tx1"/>
+              </a:fontRef>
+            </p:style>
+            <p:txBody>
+              <a:bodyPr rtlCol="0" anchor="ctr"/>
+              <a:lstStyle/>
+              <a:p>
+                <a:pPr algn="ctr"/>
+                <a:endParaRPr lang="ko-KR" altLang="en-US" dirty="0"/>
+              </a:p>
+            </p:txBody>
+          </p:sp>
+          <p:sp>
+            <p:nvSpPr>
+              <p:cNvPr id="82" name="타원 81">
+                <a:extLst>
+                  <a:ext uri="{FF2B5EF4-FFF2-40B4-BE49-F238E27FC236}">
+                    <a16:creationId xmlns:a16="http://schemas.microsoft.com/office/drawing/2014/main" id="{DC9135A5-99E9-97D4-2C84-916B12FD2449}"/>
+                  </a:ext>
+                </a:extLst>
+              </p:cNvPr>
+              <p:cNvSpPr/>
+              <p:nvPr/>
+            </p:nvSpPr>
+            <p:spPr>
+              <a:xfrm>
+                <a:off x="3501516" y="4872370"/>
+                <a:ext cx="29629" cy="29629"/>
+              </a:xfrm>
+              <a:prstGeom prst="ellipse">
+                <a:avLst/>
+              </a:prstGeom>
+              <a:solidFill>
+                <a:schemeClr val="bg1"/>
+              </a:solidFill>
+              <a:ln>
+                <a:noFill/>
+                <a:headEnd type="none" w="med" len="med"/>
+                <a:tailEnd type="arrow" w="med" len="med"/>
+              </a:ln>
+              <a:effectLst>
+                <a:glow rad="101600">
+                  <a:srgbClr val="9966FF">
+                    <a:alpha val="40000"/>
+                  </a:srgbClr>
+                </a:glow>
+              </a:effectLst>
+            </p:spPr>
+            <p:style>
+              <a:lnRef idx="1">
+                <a:schemeClr val="accent1"/>
+              </a:lnRef>
+              <a:fillRef idx="0">
+                <a:schemeClr val="accent1"/>
+              </a:fillRef>
+              <a:effectRef idx="0">
+                <a:schemeClr val="accent1"/>
+              </a:effectRef>
+              <a:fontRef idx="minor">
+                <a:schemeClr val="tx1"/>
+              </a:fontRef>
+            </p:style>
+            <p:txBody>
+              <a:bodyPr rtlCol="0" anchor="ctr"/>
+              <a:lstStyle/>
+              <a:p>
+                <a:pPr algn="ctr"/>
+                <a:endParaRPr lang="ko-KR" altLang="en-US" dirty="0"/>
+              </a:p>
+            </p:txBody>
+          </p:sp>
+          <p:sp>
+            <p:nvSpPr>
+              <p:cNvPr id="85" name="타원 84">
+                <a:extLst>
+                  <a:ext uri="{FF2B5EF4-FFF2-40B4-BE49-F238E27FC236}">
+                    <a16:creationId xmlns:a16="http://schemas.microsoft.com/office/drawing/2014/main" id="{8C0A054C-3A93-6798-0337-86F173B1432C}"/>
+                  </a:ext>
+                </a:extLst>
+              </p:cNvPr>
+              <p:cNvSpPr/>
+              <p:nvPr/>
+            </p:nvSpPr>
+            <p:spPr>
+              <a:xfrm>
+                <a:off x="3763827" y="4872370"/>
+                <a:ext cx="29629" cy="29629"/>
+              </a:xfrm>
+              <a:prstGeom prst="ellipse">
+                <a:avLst/>
+              </a:prstGeom>
+              <a:solidFill>
+                <a:schemeClr val="bg1"/>
+              </a:solidFill>
+              <a:ln>
+                <a:noFill/>
+                <a:headEnd type="none" w="med" len="med"/>
+                <a:tailEnd type="arrow" w="med" len="med"/>
+              </a:ln>
+              <a:effectLst>
+                <a:glow rad="101600">
+                  <a:srgbClr val="9966FF">
+                    <a:alpha val="40000"/>
+                  </a:srgbClr>
+                </a:glow>
+              </a:effectLst>
+            </p:spPr>
+            <p:style>
+              <a:lnRef idx="1">
+                <a:schemeClr val="accent1"/>
+              </a:lnRef>
+              <a:fillRef idx="0">
+                <a:schemeClr val="accent1"/>
+              </a:fillRef>
+              <a:effectRef idx="0">
+                <a:schemeClr val="accent1"/>
+              </a:effectRef>
+              <a:fontRef idx="minor">
+                <a:schemeClr val="tx1"/>
+              </a:fontRef>
+            </p:style>
+            <p:txBody>
+              <a:bodyPr rtlCol="0" anchor="ctr"/>
+              <a:lstStyle/>
+              <a:p>
+                <a:pPr algn="ctr"/>
+                <a:endParaRPr lang="ko-KR" altLang="en-US" dirty="0"/>
+              </a:p>
+            </p:txBody>
+          </p:sp>
+          <p:cxnSp>
+            <p:nvCxnSpPr>
+              <p:cNvPr id="87" name="직선 화살표 연결선 86">
+                <a:extLst>
+                  <a:ext uri="{FF2B5EF4-FFF2-40B4-BE49-F238E27FC236}">
+                    <a16:creationId xmlns:a16="http://schemas.microsoft.com/office/drawing/2014/main" id="{4DF9D65D-833F-0E70-B886-EDD4C36F16DD}"/>
+                  </a:ext>
+                </a:extLst>
+              </p:cNvPr>
+              <p:cNvCxnSpPr/>
+              <p:nvPr/>
+            </p:nvCxnSpPr>
+            <p:spPr>
+              <a:xfrm>
+                <a:off x="3424378" y="3314584"/>
+                <a:ext cx="0" cy="1906598"/>
+              </a:xfrm>
+              <a:prstGeom prst="straightConnector1">
+                <a:avLst/>
+              </a:prstGeom>
+              <a:ln>
+                <a:solidFill>
+                  <a:schemeClr val="bg1"/>
+                </a:solidFill>
+                <a:headEnd type="arrow" w="med" len="med"/>
+                <a:tailEnd type="arrow" w="med" len="med"/>
+              </a:ln>
+              <a:effectLst>
+                <a:glow rad="101600">
+                  <a:srgbClr val="9966FF">
+                    <a:alpha val="40000"/>
+                  </a:srgbClr>
+                </a:glow>
+              </a:effectLst>
+            </p:spPr>
+            <p:style>
+              <a:lnRef idx="1">
+                <a:schemeClr val="accent1"/>
+              </a:lnRef>
+              <a:fillRef idx="0">
+                <a:schemeClr val="accent1"/>
+              </a:fillRef>
+              <a:effectRef idx="0">
+                <a:schemeClr val="accent1"/>
+              </a:effectRef>
+              <a:fontRef idx="minor">
+                <a:schemeClr val="tx1"/>
+              </a:fontRef>
+            </p:style>
+          </p:cxnSp>
+          <p:cxnSp>
+            <p:nvCxnSpPr>
+              <p:cNvPr id="88" name="직선 연결선 87">
+                <a:extLst>
+                  <a:ext uri="{FF2B5EF4-FFF2-40B4-BE49-F238E27FC236}">
+                    <a16:creationId xmlns:a16="http://schemas.microsoft.com/office/drawing/2014/main" id="{B5973A71-6168-1FE6-68FD-2FEF8534E767}"/>
+                  </a:ext>
+                </a:extLst>
+              </p:cNvPr>
+              <p:cNvCxnSpPr/>
+              <p:nvPr/>
+            </p:nvCxnSpPr>
+            <p:spPr>
+              <a:xfrm>
+                <a:off x="4269689" y="3759322"/>
+                <a:ext cx="473343" cy="0"/>
+              </a:xfrm>
+              <a:prstGeom prst="line">
+                <a:avLst/>
+              </a:prstGeom>
+              <a:ln w="57150">
+                <a:solidFill>
+                  <a:srgbClr val="33CCCC"/>
+                </a:solidFill>
+              </a:ln>
+            </p:spPr>
+            <p:style>
+              <a:lnRef idx="1">
+                <a:schemeClr val="accent1"/>
+              </a:lnRef>
+              <a:fillRef idx="0">
+                <a:schemeClr val="accent1"/>
+              </a:fillRef>
+              <a:effectRef idx="0">
+                <a:schemeClr val="accent1"/>
+              </a:effectRef>
+              <a:fontRef idx="minor">
+                <a:schemeClr val="tx1"/>
+              </a:fontRef>
+            </p:style>
+          </p:cxnSp>
+          <p:cxnSp>
+            <p:nvCxnSpPr>
+              <p:cNvPr id="89" name="직선 연결선 88">
+                <a:extLst>
+                  <a:ext uri="{FF2B5EF4-FFF2-40B4-BE49-F238E27FC236}">
+                    <a16:creationId xmlns:a16="http://schemas.microsoft.com/office/drawing/2014/main" id="{5FC1CAD0-F718-2EA4-1EE9-C6C3B7567905}"/>
+                  </a:ext>
+                </a:extLst>
+              </p:cNvPr>
+              <p:cNvCxnSpPr/>
+              <p:nvPr/>
+            </p:nvCxnSpPr>
+            <p:spPr>
+              <a:xfrm>
+                <a:off x="4737274" y="3742047"/>
+                <a:ext cx="0" cy="841283"/>
+              </a:xfrm>
+              <a:prstGeom prst="line">
+                <a:avLst/>
+              </a:prstGeom>
+              <a:ln w="57150">
+                <a:solidFill>
+                  <a:srgbClr val="33CCCC"/>
+                </a:solidFill>
+              </a:ln>
+            </p:spPr>
+            <p:style>
+              <a:lnRef idx="1">
+                <a:schemeClr val="accent1"/>
+              </a:lnRef>
+              <a:fillRef idx="0">
+                <a:schemeClr val="accent1"/>
+              </a:fillRef>
+              <a:effectRef idx="0">
+                <a:schemeClr val="accent1"/>
+              </a:effectRef>
+              <a:fontRef idx="minor">
+                <a:schemeClr val="tx1"/>
+              </a:fontRef>
+            </p:style>
+          </p:cxnSp>
+          <p:cxnSp>
+            <p:nvCxnSpPr>
+              <p:cNvPr id="90" name="직선 연결선 89">
+                <a:extLst>
+                  <a:ext uri="{FF2B5EF4-FFF2-40B4-BE49-F238E27FC236}">
+                    <a16:creationId xmlns:a16="http://schemas.microsoft.com/office/drawing/2014/main" id="{BFE681F5-7F21-E3A3-35C0-45EE64E39C00}"/>
+                  </a:ext>
+                </a:extLst>
+              </p:cNvPr>
+              <p:cNvCxnSpPr>
+                <a:cxnSpLocks/>
+              </p:cNvCxnSpPr>
+              <p:nvPr/>
+            </p:nvCxnSpPr>
+            <p:spPr>
+              <a:xfrm>
+                <a:off x="4731516" y="4584817"/>
+                <a:ext cx="481895" cy="0"/>
+              </a:xfrm>
+              <a:prstGeom prst="line">
+                <a:avLst/>
+              </a:prstGeom>
+              <a:ln w="57150">
+                <a:solidFill>
+                  <a:srgbClr val="33CCCC"/>
+                </a:solidFill>
+              </a:ln>
+            </p:spPr>
+            <p:style>
+              <a:lnRef idx="1">
+                <a:schemeClr val="accent1"/>
+              </a:lnRef>
+              <a:fillRef idx="0">
+                <a:schemeClr val="accent1"/>
+              </a:fillRef>
+              <a:effectRef idx="0">
+                <a:schemeClr val="accent1"/>
+              </a:effectRef>
+              <a:fontRef idx="minor">
+                <a:schemeClr val="tx1"/>
+              </a:fontRef>
+            </p:style>
+          </p:cxnSp>
+          <p:sp>
+            <p:nvSpPr>
+              <p:cNvPr id="101" name="직사각형 100">
+                <a:extLst>
+                  <a:ext uri="{FF2B5EF4-FFF2-40B4-BE49-F238E27FC236}">
+                    <a16:creationId xmlns:a16="http://schemas.microsoft.com/office/drawing/2014/main" id="{44963F90-259D-E86D-F48C-936656091DCA}"/>
+                  </a:ext>
+                </a:extLst>
+              </p:cNvPr>
+              <p:cNvSpPr/>
+              <p:nvPr/>
+            </p:nvSpPr>
+            <p:spPr>
+              <a:xfrm>
+                <a:off x="3609055" y="5005482"/>
+                <a:ext cx="80095" cy="80095"/>
+              </a:xfrm>
+              <a:prstGeom prst="rect">
+                <a:avLst/>
+              </a:prstGeom>
+              <a:solidFill>
+                <a:srgbClr val="3366FF"/>
+              </a:solidFill>
+              <a:ln w="12700">
+                <a:solidFill>
+                  <a:srgbClr val="000000"/>
+                </a:solidFill>
+              </a:ln>
+            </p:spPr>
+            <p:style>
+              <a:lnRef idx="2">
+                <a:schemeClr val="accent1">
+                  <a:shade val="50000"/>
+                </a:schemeClr>
+              </a:lnRef>
+              <a:fillRef idx="1">
+                <a:schemeClr val="accent1"/>
+              </a:fillRef>
+              <a:effectRef idx="0">
+                <a:schemeClr val="accent1"/>
+              </a:effectRef>
+              <a:fontRef idx="minor"/>
+            </p:style>
+            <p:txBody>
+              <a:bodyPr rtlCol="0" anchor="ctr"/>
+              <a:lstStyle/>
+              <a:p>
+                <a:pPr algn="ctr"/>
+                <a:endParaRPr lang="ko-KR" altLang="en-US" sz="1000" dirty="0"/>
+              </a:p>
+            </p:txBody>
+          </p:sp>
+          <p:sp>
+            <p:nvSpPr>
+              <p:cNvPr id="102" name="직사각형 101">
+                <a:extLst>
+                  <a:ext uri="{FF2B5EF4-FFF2-40B4-BE49-F238E27FC236}">
+                    <a16:creationId xmlns:a16="http://schemas.microsoft.com/office/drawing/2014/main" id="{0A353AEC-F423-D07B-0A44-EAD219354E3A}"/>
+                  </a:ext>
+                </a:extLst>
+              </p:cNvPr>
+              <p:cNvSpPr/>
+              <p:nvPr/>
+            </p:nvSpPr>
+            <p:spPr>
+              <a:xfrm>
+                <a:off x="4269258" y="3314584"/>
+                <a:ext cx="29651" cy="460139"/>
+              </a:xfrm>
+              <a:prstGeom prst="rect">
+                <a:avLst/>
+              </a:prstGeom>
+              <a:solidFill>
+                <a:srgbClr val="3366FF"/>
+              </a:solidFill>
+              <a:ln w="12700">
+                <a:solidFill>
+                  <a:srgbClr val="000000"/>
+                </a:solidFill>
+              </a:ln>
+            </p:spPr>
+            <p:style>
+              <a:lnRef idx="2">
+                <a:schemeClr val="accent1">
+                  <a:shade val="50000"/>
+                </a:schemeClr>
+              </a:lnRef>
+              <a:fillRef idx="1">
+                <a:schemeClr val="accent1"/>
+              </a:fillRef>
+              <a:effectRef idx="0">
+                <a:schemeClr val="accent1"/>
+              </a:effectRef>
+              <a:fontRef idx="minor"/>
+            </p:style>
+            <p:txBody>
+              <a:bodyPr rtlCol="0" anchor="ctr"/>
+              <a:lstStyle/>
+              <a:p>
+                <a:pPr algn="ctr"/>
+                <a:endParaRPr lang="ko-KR" altLang="en-US" sz="1000">
+                  <a:solidFill>
+                    <a:schemeClr val="tx1"/>
+                  </a:solidFill>
+                </a:endParaRPr>
+              </a:p>
+            </p:txBody>
+          </p:sp>
+          <p:sp>
+            <p:nvSpPr>
+              <p:cNvPr id="103" name="직사각형 102">
+                <a:extLst>
+                  <a:ext uri="{FF2B5EF4-FFF2-40B4-BE49-F238E27FC236}">
+                    <a16:creationId xmlns:a16="http://schemas.microsoft.com/office/drawing/2014/main" id="{8A5BA026-F8F1-B175-161F-6F2CD4FBC1A0}"/>
+                  </a:ext>
+                </a:extLst>
+              </p:cNvPr>
+              <p:cNvSpPr/>
+              <p:nvPr/>
+            </p:nvSpPr>
+            <p:spPr>
+              <a:xfrm>
+                <a:off x="3176392" y="3478546"/>
+                <a:ext cx="80095" cy="80095"/>
+              </a:xfrm>
+              <a:prstGeom prst="rect">
+                <a:avLst/>
+              </a:prstGeom>
+              <a:solidFill>
+                <a:schemeClr val="bg1">
+                  <a:lumMod val="85000"/>
+                </a:schemeClr>
+              </a:solidFill>
+              <a:ln w="12700">
+                <a:solidFill>
+                  <a:srgbClr val="000000"/>
+                </a:solidFill>
+              </a:ln>
+            </p:spPr>
+            <p:style>
+              <a:lnRef idx="2">
+                <a:schemeClr val="accent1">
+                  <a:shade val="50000"/>
+                </a:schemeClr>
+              </a:lnRef>
+              <a:fillRef idx="1">
+                <a:schemeClr val="accent1"/>
+              </a:fillRef>
+              <a:effectRef idx="0">
+                <a:schemeClr val="accent1"/>
+              </a:effectRef>
+              <a:fontRef idx="minor"/>
+            </p:style>
+            <p:txBody>
+              <a:bodyPr rtlCol="0" anchor="ctr"/>
+              <a:lstStyle/>
+              <a:p>
+                <a:pPr algn="ctr"/>
+                <a:r>
+                  <a:rPr lang="en-US" altLang="ko-KR" sz="1000" dirty="0"/>
+                  <a:t>A</a:t>
+                </a:r>
+                <a:endParaRPr lang="ko-KR" altLang="en-US" sz="1000" dirty="0"/>
+              </a:p>
+            </p:txBody>
+          </p:sp>
+          <p:grpSp>
+            <p:nvGrpSpPr>
+              <p:cNvPr id="2" name="그룹 1">
+                <a:extLst>
+                  <a:ext uri="{FF2B5EF4-FFF2-40B4-BE49-F238E27FC236}">
+                    <a16:creationId xmlns:a16="http://schemas.microsoft.com/office/drawing/2014/main" id="{69DF768A-3084-DB38-82F9-DE9C23D66E00}"/>
+                  </a:ext>
+                </a:extLst>
+              </p:cNvPr>
+              <p:cNvGrpSpPr/>
+              <p:nvPr/>
+            </p:nvGrpSpPr>
+            <p:grpSpPr>
+              <a:xfrm>
+                <a:off x="800199" y="2683131"/>
+                <a:ext cx="29629" cy="3335094"/>
+                <a:chOff x="800199" y="2705689"/>
+                <a:chExt cx="29629" cy="3335094"/>
+              </a:xfrm>
+            </p:grpSpPr>
+            <p:grpSp>
+              <p:nvGrpSpPr>
+                <p:cNvPr id="48" name="그룹 47">
+                  <a:extLst>
+                    <a:ext uri="{FF2B5EF4-FFF2-40B4-BE49-F238E27FC236}">
+                      <a16:creationId xmlns:a16="http://schemas.microsoft.com/office/drawing/2014/main" id="{F7ED1CB9-B4FC-43C6-9501-2D2365C172A4}"/>
+                    </a:ext>
+                  </a:extLst>
+                </p:cNvPr>
+                <p:cNvGrpSpPr/>
+                <p:nvPr/>
+              </p:nvGrpSpPr>
+              <p:grpSpPr>
+                <a:xfrm>
+                  <a:off x="800199" y="2705689"/>
+                  <a:ext cx="29629" cy="1838329"/>
+                  <a:chOff x="1173094" y="3197399"/>
+                  <a:chExt cx="45685" cy="2834482"/>
+                </a:xfrm>
+              </p:grpSpPr>
+              <p:sp>
+                <p:nvSpPr>
+                  <p:cNvPr id="49" name="타원 48">
+                    <a:extLst>
+                      <a:ext uri="{FF2B5EF4-FFF2-40B4-BE49-F238E27FC236}">
+                        <a16:creationId xmlns:a16="http://schemas.microsoft.com/office/drawing/2014/main" id="{5FEA3B16-108B-E3C7-135A-C233BF00E923}"/>
+                      </a:ext>
+                    </a:extLst>
+                  </p:cNvPr>
+                  <p:cNvSpPr/>
+                  <p:nvPr/>
+                </p:nvSpPr>
+                <p:spPr>
+                  <a:xfrm>
+                    <a:off x="1173094" y="4733299"/>
+                    <a:ext cx="45685" cy="45685"/>
+                  </a:xfrm>
+                  <a:prstGeom prst="ellipse">
+                    <a:avLst/>
+                  </a:prstGeom>
+                  <a:solidFill>
+                    <a:schemeClr val="bg1"/>
+                  </a:solidFill>
+                  <a:ln>
+                    <a:noFill/>
+                    <a:headEnd type="none" w="med" len="med"/>
+                    <a:tailEnd type="arrow" w="med" len="med"/>
+                  </a:ln>
+                  <a:effectLst>
+                    <a:glow rad="101600">
+                      <a:srgbClr val="FF0066">
+                        <a:alpha val="40000"/>
+                      </a:srgbClr>
+                    </a:glow>
+                  </a:effectLst>
+                </p:spPr>
+                <p:style>
+                  <a:lnRef idx="1">
+                    <a:schemeClr val="accent1"/>
+                  </a:lnRef>
+                  <a:fillRef idx="0">
+                    <a:schemeClr val="accent1"/>
+                  </a:fillRef>
+                  <a:effectRef idx="0">
+                    <a:schemeClr val="accent1"/>
+                  </a:effectRef>
+                  <a:fontRef idx="minor">
+                    <a:schemeClr val="tx1"/>
+                  </a:fontRef>
+                </p:style>
+                <p:txBody>
+                  <a:bodyPr rtlCol="0" anchor="ctr"/>
+                  <a:lstStyle/>
+                  <a:p>
+                    <a:pPr algn="ctr"/>
+                    <a:endParaRPr lang="ko-KR" altLang="en-US" dirty="0"/>
+                  </a:p>
+                </p:txBody>
+              </p:sp>
+              <p:sp>
+                <p:nvSpPr>
+                  <p:cNvPr id="50" name="타원 49">
+                    <a:extLst>
+                      <a:ext uri="{FF2B5EF4-FFF2-40B4-BE49-F238E27FC236}">
+                        <a16:creationId xmlns:a16="http://schemas.microsoft.com/office/drawing/2014/main" id="{F6F471D6-051F-75AE-C28D-089AE7FF8BA7}"/>
+                      </a:ext>
+                    </a:extLst>
+                  </p:cNvPr>
+                  <p:cNvSpPr/>
+                  <p:nvPr/>
+                </p:nvSpPr>
+                <p:spPr>
+                  <a:xfrm>
+                    <a:off x="1173094" y="4596865"/>
+                    <a:ext cx="45685" cy="45685"/>
+                  </a:xfrm>
+                  <a:prstGeom prst="ellipse">
+                    <a:avLst/>
+                  </a:prstGeom>
+                  <a:solidFill>
+                    <a:schemeClr val="bg1"/>
+                  </a:solidFill>
+                  <a:ln>
+                    <a:noFill/>
+                    <a:headEnd type="none" w="med" len="med"/>
+                    <a:tailEnd type="arrow" w="med" len="med"/>
+                  </a:ln>
+                  <a:effectLst>
+                    <a:glow rad="101600">
+                      <a:srgbClr val="FF0066">
+                        <a:alpha val="40000"/>
+                      </a:srgbClr>
+                    </a:glow>
+                  </a:effectLst>
+                </p:spPr>
+                <p:style>
+                  <a:lnRef idx="1">
+                    <a:schemeClr val="accent1"/>
+                  </a:lnRef>
+                  <a:fillRef idx="0">
+                    <a:schemeClr val="accent1"/>
+                  </a:fillRef>
+                  <a:effectRef idx="0">
+                    <a:schemeClr val="accent1"/>
+                  </a:effectRef>
+                  <a:fontRef idx="minor">
+                    <a:schemeClr val="tx1"/>
+                  </a:fontRef>
+                </p:style>
+                <p:txBody>
+                  <a:bodyPr rtlCol="0" anchor="ctr"/>
+                  <a:lstStyle/>
+                  <a:p>
+                    <a:pPr algn="ctr"/>
+                    <a:endParaRPr lang="ko-KR" altLang="en-US" dirty="0"/>
+                  </a:p>
+                </p:txBody>
+              </p:sp>
+              <p:sp>
+                <p:nvSpPr>
+                  <p:cNvPr id="51" name="타원 50">
+                    <a:extLst>
+                      <a:ext uri="{FF2B5EF4-FFF2-40B4-BE49-F238E27FC236}">
+                        <a16:creationId xmlns:a16="http://schemas.microsoft.com/office/drawing/2014/main" id="{229244A8-30C1-3BBC-7345-ACC801BB0087}"/>
+                      </a:ext>
+                    </a:extLst>
+                  </p:cNvPr>
+                  <p:cNvSpPr/>
+                  <p:nvPr/>
+                </p:nvSpPr>
+                <p:spPr>
+                  <a:xfrm>
+                    <a:off x="1173094" y="4471738"/>
+                    <a:ext cx="45685" cy="45685"/>
+                  </a:xfrm>
+                  <a:prstGeom prst="ellipse">
+                    <a:avLst/>
+                  </a:prstGeom>
+                  <a:solidFill>
+                    <a:schemeClr val="bg1"/>
+                  </a:solidFill>
+                  <a:ln>
+                    <a:noFill/>
+                    <a:headEnd type="none" w="med" len="med"/>
+                    <a:tailEnd type="arrow" w="med" len="med"/>
+                  </a:ln>
+                  <a:effectLst>
+                    <a:glow rad="101600">
+                      <a:srgbClr val="FF0066">
+                        <a:alpha val="40000"/>
+                      </a:srgbClr>
+                    </a:glow>
+                  </a:effectLst>
+                </p:spPr>
+                <p:style>
+                  <a:lnRef idx="1">
+                    <a:schemeClr val="accent1"/>
+                  </a:lnRef>
+                  <a:fillRef idx="0">
+                    <a:schemeClr val="accent1"/>
+                  </a:fillRef>
+                  <a:effectRef idx="0">
+                    <a:schemeClr val="accent1"/>
+                  </a:effectRef>
+                  <a:fontRef idx="minor">
+                    <a:schemeClr val="tx1"/>
+                  </a:fontRef>
+                </p:style>
+                <p:txBody>
+                  <a:bodyPr rtlCol="0" anchor="ctr"/>
+                  <a:lstStyle/>
+                  <a:p>
+                    <a:pPr algn="ctr"/>
+                    <a:endParaRPr lang="ko-KR" altLang="en-US" dirty="0"/>
+                  </a:p>
+                </p:txBody>
+              </p:sp>
+              <p:sp>
+                <p:nvSpPr>
+                  <p:cNvPr id="53" name="타원 52">
+                    <a:extLst>
+                      <a:ext uri="{FF2B5EF4-FFF2-40B4-BE49-F238E27FC236}">
+                        <a16:creationId xmlns:a16="http://schemas.microsoft.com/office/drawing/2014/main" id="{886DE2BE-44B3-3084-700A-C5C564456D86}"/>
+                      </a:ext>
+                    </a:extLst>
+                  </p:cNvPr>
+                  <p:cNvSpPr/>
+                  <p:nvPr/>
+                </p:nvSpPr>
+                <p:spPr>
+                  <a:xfrm>
+                    <a:off x="1173094" y="4335304"/>
+                    <a:ext cx="45685" cy="45685"/>
+                  </a:xfrm>
+                  <a:prstGeom prst="ellipse">
+                    <a:avLst/>
+                  </a:prstGeom>
+                  <a:solidFill>
+                    <a:schemeClr val="bg1"/>
+                  </a:solidFill>
+                  <a:ln>
+                    <a:noFill/>
+                    <a:headEnd type="none" w="med" len="med"/>
+                    <a:tailEnd type="arrow" w="med" len="med"/>
+                  </a:ln>
+                  <a:effectLst>
+                    <a:glow rad="101600">
+                      <a:srgbClr val="FF0066">
+                        <a:alpha val="40000"/>
+                      </a:srgbClr>
+                    </a:glow>
+                  </a:effectLst>
+                </p:spPr>
+                <p:style>
+                  <a:lnRef idx="1">
+                    <a:schemeClr val="accent1"/>
+                  </a:lnRef>
+                  <a:fillRef idx="0">
+                    <a:schemeClr val="accent1"/>
+                  </a:fillRef>
+                  <a:effectRef idx="0">
+                    <a:schemeClr val="accent1"/>
+                  </a:effectRef>
+                  <a:fontRef idx="minor">
+                    <a:schemeClr val="tx1"/>
+                  </a:fontRef>
+                </p:style>
+                <p:txBody>
+                  <a:bodyPr rtlCol="0" anchor="ctr"/>
+                  <a:lstStyle/>
+                  <a:p>
+                    <a:pPr algn="ctr"/>
+                    <a:endParaRPr lang="ko-KR" altLang="en-US" dirty="0"/>
+                  </a:p>
+                </p:txBody>
+              </p:sp>
+              <p:sp>
+                <p:nvSpPr>
+                  <p:cNvPr id="54" name="타원 53">
+                    <a:extLst>
+                      <a:ext uri="{FF2B5EF4-FFF2-40B4-BE49-F238E27FC236}">
+                        <a16:creationId xmlns:a16="http://schemas.microsoft.com/office/drawing/2014/main" id="{7AD2364B-507A-F421-6039-283C3D1D73B5}"/>
+                      </a:ext>
+                    </a:extLst>
+                  </p:cNvPr>
+                  <p:cNvSpPr/>
+                  <p:nvPr/>
+                </p:nvSpPr>
+                <p:spPr>
+                  <a:xfrm>
+                    <a:off x="1173094" y="4188534"/>
+                    <a:ext cx="45685" cy="45685"/>
+                  </a:xfrm>
+                  <a:prstGeom prst="ellipse">
+                    <a:avLst/>
+                  </a:prstGeom>
+                  <a:solidFill>
+                    <a:schemeClr val="bg1"/>
+                  </a:solidFill>
+                  <a:ln>
+                    <a:noFill/>
+                    <a:headEnd type="none" w="med" len="med"/>
+                    <a:tailEnd type="arrow" w="med" len="med"/>
+                  </a:ln>
+                  <a:effectLst>
+                    <a:glow rad="101600">
+                      <a:srgbClr val="FF0066">
+                        <a:alpha val="40000"/>
+                      </a:srgbClr>
+                    </a:glow>
+                  </a:effectLst>
+                </p:spPr>
+                <p:style>
+                  <a:lnRef idx="1">
+                    <a:schemeClr val="accent1"/>
+                  </a:lnRef>
+                  <a:fillRef idx="0">
+                    <a:schemeClr val="accent1"/>
+                  </a:fillRef>
+                  <a:effectRef idx="0">
+                    <a:schemeClr val="accent1"/>
+                  </a:effectRef>
+                  <a:fontRef idx="minor">
+                    <a:schemeClr val="tx1"/>
+                  </a:fontRef>
+                </p:style>
+                <p:txBody>
+                  <a:bodyPr rtlCol="0" anchor="ctr"/>
+                  <a:lstStyle/>
+                  <a:p>
+                    <a:pPr algn="ctr"/>
+                    <a:endParaRPr lang="ko-KR" altLang="en-US" dirty="0"/>
+                  </a:p>
+                </p:txBody>
+              </p:sp>
+              <p:sp>
+                <p:nvSpPr>
+                  <p:cNvPr id="55" name="타원 54">
+                    <a:extLst>
+                      <a:ext uri="{FF2B5EF4-FFF2-40B4-BE49-F238E27FC236}">
+                        <a16:creationId xmlns:a16="http://schemas.microsoft.com/office/drawing/2014/main" id="{0CF4E7AE-BF11-E2BF-697B-147500327C8E}"/>
+                      </a:ext>
+                    </a:extLst>
+                  </p:cNvPr>
+                  <p:cNvSpPr/>
+                  <p:nvPr/>
+                </p:nvSpPr>
+                <p:spPr>
+                  <a:xfrm>
+                    <a:off x="1173094" y="5005328"/>
+                    <a:ext cx="45685" cy="45685"/>
+                  </a:xfrm>
+                  <a:prstGeom prst="ellipse">
+                    <a:avLst/>
+                  </a:prstGeom>
+                  <a:solidFill>
+                    <a:schemeClr val="bg1"/>
+                  </a:solidFill>
+                  <a:ln>
+                    <a:noFill/>
+                    <a:headEnd type="none" w="med" len="med"/>
+                    <a:tailEnd type="arrow" w="med" len="med"/>
+                  </a:ln>
+                  <a:effectLst>
+                    <a:glow rad="101600">
+                      <a:srgbClr val="FF0066">
+                        <a:alpha val="40000"/>
+                      </a:srgbClr>
+                    </a:glow>
+                  </a:effectLst>
+                </p:spPr>
+                <p:style>
+                  <a:lnRef idx="1">
+                    <a:schemeClr val="accent1"/>
+                  </a:lnRef>
+                  <a:fillRef idx="0">
+                    <a:schemeClr val="accent1"/>
+                  </a:fillRef>
+                  <a:effectRef idx="0">
+                    <a:schemeClr val="accent1"/>
+                  </a:effectRef>
+                  <a:fontRef idx="minor">
+                    <a:schemeClr val="tx1"/>
+                  </a:fontRef>
+                </p:style>
+                <p:txBody>
+                  <a:bodyPr rtlCol="0" anchor="ctr"/>
+                  <a:lstStyle/>
+                  <a:p>
+                    <a:pPr algn="ctr"/>
+                    <a:endParaRPr lang="ko-KR" altLang="en-US" dirty="0"/>
+                  </a:p>
+                </p:txBody>
+              </p:sp>
+              <p:sp>
+                <p:nvSpPr>
+                  <p:cNvPr id="56" name="타원 55">
+                    <a:extLst>
+                      <a:ext uri="{FF2B5EF4-FFF2-40B4-BE49-F238E27FC236}">
+                        <a16:creationId xmlns:a16="http://schemas.microsoft.com/office/drawing/2014/main" id="{125F96C9-2484-68D4-3CB1-0AD226DA8E44}"/>
+                      </a:ext>
+                    </a:extLst>
+                  </p:cNvPr>
+                  <p:cNvSpPr/>
+                  <p:nvPr/>
+                </p:nvSpPr>
+                <p:spPr>
+                  <a:xfrm>
+                    <a:off x="1173094" y="4868894"/>
+                    <a:ext cx="45685" cy="45685"/>
+                  </a:xfrm>
+                  <a:prstGeom prst="ellipse">
+                    <a:avLst/>
+                  </a:prstGeom>
+                  <a:solidFill>
+                    <a:schemeClr val="bg1"/>
+                  </a:solidFill>
+                  <a:ln>
+                    <a:noFill/>
+                    <a:headEnd type="none" w="med" len="med"/>
+                    <a:tailEnd type="arrow" w="med" len="med"/>
+                  </a:ln>
+                  <a:effectLst>
+                    <a:glow rad="101600">
+                      <a:srgbClr val="FF0066">
+                        <a:alpha val="40000"/>
+                      </a:srgbClr>
+                    </a:glow>
+                  </a:effectLst>
+                </p:spPr>
+                <p:style>
+                  <a:lnRef idx="1">
+                    <a:schemeClr val="accent1"/>
+                  </a:lnRef>
+                  <a:fillRef idx="0">
+                    <a:schemeClr val="accent1"/>
+                  </a:fillRef>
+                  <a:effectRef idx="0">
+                    <a:schemeClr val="accent1"/>
+                  </a:effectRef>
+                  <a:fontRef idx="minor">
+                    <a:schemeClr val="tx1"/>
+                  </a:fontRef>
+                </p:style>
+                <p:txBody>
+                  <a:bodyPr rtlCol="0" anchor="ctr"/>
+                  <a:lstStyle/>
+                  <a:p>
+                    <a:pPr algn="ctr"/>
+                    <a:endParaRPr lang="ko-KR" altLang="en-US" dirty="0"/>
+                  </a:p>
+                </p:txBody>
+              </p:sp>
+              <p:sp>
+                <p:nvSpPr>
+                  <p:cNvPr id="57" name="타원 56">
+                    <a:extLst>
+                      <a:ext uri="{FF2B5EF4-FFF2-40B4-BE49-F238E27FC236}">
+                        <a16:creationId xmlns:a16="http://schemas.microsoft.com/office/drawing/2014/main" id="{361B3E47-E9CD-66F1-8255-1F311CD4F7CA}"/>
+                      </a:ext>
+                    </a:extLst>
+                  </p:cNvPr>
+                  <p:cNvSpPr/>
+                  <p:nvPr/>
+                </p:nvSpPr>
+                <p:spPr>
+                  <a:xfrm>
+                    <a:off x="1173094" y="5714167"/>
+                    <a:ext cx="45685" cy="45685"/>
+                  </a:xfrm>
+                  <a:prstGeom prst="ellipse">
+                    <a:avLst/>
+                  </a:prstGeom>
+                  <a:solidFill>
+                    <a:schemeClr val="bg1"/>
+                  </a:solidFill>
+                  <a:ln>
+                    <a:noFill/>
+                    <a:headEnd type="none" w="med" len="med"/>
+                    <a:tailEnd type="arrow" w="med" len="med"/>
+                  </a:ln>
+                  <a:effectLst>
+                    <a:glow rad="101600">
+                      <a:srgbClr val="FF0066">
+                        <a:alpha val="40000"/>
+                      </a:srgbClr>
+                    </a:glow>
+                  </a:effectLst>
+                </p:spPr>
+                <p:style>
+                  <a:lnRef idx="1">
+                    <a:schemeClr val="accent1"/>
+                  </a:lnRef>
+                  <a:fillRef idx="0">
+                    <a:schemeClr val="accent1"/>
+                  </a:fillRef>
+                  <a:effectRef idx="0">
+                    <a:schemeClr val="accent1"/>
+                  </a:effectRef>
+                  <a:fontRef idx="minor">
+                    <a:schemeClr val="tx1"/>
+                  </a:fontRef>
+                </p:style>
+                <p:txBody>
+                  <a:bodyPr rtlCol="0" anchor="ctr"/>
+                  <a:lstStyle/>
+                  <a:p>
+                    <a:pPr algn="ctr"/>
+                    <a:endParaRPr lang="ko-KR" altLang="en-US" dirty="0"/>
+                  </a:p>
+                </p:txBody>
+              </p:sp>
+              <p:sp>
+                <p:nvSpPr>
+                  <p:cNvPr id="58" name="타원 57">
+                    <a:extLst>
+                      <a:ext uri="{FF2B5EF4-FFF2-40B4-BE49-F238E27FC236}">
+                        <a16:creationId xmlns:a16="http://schemas.microsoft.com/office/drawing/2014/main" id="{316AAA2A-678D-6438-F3F2-280B630488E9}"/>
+                      </a:ext>
+                    </a:extLst>
+                  </p:cNvPr>
+                  <p:cNvSpPr/>
+                  <p:nvPr/>
+                </p:nvSpPr>
+                <p:spPr>
+                  <a:xfrm>
+                    <a:off x="1173094" y="5577733"/>
+                    <a:ext cx="45685" cy="45685"/>
+                  </a:xfrm>
+                  <a:prstGeom prst="ellipse">
+                    <a:avLst/>
+                  </a:prstGeom>
+                  <a:solidFill>
+                    <a:schemeClr val="bg1"/>
+                  </a:solidFill>
+                  <a:ln>
+                    <a:noFill/>
+                    <a:headEnd type="none" w="med" len="med"/>
+                    <a:tailEnd type="arrow" w="med" len="med"/>
+                  </a:ln>
+                  <a:effectLst>
+                    <a:glow rad="101600">
+                      <a:srgbClr val="FF0066">
+                        <a:alpha val="40000"/>
+                      </a:srgbClr>
+                    </a:glow>
+                  </a:effectLst>
+                </p:spPr>
+                <p:style>
+                  <a:lnRef idx="1">
+                    <a:schemeClr val="accent1"/>
+                  </a:lnRef>
+                  <a:fillRef idx="0">
+                    <a:schemeClr val="accent1"/>
+                  </a:fillRef>
+                  <a:effectRef idx="0">
+                    <a:schemeClr val="accent1"/>
+                  </a:effectRef>
+                  <a:fontRef idx="minor">
+                    <a:schemeClr val="tx1"/>
+                  </a:fontRef>
+                </p:style>
+                <p:txBody>
+                  <a:bodyPr rtlCol="0" anchor="ctr"/>
+                  <a:lstStyle/>
+                  <a:p>
+                    <a:pPr algn="ctr"/>
+                    <a:endParaRPr lang="ko-KR" altLang="en-US" dirty="0"/>
+                  </a:p>
+                </p:txBody>
+              </p:sp>
+              <p:sp>
+                <p:nvSpPr>
+                  <p:cNvPr id="59" name="타원 58">
+                    <a:extLst>
+                      <a:ext uri="{FF2B5EF4-FFF2-40B4-BE49-F238E27FC236}">
+                        <a16:creationId xmlns:a16="http://schemas.microsoft.com/office/drawing/2014/main" id="{AC584AC2-808B-F595-8EC7-A7D90F8E0121}"/>
+                      </a:ext>
+                    </a:extLst>
+                  </p:cNvPr>
+                  <p:cNvSpPr/>
+                  <p:nvPr/>
+                </p:nvSpPr>
+                <p:spPr>
+                  <a:xfrm>
+                    <a:off x="1173094" y="5452606"/>
+                    <a:ext cx="45685" cy="45685"/>
+                  </a:xfrm>
+                  <a:prstGeom prst="ellipse">
+                    <a:avLst/>
+                  </a:prstGeom>
+                  <a:solidFill>
+                    <a:schemeClr val="bg1"/>
+                  </a:solidFill>
+                  <a:ln>
+                    <a:noFill/>
+                    <a:headEnd type="none" w="med" len="med"/>
+                    <a:tailEnd type="arrow" w="med" len="med"/>
+                  </a:ln>
+                  <a:effectLst>
+                    <a:glow rad="101600">
+                      <a:srgbClr val="FF0066">
+                        <a:alpha val="40000"/>
+                      </a:srgbClr>
+                    </a:glow>
+                  </a:effectLst>
+                </p:spPr>
+                <p:style>
+                  <a:lnRef idx="1">
+                    <a:schemeClr val="accent1"/>
+                  </a:lnRef>
+                  <a:fillRef idx="0">
+                    <a:schemeClr val="accent1"/>
+                  </a:fillRef>
+                  <a:effectRef idx="0">
+                    <a:schemeClr val="accent1"/>
+                  </a:effectRef>
+                  <a:fontRef idx="minor">
+                    <a:schemeClr val="tx1"/>
+                  </a:fontRef>
+                </p:style>
+                <p:txBody>
+                  <a:bodyPr rtlCol="0" anchor="ctr"/>
+                  <a:lstStyle/>
+                  <a:p>
+                    <a:pPr algn="ctr"/>
+                    <a:endParaRPr lang="ko-KR" altLang="en-US" dirty="0"/>
+                  </a:p>
+                </p:txBody>
+              </p:sp>
+              <p:sp>
+                <p:nvSpPr>
+                  <p:cNvPr id="60" name="타원 59">
+                    <a:extLst>
+                      <a:ext uri="{FF2B5EF4-FFF2-40B4-BE49-F238E27FC236}">
+                        <a16:creationId xmlns:a16="http://schemas.microsoft.com/office/drawing/2014/main" id="{B3570820-8B3A-70E8-0AAA-6A88034F36A4}"/>
+                      </a:ext>
+                    </a:extLst>
+                  </p:cNvPr>
+                  <p:cNvSpPr/>
+                  <p:nvPr/>
+                </p:nvSpPr>
+                <p:spPr>
+                  <a:xfrm>
+                    <a:off x="1173094" y="5316172"/>
+                    <a:ext cx="45685" cy="45685"/>
+                  </a:xfrm>
+                  <a:prstGeom prst="ellipse">
+                    <a:avLst/>
+                  </a:prstGeom>
+                  <a:solidFill>
+                    <a:schemeClr val="bg1"/>
+                  </a:solidFill>
+                  <a:ln>
+                    <a:noFill/>
+                    <a:headEnd type="none" w="med" len="med"/>
+                    <a:tailEnd type="arrow" w="med" len="med"/>
+                  </a:ln>
+                  <a:effectLst>
+                    <a:glow rad="101600">
+                      <a:srgbClr val="FF0066">
+                        <a:alpha val="40000"/>
+                      </a:srgbClr>
+                    </a:glow>
+                  </a:effectLst>
+                </p:spPr>
+                <p:style>
+                  <a:lnRef idx="1">
+                    <a:schemeClr val="accent1"/>
+                  </a:lnRef>
+                  <a:fillRef idx="0">
+                    <a:schemeClr val="accent1"/>
+                  </a:fillRef>
+                  <a:effectRef idx="0">
+                    <a:schemeClr val="accent1"/>
+                  </a:effectRef>
+                  <a:fontRef idx="minor">
+                    <a:schemeClr val="tx1"/>
+                  </a:fontRef>
+                </p:style>
+                <p:txBody>
+                  <a:bodyPr rtlCol="0" anchor="ctr"/>
+                  <a:lstStyle/>
+                  <a:p>
+                    <a:pPr algn="ctr"/>
+                    <a:endParaRPr lang="ko-KR" altLang="en-US" dirty="0"/>
+                  </a:p>
+                </p:txBody>
+              </p:sp>
+              <p:sp>
+                <p:nvSpPr>
+                  <p:cNvPr id="63" name="타원 62">
+                    <a:extLst>
+                      <a:ext uri="{FF2B5EF4-FFF2-40B4-BE49-F238E27FC236}">
+                        <a16:creationId xmlns:a16="http://schemas.microsoft.com/office/drawing/2014/main" id="{9C669C0B-329B-4494-213D-AEF3A55ACF63}"/>
+                      </a:ext>
+                    </a:extLst>
+                  </p:cNvPr>
+                  <p:cNvSpPr/>
+                  <p:nvPr/>
+                </p:nvSpPr>
+                <p:spPr>
+                  <a:xfrm>
+                    <a:off x="1173094" y="5169402"/>
+                    <a:ext cx="45685" cy="45685"/>
+                  </a:xfrm>
+                  <a:prstGeom prst="ellipse">
+                    <a:avLst/>
+                  </a:prstGeom>
+                  <a:solidFill>
+                    <a:schemeClr val="bg1"/>
+                  </a:solidFill>
+                  <a:ln>
+                    <a:noFill/>
+                    <a:headEnd type="none" w="med" len="med"/>
+                    <a:tailEnd type="arrow" w="med" len="med"/>
+                  </a:ln>
+                  <a:effectLst>
+                    <a:glow rad="101600">
+                      <a:srgbClr val="FF0066">
+                        <a:alpha val="40000"/>
+                      </a:srgbClr>
+                    </a:glow>
+                  </a:effectLst>
+                </p:spPr>
+                <p:style>
+                  <a:lnRef idx="1">
+                    <a:schemeClr val="accent1"/>
+                  </a:lnRef>
+                  <a:fillRef idx="0">
+                    <a:schemeClr val="accent1"/>
+                  </a:fillRef>
+                  <a:effectRef idx="0">
+                    <a:schemeClr val="accent1"/>
+                  </a:effectRef>
+                  <a:fontRef idx="minor">
+                    <a:schemeClr val="tx1"/>
+                  </a:fontRef>
+                </p:style>
+                <p:txBody>
+                  <a:bodyPr rtlCol="0" anchor="ctr"/>
+                  <a:lstStyle/>
+                  <a:p>
+                    <a:pPr algn="ctr"/>
+                    <a:endParaRPr lang="ko-KR" altLang="en-US" dirty="0"/>
+                  </a:p>
+                </p:txBody>
+              </p:sp>
+              <p:sp>
+                <p:nvSpPr>
+                  <p:cNvPr id="64" name="타원 63">
+                    <a:extLst>
+                      <a:ext uri="{FF2B5EF4-FFF2-40B4-BE49-F238E27FC236}">
+                        <a16:creationId xmlns:a16="http://schemas.microsoft.com/office/drawing/2014/main" id="{1422EBE1-3519-3B8D-77DA-8D0AF14C9C10}"/>
+                      </a:ext>
+                    </a:extLst>
+                  </p:cNvPr>
+                  <p:cNvSpPr/>
+                  <p:nvPr/>
+                </p:nvSpPr>
+                <p:spPr>
+                  <a:xfrm>
+                    <a:off x="1173094" y="5986196"/>
+                    <a:ext cx="45685" cy="45685"/>
+                  </a:xfrm>
+                  <a:prstGeom prst="ellipse">
+                    <a:avLst/>
+                  </a:prstGeom>
+                  <a:solidFill>
+                    <a:schemeClr val="bg1"/>
+                  </a:solidFill>
+                  <a:ln>
+                    <a:noFill/>
+                    <a:headEnd type="none" w="med" len="med"/>
+                    <a:tailEnd type="arrow" w="med" len="med"/>
+                  </a:ln>
+                  <a:effectLst>
+                    <a:glow rad="101600">
+                      <a:srgbClr val="FF0066">
+                        <a:alpha val="40000"/>
+                      </a:srgbClr>
+                    </a:glow>
+                  </a:effectLst>
+                </p:spPr>
+                <p:style>
+                  <a:lnRef idx="1">
+                    <a:schemeClr val="accent1"/>
+                  </a:lnRef>
+                  <a:fillRef idx="0">
+                    <a:schemeClr val="accent1"/>
+                  </a:fillRef>
+                  <a:effectRef idx="0">
+                    <a:schemeClr val="accent1"/>
+                  </a:effectRef>
+                  <a:fontRef idx="minor">
+                    <a:schemeClr val="tx1"/>
+                  </a:fontRef>
+                </p:style>
+                <p:txBody>
+                  <a:bodyPr rtlCol="0" anchor="ctr"/>
+                  <a:lstStyle/>
+                  <a:p>
+                    <a:pPr algn="ctr"/>
+                    <a:endParaRPr lang="ko-KR" altLang="en-US" dirty="0"/>
+                  </a:p>
+                </p:txBody>
+              </p:sp>
+              <p:sp>
+                <p:nvSpPr>
+                  <p:cNvPr id="65" name="타원 64">
+                    <a:extLst>
+                      <a:ext uri="{FF2B5EF4-FFF2-40B4-BE49-F238E27FC236}">
+                        <a16:creationId xmlns:a16="http://schemas.microsoft.com/office/drawing/2014/main" id="{D5BB3F0B-D452-0D0C-067E-5BE151A6943F}"/>
+                      </a:ext>
+                    </a:extLst>
+                  </p:cNvPr>
+                  <p:cNvSpPr/>
+                  <p:nvPr/>
+                </p:nvSpPr>
+                <p:spPr>
+                  <a:xfrm>
+                    <a:off x="1173094" y="5849762"/>
+                    <a:ext cx="45685" cy="45685"/>
+                  </a:xfrm>
+                  <a:prstGeom prst="ellipse">
+                    <a:avLst/>
+                  </a:prstGeom>
+                  <a:solidFill>
+                    <a:schemeClr val="bg1"/>
+                  </a:solidFill>
+                  <a:ln>
+                    <a:noFill/>
+                    <a:headEnd type="none" w="med" len="med"/>
+                    <a:tailEnd type="arrow" w="med" len="med"/>
+                  </a:ln>
+                  <a:effectLst>
+                    <a:glow rad="101600">
+                      <a:srgbClr val="FF0066">
+                        <a:alpha val="40000"/>
+                      </a:srgbClr>
+                    </a:glow>
+                  </a:effectLst>
+                </p:spPr>
+                <p:style>
+                  <a:lnRef idx="1">
+                    <a:schemeClr val="accent1"/>
+                  </a:lnRef>
+                  <a:fillRef idx="0">
+                    <a:schemeClr val="accent1"/>
+                  </a:fillRef>
+                  <a:effectRef idx="0">
+                    <a:schemeClr val="accent1"/>
+                  </a:effectRef>
+                  <a:fontRef idx="minor">
+                    <a:schemeClr val="tx1"/>
+                  </a:fontRef>
+                </p:style>
+                <p:txBody>
+                  <a:bodyPr rtlCol="0" anchor="ctr"/>
+                  <a:lstStyle/>
+                  <a:p>
+                    <a:pPr algn="ctr"/>
+                    <a:endParaRPr lang="ko-KR" altLang="en-US" dirty="0"/>
+                  </a:p>
+                </p:txBody>
+              </p:sp>
+              <p:sp>
+                <p:nvSpPr>
+                  <p:cNvPr id="66" name="타원 65">
+                    <a:extLst>
+                      <a:ext uri="{FF2B5EF4-FFF2-40B4-BE49-F238E27FC236}">
+                        <a16:creationId xmlns:a16="http://schemas.microsoft.com/office/drawing/2014/main" id="{BF4F83A0-6457-5891-EA11-646C6456AE7D}"/>
+                      </a:ext>
+                    </a:extLst>
+                  </p:cNvPr>
+                  <p:cNvSpPr/>
+                  <p:nvPr/>
+                </p:nvSpPr>
+                <p:spPr>
+                  <a:xfrm>
+                    <a:off x="1173094" y="3742164"/>
+                    <a:ext cx="45685" cy="45685"/>
+                  </a:xfrm>
+                  <a:prstGeom prst="ellipse">
+                    <a:avLst/>
+                  </a:prstGeom>
+                  <a:solidFill>
+                    <a:schemeClr val="bg1"/>
+                  </a:solidFill>
+                  <a:ln>
+                    <a:noFill/>
+                    <a:headEnd type="none" w="med" len="med"/>
+                    <a:tailEnd type="arrow" w="med" len="med"/>
+                  </a:ln>
+                  <a:effectLst>
+                    <a:glow rad="101600">
+                      <a:srgbClr val="FF0066">
+                        <a:alpha val="40000"/>
+                      </a:srgbClr>
+                    </a:glow>
+                  </a:effectLst>
+                </p:spPr>
+                <p:style>
+                  <a:lnRef idx="1">
+                    <a:schemeClr val="accent1"/>
+                  </a:lnRef>
+                  <a:fillRef idx="0">
+                    <a:schemeClr val="accent1"/>
+                  </a:fillRef>
+                  <a:effectRef idx="0">
+                    <a:schemeClr val="accent1"/>
+                  </a:effectRef>
+                  <a:fontRef idx="minor">
+                    <a:schemeClr val="tx1"/>
+                  </a:fontRef>
+                </p:style>
+                <p:txBody>
+                  <a:bodyPr rtlCol="0" anchor="ctr"/>
+                  <a:lstStyle/>
+                  <a:p>
+                    <a:pPr algn="ctr"/>
+                    <a:endParaRPr lang="ko-KR" altLang="en-US" dirty="0"/>
+                  </a:p>
+                </p:txBody>
+              </p:sp>
+              <p:sp>
+                <p:nvSpPr>
+                  <p:cNvPr id="67" name="타원 66">
+                    <a:extLst>
+                      <a:ext uri="{FF2B5EF4-FFF2-40B4-BE49-F238E27FC236}">
+                        <a16:creationId xmlns:a16="http://schemas.microsoft.com/office/drawing/2014/main" id="{0E53B58E-317A-134D-CB1B-261C7FEA427D}"/>
+                      </a:ext>
+                    </a:extLst>
+                  </p:cNvPr>
+                  <p:cNvSpPr/>
+                  <p:nvPr/>
+                </p:nvSpPr>
+                <p:spPr>
+                  <a:xfrm>
+                    <a:off x="1173094" y="3605730"/>
+                    <a:ext cx="45685" cy="45685"/>
+                  </a:xfrm>
+                  <a:prstGeom prst="ellipse">
+                    <a:avLst/>
+                  </a:prstGeom>
+                  <a:solidFill>
+                    <a:schemeClr val="bg1"/>
+                  </a:solidFill>
+                  <a:ln>
+                    <a:noFill/>
+                    <a:headEnd type="none" w="med" len="med"/>
+                    <a:tailEnd type="arrow" w="med" len="med"/>
+                  </a:ln>
+                  <a:effectLst>
+                    <a:glow rad="101600">
+                      <a:srgbClr val="FF0066">
+                        <a:alpha val="40000"/>
+                      </a:srgbClr>
+                    </a:glow>
+                  </a:effectLst>
+                </p:spPr>
+                <p:style>
+                  <a:lnRef idx="1">
+                    <a:schemeClr val="accent1"/>
+                  </a:lnRef>
+                  <a:fillRef idx="0">
+                    <a:schemeClr val="accent1"/>
+                  </a:fillRef>
+                  <a:effectRef idx="0">
+                    <a:schemeClr val="accent1"/>
+                  </a:effectRef>
+                  <a:fontRef idx="minor">
+                    <a:schemeClr val="tx1"/>
+                  </a:fontRef>
+                </p:style>
+                <p:txBody>
+                  <a:bodyPr rtlCol="0" anchor="ctr"/>
+                  <a:lstStyle/>
+                  <a:p>
+                    <a:pPr algn="ctr"/>
+                    <a:endParaRPr lang="ko-KR" altLang="en-US" dirty="0"/>
+                  </a:p>
+                </p:txBody>
+              </p:sp>
+              <p:sp>
+                <p:nvSpPr>
+                  <p:cNvPr id="68" name="타원 67">
+                    <a:extLst>
+                      <a:ext uri="{FF2B5EF4-FFF2-40B4-BE49-F238E27FC236}">
+                        <a16:creationId xmlns:a16="http://schemas.microsoft.com/office/drawing/2014/main" id="{8C926A05-A319-72F4-9631-9F23610E1D9B}"/>
+                      </a:ext>
+                    </a:extLst>
+                  </p:cNvPr>
+                  <p:cNvSpPr/>
+                  <p:nvPr/>
+                </p:nvSpPr>
+                <p:spPr>
+                  <a:xfrm>
+                    <a:off x="1173094" y="3480603"/>
+                    <a:ext cx="45685" cy="45685"/>
+                  </a:xfrm>
+                  <a:prstGeom prst="ellipse">
+                    <a:avLst/>
+                  </a:prstGeom>
+                  <a:solidFill>
+                    <a:schemeClr val="bg1"/>
+                  </a:solidFill>
+                  <a:ln>
+                    <a:noFill/>
+                    <a:headEnd type="none" w="med" len="med"/>
+                    <a:tailEnd type="arrow" w="med" len="med"/>
+                  </a:ln>
+                  <a:effectLst>
+                    <a:glow rad="101600">
+                      <a:srgbClr val="FF0066">
+                        <a:alpha val="40000"/>
+                      </a:srgbClr>
+                    </a:glow>
+                  </a:effectLst>
+                </p:spPr>
+                <p:style>
+                  <a:lnRef idx="1">
+                    <a:schemeClr val="accent1"/>
+                  </a:lnRef>
+                  <a:fillRef idx="0">
+                    <a:schemeClr val="accent1"/>
+                  </a:fillRef>
+                  <a:effectRef idx="0">
+                    <a:schemeClr val="accent1"/>
+                  </a:effectRef>
+                  <a:fontRef idx="minor">
+                    <a:schemeClr val="tx1"/>
+                  </a:fontRef>
+                </p:style>
+                <p:txBody>
+                  <a:bodyPr rtlCol="0" anchor="ctr"/>
+                  <a:lstStyle/>
+                  <a:p>
+                    <a:pPr algn="ctr"/>
+                    <a:endParaRPr lang="ko-KR" altLang="en-US" dirty="0"/>
+                  </a:p>
+                </p:txBody>
+              </p:sp>
+              <p:sp>
+                <p:nvSpPr>
+                  <p:cNvPr id="69" name="타원 68">
+                    <a:extLst>
+                      <a:ext uri="{FF2B5EF4-FFF2-40B4-BE49-F238E27FC236}">
+                        <a16:creationId xmlns:a16="http://schemas.microsoft.com/office/drawing/2014/main" id="{69AF8C53-D6CC-F2AB-9AF2-0E30EC47138D}"/>
+                      </a:ext>
+                    </a:extLst>
+                  </p:cNvPr>
+                  <p:cNvSpPr/>
+                  <p:nvPr/>
+                </p:nvSpPr>
+                <p:spPr>
+                  <a:xfrm>
+                    <a:off x="1173094" y="3344169"/>
+                    <a:ext cx="45685" cy="45685"/>
+                  </a:xfrm>
+                  <a:prstGeom prst="ellipse">
+                    <a:avLst/>
+                  </a:prstGeom>
+                  <a:solidFill>
+                    <a:schemeClr val="bg1"/>
+                  </a:solidFill>
+                  <a:ln>
+                    <a:noFill/>
+                    <a:headEnd type="none" w="med" len="med"/>
+                    <a:tailEnd type="arrow" w="med" len="med"/>
+                  </a:ln>
+                  <a:effectLst>
+                    <a:glow rad="101600">
+                      <a:srgbClr val="FF0066">
+                        <a:alpha val="40000"/>
+                      </a:srgbClr>
+                    </a:glow>
+                  </a:effectLst>
+                </p:spPr>
+                <p:style>
+                  <a:lnRef idx="1">
+                    <a:schemeClr val="accent1"/>
+                  </a:lnRef>
+                  <a:fillRef idx="0">
+                    <a:schemeClr val="accent1"/>
+                  </a:fillRef>
+                  <a:effectRef idx="0">
+                    <a:schemeClr val="accent1"/>
+                  </a:effectRef>
+                  <a:fontRef idx="minor">
+                    <a:schemeClr val="tx1"/>
+                  </a:fontRef>
+                </p:style>
+                <p:txBody>
+                  <a:bodyPr rtlCol="0" anchor="ctr"/>
+                  <a:lstStyle/>
+                  <a:p>
+                    <a:pPr algn="ctr"/>
+                    <a:endParaRPr lang="ko-KR" altLang="en-US" dirty="0"/>
+                  </a:p>
+                </p:txBody>
+              </p:sp>
+              <p:sp>
+                <p:nvSpPr>
+                  <p:cNvPr id="70" name="타원 69">
+                    <a:extLst>
+                      <a:ext uri="{FF2B5EF4-FFF2-40B4-BE49-F238E27FC236}">
+                        <a16:creationId xmlns:a16="http://schemas.microsoft.com/office/drawing/2014/main" id="{4A23D244-6523-AAFB-E114-34479E0D542A}"/>
+                      </a:ext>
+                    </a:extLst>
+                  </p:cNvPr>
+                  <p:cNvSpPr/>
+                  <p:nvPr/>
+                </p:nvSpPr>
+                <p:spPr>
+                  <a:xfrm>
+                    <a:off x="1173094" y="3197399"/>
+                    <a:ext cx="45685" cy="45685"/>
+                  </a:xfrm>
+                  <a:prstGeom prst="ellipse">
+                    <a:avLst/>
+                  </a:prstGeom>
+                  <a:solidFill>
+                    <a:schemeClr val="bg1"/>
+                  </a:solidFill>
+                  <a:ln>
+                    <a:noFill/>
+                    <a:headEnd type="none" w="med" len="med"/>
+                    <a:tailEnd type="arrow" w="med" len="med"/>
+                  </a:ln>
+                  <a:effectLst>
+                    <a:glow rad="101600">
+                      <a:srgbClr val="FF0066">
+                        <a:alpha val="40000"/>
+                      </a:srgbClr>
+                    </a:glow>
+                  </a:effectLst>
+                </p:spPr>
+                <p:style>
+                  <a:lnRef idx="1">
+                    <a:schemeClr val="accent1"/>
+                  </a:lnRef>
+                  <a:fillRef idx="0">
+                    <a:schemeClr val="accent1"/>
+                  </a:fillRef>
+                  <a:effectRef idx="0">
+                    <a:schemeClr val="accent1"/>
+                  </a:effectRef>
+                  <a:fontRef idx="minor">
+                    <a:schemeClr val="tx1"/>
+                  </a:fontRef>
+                </p:style>
+                <p:txBody>
+                  <a:bodyPr rtlCol="0" anchor="ctr"/>
+                  <a:lstStyle/>
+                  <a:p>
+                    <a:pPr algn="ctr"/>
+                    <a:endParaRPr lang="ko-KR" altLang="en-US" dirty="0"/>
+                  </a:p>
+                </p:txBody>
+              </p:sp>
+              <p:sp>
+                <p:nvSpPr>
+                  <p:cNvPr id="71" name="타원 70">
+                    <a:extLst>
+                      <a:ext uri="{FF2B5EF4-FFF2-40B4-BE49-F238E27FC236}">
+                        <a16:creationId xmlns:a16="http://schemas.microsoft.com/office/drawing/2014/main" id="{B76CC923-8A7E-8C2A-A267-8CDE540AE879}"/>
+                      </a:ext>
+                    </a:extLst>
+                  </p:cNvPr>
+                  <p:cNvSpPr/>
+                  <p:nvPr/>
+                </p:nvSpPr>
+                <p:spPr>
+                  <a:xfrm>
+                    <a:off x="1173094" y="4014193"/>
+                    <a:ext cx="45685" cy="45685"/>
+                  </a:xfrm>
+                  <a:prstGeom prst="ellipse">
+                    <a:avLst/>
+                  </a:prstGeom>
+                  <a:solidFill>
+                    <a:schemeClr val="bg1"/>
+                  </a:solidFill>
+                  <a:ln>
+                    <a:noFill/>
+                    <a:headEnd type="none" w="med" len="med"/>
+                    <a:tailEnd type="arrow" w="med" len="med"/>
+                  </a:ln>
+                  <a:effectLst>
+                    <a:glow rad="101600">
+                      <a:srgbClr val="FF0066">
+                        <a:alpha val="40000"/>
+                      </a:srgbClr>
+                    </a:glow>
+                  </a:effectLst>
+                </p:spPr>
+                <p:style>
+                  <a:lnRef idx="1">
+                    <a:schemeClr val="accent1"/>
+                  </a:lnRef>
+                  <a:fillRef idx="0">
+                    <a:schemeClr val="accent1"/>
+                  </a:fillRef>
+                  <a:effectRef idx="0">
+                    <a:schemeClr val="accent1"/>
+                  </a:effectRef>
+                  <a:fontRef idx="minor">
+                    <a:schemeClr val="tx1"/>
+                  </a:fontRef>
+                </p:style>
+                <p:txBody>
+                  <a:bodyPr rtlCol="0" anchor="ctr"/>
+                  <a:lstStyle/>
+                  <a:p>
+                    <a:pPr algn="ctr"/>
+                    <a:endParaRPr lang="ko-KR" altLang="en-US" dirty="0"/>
+                  </a:p>
+                </p:txBody>
+              </p:sp>
+              <p:sp>
+                <p:nvSpPr>
+                  <p:cNvPr id="72" name="타원 71">
+                    <a:extLst>
+                      <a:ext uri="{FF2B5EF4-FFF2-40B4-BE49-F238E27FC236}">
+                        <a16:creationId xmlns:a16="http://schemas.microsoft.com/office/drawing/2014/main" id="{15B57F71-BAF4-E4FD-A443-AA1A6846B07C}"/>
+                      </a:ext>
+                    </a:extLst>
+                  </p:cNvPr>
+                  <p:cNvSpPr/>
+                  <p:nvPr/>
+                </p:nvSpPr>
+                <p:spPr>
+                  <a:xfrm>
+                    <a:off x="1173094" y="3877759"/>
+                    <a:ext cx="45685" cy="45685"/>
+                  </a:xfrm>
+                  <a:prstGeom prst="ellipse">
+                    <a:avLst/>
+                  </a:prstGeom>
+                  <a:solidFill>
+                    <a:schemeClr val="bg1"/>
+                  </a:solidFill>
+                  <a:ln>
+                    <a:noFill/>
+                    <a:headEnd type="none" w="med" len="med"/>
+                    <a:tailEnd type="arrow" w="med" len="med"/>
+                  </a:ln>
+                  <a:effectLst>
+                    <a:glow rad="101600">
+                      <a:srgbClr val="FF0066">
+                        <a:alpha val="40000"/>
+                      </a:srgbClr>
+                    </a:glow>
+                  </a:effectLst>
+                </p:spPr>
+                <p:style>
+                  <a:lnRef idx="1">
+                    <a:schemeClr val="accent1"/>
+                  </a:lnRef>
+                  <a:fillRef idx="0">
+                    <a:schemeClr val="accent1"/>
+                  </a:fillRef>
+                  <a:effectRef idx="0">
+                    <a:schemeClr val="accent1"/>
+                  </a:effectRef>
+                  <a:fontRef idx="minor">
+                    <a:schemeClr val="tx1"/>
+                  </a:fontRef>
+                </p:style>
+                <p:txBody>
+                  <a:bodyPr rtlCol="0" anchor="ctr"/>
+                  <a:lstStyle/>
+                  <a:p>
+                    <a:pPr algn="ctr"/>
+                    <a:endParaRPr lang="ko-KR" altLang="en-US" dirty="0"/>
+                  </a:p>
+                </p:txBody>
+              </p:sp>
+            </p:grpSp>
+            <p:sp>
+              <p:nvSpPr>
+                <p:cNvPr id="99" name="타원 98">
+                  <a:extLst>
+                    <a:ext uri="{FF2B5EF4-FFF2-40B4-BE49-F238E27FC236}">
+                      <a16:creationId xmlns:a16="http://schemas.microsoft.com/office/drawing/2014/main" id="{7D9FD775-FF10-7F62-63C5-32F30DAE5048}"/>
+                    </a:ext>
+                  </a:extLst>
+                </p:cNvPr>
+                <p:cNvSpPr/>
+                <p:nvPr/>
+              </p:nvSpPr>
+              <p:spPr>
+                <a:xfrm>
+                  <a:off x="800199" y="5633127"/>
+                  <a:ext cx="29629" cy="29629"/>
+                </a:xfrm>
+                <a:prstGeom prst="ellipse">
+                  <a:avLst/>
+                </a:prstGeom>
+                <a:solidFill>
+                  <a:schemeClr val="bg1"/>
+                </a:solidFill>
+                <a:ln>
+                  <a:noFill/>
+                  <a:headEnd type="none" w="med" len="med"/>
+                  <a:tailEnd type="arrow" w="med" len="med"/>
+                </a:ln>
+                <a:effectLst>
+                  <a:glow rad="101600">
+                    <a:srgbClr val="FF0066">
+                      <a:alpha val="40000"/>
+                    </a:srgbClr>
+                  </a:glow>
+                </a:effectLst>
+              </p:spPr>
+              <p:style>
+                <a:lnRef idx="1">
+                  <a:schemeClr val="accent1"/>
+                </a:lnRef>
+                <a:fillRef idx="0">
+                  <a:schemeClr val="accent1"/>
+                </a:fillRef>
+                <a:effectRef idx="0">
+                  <a:schemeClr val="accent1"/>
+                </a:effectRef>
+                <a:fontRef idx="minor">
+                  <a:schemeClr val="tx1"/>
+                </a:fontRef>
+              </p:style>
+              <p:txBody>
+                <a:bodyPr rtlCol="0" anchor="ctr"/>
+                <a:lstStyle/>
+                <a:p>
+                  <a:pPr algn="ctr"/>
+                  <a:endParaRPr lang="ko-KR" altLang="en-US" dirty="0"/>
+                </a:p>
+              </p:txBody>
+            </p:sp>
+            <p:sp>
+              <p:nvSpPr>
+                <p:cNvPr id="104" name="타원 103">
+                  <a:extLst>
+                    <a:ext uri="{FF2B5EF4-FFF2-40B4-BE49-F238E27FC236}">
+                      <a16:creationId xmlns:a16="http://schemas.microsoft.com/office/drawing/2014/main" id="{C4AF234E-8B92-B182-A054-75C7E0E2F98A}"/>
+                    </a:ext>
+                  </a:extLst>
+                </p:cNvPr>
+                <p:cNvSpPr/>
+                <p:nvPr/>
+              </p:nvSpPr>
+              <p:spPr>
+                <a:xfrm>
+                  <a:off x="800199" y="5544641"/>
+                  <a:ext cx="29629" cy="29629"/>
+                </a:xfrm>
+                <a:prstGeom prst="ellipse">
+                  <a:avLst/>
+                </a:prstGeom>
+                <a:solidFill>
+                  <a:schemeClr val="bg1"/>
+                </a:solidFill>
+                <a:ln>
+                  <a:noFill/>
+                  <a:headEnd type="none" w="med" len="med"/>
+                  <a:tailEnd type="arrow" w="med" len="med"/>
+                </a:ln>
+                <a:effectLst>
+                  <a:glow rad="101600">
+                    <a:srgbClr val="FF0066">
+                      <a:alpha val="40000"/>
+                    </a:srgbClr>
+                  </a:glow>
+                </a:effectLst>
+              </p:spPr>
+              <p:style>
+                <a:lnRef idx="1">
+                  <a:schemeClr val="accent1"/>
+                </a:lnRef>
+                <a:fillRef idx="0">
+                  <a:schemeClr val="accent1"/>
+                </a:fillRef>
+                <a:effectRef idx="0">
+                  <a:schemeClr val="accent1"/>
+                </a:effectRef>
+                <a:fontRef idx="minor">
+                  <a:schemeClr val="tx1"/>
+                </a:fontRef>
+              </p:style>
+              <p:txBody>
+                <a:bodyPr rtlCol="0" anchor="ctr"/>
+                <a:lstStyle/>
+                <a:p>
+                  <a:pPr algn="ctr"/>
+                  <a:endParaRPr lang="ko-KR" altLang="en-US" dirty="0"/>
+                </a:p>
+              </p:txBody>
+            </p:sp>
+            <p:sp>
+              <p:nvSpPr>
+                <p:cNvPr id="109" name="타원 108">
+                  <a:extLst>
+                    <a:ext uri="{FF2B5EF4-FFF2-40B4-BE49-F238E27FC236}">
+                      <a16:creationId xmlns:a16="http://schemas.microsoft.com/office/drawing/2014/main" id="{F8C1E640-5D28-744D-5CC8-9C234E6520EB}"/>
+                    </a:ext>
+                  </a:extLst>
+                </p:cNvPr>
+                <p:cNvSpPr/>
+                <p:nvPr/>
+              </p:nvSpPr>
+              <p:spPr>
+                <a:xfrm>
+                  <a:off x="800199" y="5463489"/>
+                  <a:ext cx="29629" cy="29629"/>
+                </a:xfrm>
+                <a:prstGeom prst="ellipse">
+                  <a:avLst/>
+                </a:prstGeom>
+                <a:solidFill>
+                  <a:schemeClr val="bg1"/>
+                </a:solidFill>
+                <a:ln>
+                  <a:noFill/>
+                  <a:headEnd type="none" w="med" len="med"/>
+                  <a:tailEnd type="arrow" w="med" len="med"/>
+                </a:ln>
+                <a:effectLst>
+                  <a:glow rad="101600">
+                    <a:srgbClr val="FF0066">
+                      <a:alpha val="40000"/>
+                    </a:srgbClr>
+                  </a:glow>
+                </a:effectLst>
+              </p:spPr>
+              <p:style>
+                <a:lnRef idx="1">
+                  <a:schemeClr val="accent1"/>
+                </a:lnRef>
+                <a:fillRef idx="0">
+                  <a:schemeClr val="accent1"/>
+                </a:fillRef>
+                <a:effectRef idx="0">
+                  <a:schemeClr val="accent1"/>
+                </a:effectRef>
+                <a:fontRef idx="minor">
+                  <a:schemeClr val="tx1"/>
+                </a:fontRef>
+              </p:style>
+              <p:txBody>
+                <a:bodyPr rtlCol="0" anchor="ctr"/>
+                <a:lstStyle/>
+                <a:p>
+                  <a:pPr algn="ctr"/>
+                  <a:endParaRPr lang="ko-KR" altLang="en-US" dirty="0"/>
+                </a:p>
+              </p:txBody>
+            </p:sp>
+            <p:sp>
+              <p:nvSpPr>
+                <p:cNvPr id="110" name="타원 109">
+                  <a:extLst>
+                    <a:ext uri="{FF2B5EF4-FFF2-40B4-BE49-F238E27FC236}">
+                      <a16:creationId xmlns:a16="http://schemas.microsoft.com/office/drawing/2014/main" id="{78F84D2D-B7C3-2F38-F579-D98953ACB3B9}"/>
+                    </a:ext>
+                  </a:extLst>
+                </p:cNvPr>
+                <p:cNvSpPr/>
+                <p:nvPr/>
+              </p:nvSpPr>
+              <p:spPr>
+                <a:xfrm>
+                  <a:off x="800199" y="5375004"/>
+                  <a:ext cx="29629" cy="29629"/>
+                </a:xfrm>
+                <a:prstGeom prst="ellipse">
+                  <a:avLst/>
+                </a:prstGeom>
+                <a:solidFill>
+                  <a:schemeClr val="bg1"/>
+                </a:solidFill>
+                <a:ln>
+                  <a:noFill/>
+                  <a:headEnd type="none" w="med" len="med"/>
+                  <a:tailEnd type="arrow" w="med" len="med"/>
+                </a:ln>
+                <a:effectLst>
+                  <a:glow rad="101600">
+                    <a:srgbClr val="FF0066">
+                      <a:alpha val="40000"/>
+                    </a:srgbClr>
+                  </a:glow>
+                </a:effectLst>
+              </p:spPr>
+              <p:style>
+                <a:lnRef idx="1">
+                  <a:schemeClr val="accent1"/>
+                </a:lnRef>
+                <a:fillRef idx="0">
+                  <a:schemeClr val="accent1"/>
+                </a:fillRef>
+                <a:effectRef idx="0">
+                  <a:schemeClr val="accent1"/>
+                </a:effectRef>
+                <a:fontRef idx="minor">
+                  <a:schemeClr val="tx1"/>
+                </a:fontRef>
+              </p:style>
+              <p:txBody>
+                <a:bodyPr rtlCol="0" anchor="ctr"/>
+                <a:lstStyle/>
+                <a:p>
+                  <a:pPr algn="ctr"/>
+                  <a:endParaRPr lang="ko-KR" altLang="en-US" dirty="0"/>
+                </a:p>
+              </p:txBody>
+            </p:sp>
+            <p:sp>
+              <p:nvSpPr>
+                <p:cNvPr id="111" name="타원 110">
+                  <a:extLst>
+                    <a:ext uri="{FF2B5EF4-FFF2-40B4-BE49-F238E27FC236}">
+                      <a16:creationId xmlns:a16="http://schemas.microsoft.com/office/drawing/2014/main" id="{D4B0D87F-5FFA-2235-AA0F-0CC3E9A1C5E3}"/>
+                    </a:ext>
+                  </a:extLst>
+                </p:cNvPr>
+                <p:cNvSpPr/>
+                <p:nvPr/>
+              </p:nvSpPr>
+              <p:spPr>
+                <a:xfrm>
+                  <a:off x="800199" y="5279815"/>
+                  <a:ext cx="29629" cy="29629"/>
+                </a:xfrm>
+                <a:prstGeom prst="ellipse">
+                  <a:avLst/>
+                </a:prstGeom>
+                <a:solidFill>
+                  <a:schemeClr val="bg1"/>
+                </a:solidFill>
+                <a:ln>
+                  <a:noFill/>
+                  <a:headEnd type="none" w="med" len="med"/>
+                  <a:tailEnd type="arrow" w="med" len="med"/>
+                </a:ln>
+                <a:effectLst>
+                  <a:glow rad="101600">
+                    <a:srgbClr val="FF0066">
+                      <a:alpha val="40000"/>
+                    </a:srgbClr>
+                  </a:glow>
+                </a:effectLst>
+              </p:spPr>
+              <p:style>
+                <a:lnRef idx="1">
+                  <a:schemeClr val="accent1"/>
+                </a:lnRef>
+                <a:fillRef idx="0">
+                  <a:schemeClr val="accent1"/>
+                </a:fillRef>
+                <a:effectRef idx="0">
+                  <a:schemeClr val="accent1"/>
+                </a:effectRef>
+                <a:fontRef idx="minor">
+                  <a:schemeClr val="tx1"/>
+                </a:fontRef>
+              </p:style>
+              <p:txBody>
+                <a:bodyPr rtlCol="0" anchor="ctr"/>
+                <a:lstStyle/>
+                <a:p>
+                  <a:pPr algn="ctr"/>
+                  <a:endParaRPr lang="ko-KR" altLang="en-US" dirty="0"/>
+                </a:p>
+              </p:txBody>
+            </p:sp>
+            <p:sp>
+              <p:nvSpPr>
+                <p:cNvPr id="112" name="타원 111">
+                  <a:extLst>
+                    <a:ext uri="{FF2B5EF4-FFF2-40B4-BE49-F238E27FC236}">
+                      <a16:creationId xmlns:a16="http://schemas.microsoft.com/office/drawing/2014/main" id="{52849CA3-C036-207A-324F-514E73700367}"/>
+                    </a:ext>
+                  </a:extLst>
+                </p:cNvPr>
+                <p:cNvSpPr/>
+                <p:nvPr/>
+              </p:nvSpPr>
+              <p:spPr>
+                <a:xfrm>
+                  <a:off x="800199" y="5809554"/>
+                  <a:ext cx="29629" cy="29629"/>
+                </a:xfrm>
+                <a:prstGeom prst="ellipse">
+                  <a:avLst/>
+                </a:prstGeom>
+                <a:solidFill>
+                  <a:schemeClr val="bg1"/>
+                </a:solidFill>
+                <a:ln>
+                  <a:noFill/>
+                  <a:headEnd type="none" w="med" len="med"/>
+                  <a:tailEnd type="arrow" w="med" len="med"/>
+                </a:ln>
+                <a:effectLst>
+                  <a:glow rad="101600">
+                    <a:srgbClr val="FF0066">
+                      <a:alpha val="40000"/>
+                    </a:srgbClr>
+                  </a:glow>
+                </a:effectLst>
+              </p:spPr>
+              <p:style>
+                <a:lnRef idx="1">
+                  <a:schemeClr val="accent1"/>
+                </a:lnRef>
+                <a:fillRef idx="0">
+                  <a:schemeClr val="accent1"/>
+                </a:fillRef>
+                <a:effectRef idx="0">
+                  <a:schemeClr val="accent1"/>
+                </a:effectRef>
+                <a:fontRef idx="minor">
+                  <a:schemeClr val="tx1"/>
+                </a:fontRef>
+              </p:style>
+              <p:txBody>
+                <a:bodyPr rtlCol="0" anchor="ctr"/>
+                <a:lstStyle/>
+                <a:p>
+                  <a:pPr algn="ctr"/>
+                  <a:endParaRPr lang="ko-KR" altLang="en-US" dirty="0"/>
+                </a:p>
+              </p:txBody>
+            </p:sp>
+            <p:sp>
+              <p:nvSpPr>
+                <p:cNvPr id="113" name="타원 112">
+                  <a:extLst>
+                    <a:ext uri="{FF2B5EF4-FFF2-40B4-BE49-F238E27FC236}">
+                      <a16:creationId xmlns:a16="http://schemas.microsoft.com/office/drawing/2014/main" id="{A24F82BD-F707-5A42-AE35-53039D51507D}"/>
+                    </a:ext>
+                  </a:extLst>
+                </p:cNvPr>
+                <p:cNvSpPr/>
+                <p:nvPr/>
+              </p:nvSpPr>
+              <p:spPr>
+                <a:xfrm>
+                  <a:off x="800199" y="5721068"/>
+                  <a:ext cx="29629" cy="29629"/>
+                </a:xfrm>
+                <a:prstGeom prst="ellipse">
+                  <a:avLst/>
+                </a:prstGeom>
+                <a:solidFill>
+                  <a:schemeClr val="bg1"/>
+                </a:solidFill>
+                <a:ln>
+                  <a:noFill/>
+                  <a:headEnd type="none" w="med" len="med"/>
+                  <a:tailEnd type="arrow" w="med" len="med"/>
+                </a:ln>
+                <a:effectLst>
+                  <a:glow rad="101600">
+                    <a:srgbClr val="FF0066">
+                      <a:alpha val="40000"/>
+                    </a:srgbClr>
+                  </a:glow>
+                </a:effectLst>
+              </p:spPr>
+              <p:style>
+                <a:lnRef idx="1">
+                  <a:schemeClr val="accent1"/>
+                </a:lnRef>
+                <a:fillRef idx="0">
+                  <a:schemeClr val="accent1"/>
+                </a:fillRef>
+                <a:effectRef idx="0">
+                  <a:schemeClr val="accent1"/>
+                </a:effectRef>
+                <a:fontRef idx="minor">
+                  <a:schemeClr val="tx1"/>
+                </a:fontRef>
+              </p:style>
+              <p:txBody>
+                <a:bodyPr rtlCol="0" anchor="ctr"/>
+                <a:lstStyle/>
+                <a:p>
+                  <a:pPr algn="ctr"/>
+                  <a:endParaRPr lang="ko-KR" altLang="en-US" dirty="0"/>
+                </a:p>
+              </p:txBody>
+            </p:sp>
+            <p:sp>
+              <p:nvSpPr>
+                <p:cNvPr id="121" name="타원 120">
+                  <a:extLst>
+                    <a:ext uri="{FF2B5EF4-FFF2-40B4-BE49-F238E27FC236}">
+                      <a16:creationId xmlns:a16="http://schemas.microsoft.com/office/drawing/2014/main" id="{CCB3DEE4-D6AC-AE48-2E13-09AE0D70D509}"/>
+                    </a:ext>
+                  </a:extLst>
+                </p:cNvPr>
+                <p:cNvSpPr/>
+                <p:nvPr/>
+              </p:nvSpPr>
+              <p:spPr>
+                <a:xfrm>
+                  <a:off x="800199" y="6011154"/>
+                  <a:ext cx="29629" cy="29629"/>
+                </a:xfrm>
+                <a:prstGeom prst="ellipse">
+                  <a:avLst/>
+                </a:prstGeom>
+                <a:solidFill>
+                  <a:schemeClr val="bg1"/>
+                </a:solidFill>
+                <a:ln>
+                  <a:noFill/>
+                  <a:headEnd type="none" w="med" len="med"/>
+                  <a:tailEnd type="arrow" w="med" len="med"/>
+                </a:ln>
+                <a:effectLst>
+                  <a:glow rad="101600">
+                    <a:srgbClr val="FF0066">
+                      <a:alpha val="40000"/>
+                    </a:srgbClr>
+                  </a:glow>
+                </a:effectLst>
+              </p:spPr>
+              <p:style>
+                <a:lnRef idx="1">
+                  <a:schemeClr val="accent1"/>
+                </a:lnRef>
+                <a:fillRef idx="0">
+                  <a:schemeClr val="accent1"/>
+                </a:fillRef>
+                <a:effectRef idx="0">
+                  <a:schemeClr val="accent1"/>
+                </a:effectRef>
+                <a:fontRef idx="minor">
+                  <a:schemeClr val="tx1"/>
+                </a:fontRef>
+              </p:style>
+              <p:txBody>
+                <a:bodyPr rtlCol="0" anchor="ctr"/>
+                <a:lstStyle/>
+                <a:p>
+                  <a:pPr algn="ctr"/>
+                  <a:endParaRPr lang="ko-KR" altLang="en-US" dirty="0"/>
+                </a:p>
+              </p:txBody>
+            </p:sp>
+            <p:sp>
+              <p:nvSpPr>
+                <p:cNvPr id="123" name="타원 122">
+                  <a:extLst>
+                    <a:ext uri="{FF2B5EF4-FFF2-40B4-BE49-F238E27FC236}">
+                      <a16:creationId xmlns:a16="http://schemas.microsoft.com/office/drawing/2014/main" id="{E1A9938F-107E-C2B6-5D2E-BE12970062F5}"/>
+                    </a:ext>
+                  </a:extLst>
+                </p:cNvPr>
+                <p:cNvSpPr/>
+                <p:nvPr/>
+              </p:nvSpPr>
+              <p:spPr>
+                <a:xfrm>
+                  <a:off x="800199" y="5915965"/>
+                  <a:ext cx="29629" cy="29629"/>
+                </a:xfrm>
+                <a:prstGeom prst="ellipse">
+                  <a:avLst/>
+                </a:prstGeom>
+                <a:solidFill>
+                  <a:schemeClr val="bg1"/>
+                </a:solidFill>
+                <a:ln>
+                  <a:noFill/>
+                  <a:headEnd type="none" w="med" len="med"/>
+                  <a:tailEnd type="arrow" w="med" len="med"/>
+                </a:ln>
+                <a:effectLst>
+                  <a:glow rad="101600">
+                    <a:srgbClr val="FF0066">
+                      <a:alpha val="40000"/>
+                    </a:srgbClr>
+                  </a:glow>
+                </a:effectLst>
+              </p:spPr>
+              <p:style>
+                <a:lnRef idx="1">
+                  <a:schemeClr val="accent1"/>
+                </a:lnRef>
+                <a:fillRef idx="0">
+                  <a:schemeClr val="accent1"/>
+                </a:fillRef>
+                <a:effectRef idx="0">
+                  <a:schemeClr val="accent1"/>
+                </a:effectRef>
+                <a:fontRef idx="minor">
+                  <a:schemeClr val="tx1"/>
+                </a:fontRef>
+              </p:style>
+              <p:txBody>
+                <a:bodyPr rtlCol="0" anchor="ctr"/>
+                <a:lstStyle/>
+                <a:p>
+                  <a:pPr algn="ctr"/>
+                  <a:endParaRPr lang="ko-KR" altLang="en-US" dirty="0"/>
+                </a:p>
+              </p:txBody>
+            </p:sp>
+            <p:sp>
+              <p:nvSpPr>
+                <p:cNvPr id="129" name="타원 128">
+                  <a:extLst>
+                    <a:ext uri="{FF2B5EF4-FFF2-40B4-BE49-F238E27FC236}">
+                      <a16:creationId xmlns:a16="http://schemas.microsoft.com/office/drawing/2014/main" id="{BA52F925-FFBA-BE20-047D-EAD3D9ECA1E8}"/>
+                    </a:ext>
+                  </a:extLst>
+                </p:cNvPr>
+                <p:cNvSpPr/>
+                <p:nvPr/>
+              </p:nvSpPr>
+              <p:spPr>
+                <a:xfrm>
+                  <a:off x="800199" y="4990317"/>
+                  <a:ext cx="29629" cy="29629"/>
+                </a:xfrm>
+                <a:prstGeom prst="ellipse">
+                  <a:avLst/>
+                </a:prstGeom>
+                <a:solidFill>
+                  <a:schemeClr val="bg1"/>
+                </a:solidFill>
+                <a:ln>
+                  <a:noFill/>
+                  <a:headEnd type="none" w="med" len="med"/>
+                  <a:tailEnd type="arrow" w="med" len="med"/>
+                </a:ln>
+                <a:effectLst>
+                  <a:glow rad="101600">
+                    <a:srgbClr val="FF0066">
+                      <a:alpha val="40000"/>
+                    </a:srgbClr>
+                  </a:glow>
+                </a:effectLst>
+              </p:spPr>
+              <p:style>
+                <a:lnRef idx="1">
+                  <a:schemeClr val="accent1"/>
+                </a:lnRef>
+                <a:fillRef idx="0">
+                  <a:schemeClr val="accent1"/>
+                </a:fillRef>
+                <a:effectRef idx="0">
+                  <a:schemeClr val="accent1"/>
+                </a:effectRef>
+                <a:fontRef idx="minor">
+                  <a:schemeClr val="tx1"/>
+                </a:fontRef>
+              </p:style>
+              <p:txBody>
+                <a:bodyPr rtlCol="0" anchor="ctr"/>
+                <a:lstStyle/>
+                <a:p>
+                  <a:pPr algn="ctr"/>
+                  <a:endParaRPr lang="ko-KR" altLang="en-US" dirty="0"/>
+                </a:p>
+              </p:txBody>
+            </p:sp>
+            <p:sp>
+              <p:nvSpPr>
+                <p:cNvPr id="130" name="타원 129">
+                  <a:extLst>
+                    <a:ext uri="{FF2B5EF4-FFF2-40B4-BE49-F238E27FC236}">
+                      <a16:creationId xmlns:a16="http://schemas.microsoft.com/office/drawing/2014/main" id="{BAE79D22-B01A-74F4-E860-59C5863CE7ED}"/>
+                    </a:ext>
+                  </a:extLst>
+                </p:cNvPr>
+                <p:cNvSpPr/>
+                <p:nvPr/>
+              </p:nvSpPr>
+              <p:spPr>
+                <a:xfrm>
+                  <a:off x="800199" y="4901832"/>
+                  <a:ext cx="29629" cy="29629"/>
+                </a:xfrm>
+                <a:prstGeom prst="ellipse">
+                  <a:avLst/>
+                </a:prstGeom>
+                <a:solidFill>
+                  <a:schemeClr val="bg1"/>
+                </a:solidFill>
+                <a:ln>
+                  <a:noFill/>
+                  <a:headEnd type="none" w="med" len="med"/>
+                  <a:tailEnd type="arrow" w="med" len="med"/>
+                </a:ln>
+                <a:effectLst>
+                  <a:glow rad="101600">
+                    <a:srgbClr val="FF0066">
+                      <a:alpha val="40000"/>
+                    </a:srgbClr>
+                  </a:glow>
+                </a:effectLst>
+              </p:spPr>
+              <p:style>
+                <a:lnRef idx="1">
+                  <a:schemeClr val="accent1"/>
+                </a:lnRef>
+                <a:fillRef idx="0">
+                  <a:schemeClr val="accent1"/>
+                </a:fillRef>
+                <a:effectRef idx="0">
+                  <a:schemeClr val="accent1"/>
+                </a:effectRef>
+                <a:fontRef idx="minor">
+                  <a:schemeClr val="tx1"/>
+                </a:fontRef>
+              </p:style>
+              <p:txBody>
+                <a:bodyPr rtlCol="0" anchor="ctr"/>
+                <a:lstStyle/>
+                <a:p>
+                  <a:pPr algn="ctr"/>
+                  <a:endParaRPr lang="ko-KR" altLang="en-US" dirty="0"/>
+                </a:p>
+              </p:txBody>
+            </p:sp>
+            <p:sp>
+              <p:nvSpPr>
+                <p:cNvPr id="131" name="타원 130">
+                  <a:extLst>
+                    <a:ext uri="{FF2B5EF4-FFF2-40B4-BE49-F238E27FC236}">
+                      <a16:creationId xmlns:a16="http://schemas.microsoft.com/office/drawing/2014/main" id="{41B80C31-9F14-022D-224F-8D3CEA7D206D}"/>
+                    </a:ext>
+                  </a:extLst>
+                </p:cNvPr>
+                <p:cNvSpPr/>
+                <p:nvPr/>
+              </p:nvSpPr>
+              <p:spPr>
+                <a:xfrm>
+                  <a:off x="800199" y="4820680"/>
+                  <a:ext cx="29629" cy="29629"/>
+                </a:xfrm>
+                <a:prstGeom prst="ellipse">
+                  <a:avLst/>
+                </a:prstGeom>
+                <a:solidFill>
+                  <a:schemeClr val="bg1"/>
+                </a:solidFill>
+                <a:ln>
+                  <a:noFill/>
+                  <a:headEnd type="none" w="med" len="med"/>
+                  <a:tailEnd type="arrow" w="med" len="med"/>
+                </a:ln>
+                <a:effectLst>
+                  <a:glow rad="101600">
+                    <a:srgbClr val="FF0066">
+                      <a:alpha val="40000"/>
+                    </a:srgbClr>
+                  </a:glow>
+                </a:effectLst>
+              </p:spPr>
+              <p:style>
+                <a:lnRef idx="1">
+                  <a:schemeClr val="accent1"/>
+                </a:lnRef>
+                <a:fillRef idx="0">
+                  <a:schemeClr val="accent1"/>
+                </a:fillRef>
+                <a:effectRef idx="0">
+                  <a:schemeClr val="accent1"/>
+                </a:effectRef>
+                <a:fontRef idx="minor">
+                  <a:schemeClr val="tx1"/>
+                </a:fontRef>
+              </p:style>
+              <p:txBody>
+                <a:bodyPr rtlCol="0" anchor="ctr"/>
+                <a:lstStyle/>
+                <a:p>
+                  <a:pPr algn="ctr"/>
+                  <a:endParaRPr lang="ko-KR" altLang="en-US" dirty="0"/>
+                </a:p>
+              </p:txBody>
+            </p:sp>
+            <p:sp>
+              <p:nvSpPr>
+                <p:cNvPr id="132" name="타원 131">
+                  <a:extLst>
+                    <a:ext uri="{FF2B5EF4-FFF2-40B4-BE49-F238E27FC236}">
+                      <a16:creationId xmlns:a16="http://schemas.microsoft.com/office/drawing/2014/main" id="{268CBC6A-4968-2435-D056-715CE88BA4B4}"/>
+                    </a:ext>
+                  </a:extLst>
+                </p:cNvPr>
+                <p:cNvSpPr/>
+                <p:nvPr/>
+              </p:nvSpPr>
+              <p:spPr>
+                <a:xfrm>
+                  <a:off x="800199" y="4732194"/>
+                  <a:ext cx="29629" cy="29629"/>
+                </a:xfrm>
+                <a:prstGeom prst="ellipse">
+                  <a:avLst/>
+                </a:prstGeom>
+                <a:solidFill>
+                  <a:schemeClr val="bg1"/>
+                </a:solidFill>
+                <a:ln>
+                  <a:noFill/>
+                  <a:headEnd type="none" w="med" len="med"/>
+                  <a:tailEnd type="arrow" w="med" len="med"/>
+                </a:ln>
+                <a:effectLst>
+                  <a:glow rad="101600">
+                    <a:srgbClr val="FF0066">
+                      <a:alpha val="40000"/>
+                    </a:srgbClr>
+                  </a:glow>
+                </a:effectLst>
+              </p:spPr>
+              <p:style>
+                <a:lnRef idx="1">
+                  <a:schemeClr val="accent1"/>
+                </a:lnRef>
+                <a:fillRef idx="0">
+                  <a:schemeClr val="accent1"/>
+                </a:fillRef>
+                <a:effectRef idx="0">
+                  <a:schemeClr val="accent1"/>
+                </a:effectRef>
+                <a:fontRef idx="minor">
+                  <a:schemeClr val="tx1"/>
+                </a:fontRef>
+              </p:style>
+              <p:txBody>
+                <a:bodyPr rtlCol="0" anchor="ctr"/>
+                <a:lstStyle/>
+                <a:p>
+                  <a:pPr algn="ctr"/>
+                  <a:endParaRPr lang="ko-KR" altLang="en-US" dirty="0"/>
+                </a:p>
+              </p:txBody>
+            </p:sp>
+            <p:sp>
+              <p:nvSpPr>
+                <p:cNvPr id="133" name="타원 132">
+                  <a:extLst>
+                    <a:ext uri="{FF2B5EF4-FFF2-40B4-BE49-F238E27FC236}">
+                      <a16:creationId xmlns:a16="http://schemas.microsoft.com/office/drawing/2014/main" id="{4BCF427F-B55F-04EC-6C55-6449B79CF804}"/>
+                    </a:ext>
+                  </a:extLst>
+                </p:cNvPr>
+                <p:cNvSpPr/>
+                <p:nvPr/>
+              </p:nvSpPr>
+              <p:spPr>
+                <a:xfrm>
+                  <a:off x="800199" y="4637005"/>
+                  <a:ext cx="29629" cy="29629"/>
+                </a:xfrm>
+                <a:prstGeom prst="ellipse">
+                  <a:avLst/>
+                </a:prstGeom>
+                <a:solidFill>
+                  <a:schemeClr val="bg1"/>
+                </a:solidFill>
+                <a:ln>
+                  <a:noFill/>
+                  <a:headEnd type="none" w="med" len="med"/>
+                  <a:tailEnd type="arrow" w="med" len="med"/>
+                </a:ln>
+                <a:effectLst>
+                  <a:glow rad="101600">
+                    <a:srgbClr val="FF0066">
+                      <a:alpha val="40000"/>
+                    </a:srgbClr>
+                  </a:glow>
+                </a:effectLst>
+              </p:spPr>
+              <p:style>
+                <a:lnRef idx="1">
+                  <a:schemeClr val="accent1"/>
+                </a:lnRef>
+                <a:fillRef idx="0">
+                  <a:schemeClr val="accent1"/>
+                </a:fillRef>
+                <a:effectRef idx="0">
+                  <a:schemeClr val="accent1"/>
+                </a:effectRef>
+                <a:fontRef idx="minor">
+                  <a:schemeClr val="tx1"/>
+                </a:fontRef>
+              </p:style>
+              <p:txBody>
+                <a:bodyPr rtlCol="0" anchor="ctr"/>
+                <a:lstStyle/>
+                <a:p>
+                  <a:pPr algn="ctr"/>
+                  <a:endParaRPr lang="ko-KR" altLang="en-US" dirty="0"/>
+                </a:p>
+              </p:txBody>
+            </p:sp>
+            <p:sp>
+              <p:nvSpPr>
+                <p:cNvPr id="134" name="타원 133">
+                  <a:extLst>
+                    <a:ext uri="{FF2B5EF4-FFF2-40B4-BE49-F238E27FC236}">
+                      <a16:creationId xmlns:a16="http://schemas.microsoft.com/office/drawing/2014/main" id="{1F666F23-DE2E-A156-C7D8-C76B2EDF33B1}"/>
+                    </a:ext>
+                  </a:extLst>
+                </p:cNvPr>
+                <p:cNvSpPr/>
+                <p:nvPr/>
+              </p:nvSpPr>
+              <p:spPr>
+                <a:xfrm>
+                  <a:off x="800199" y="5166744"/>
+                  <a:ext cx="29629" cy="29629"/>
+                </a:xfrm>
+                <a:prstGeom prst="ellipse">
+                  <a:avLst/>
+                </a:prstGeom>
+                <a:solidFill>
+                  <a:schemeClr val="bg1"/>
+                </a:solidFill>
+                <a:ln>
+                  <a:noFill/>
+                  <a:headEnd type="none" w="med" len="med"/>
+                  <a:tailEnd type="arrow" w="med" len="med"/>
+                </a:ln>
+                <a:effectLst>
+                  <a:glow rad="101600">
+                    <a:srgbClr val="FF0066">
+                      <a:alpha val="40000"/>
+                    </a:srgbClr>
+                  </a:glow>
+                </a:effectLst>
+              </p:spPr>
+              <p:style>
+                <a:lnRef idx="1">
+                  <a:schemeClr val="accent1"/>
+                </a:lnRef>
+                <a:fillRef idx="0">
+                  <a:schemeClr val="accent1"/>
+                </a:fillRef>
+                <a:effectRef idx="0">
+                  <a:schemeClr val="accent1"/>
+                </a:effectRef>
+                <a:fontRef idx="minor">
+                  <a:schemeClr val="tx1"/>
+                </a:fontRef>
+              </p:style>
+              <p:txBody>
+                <a:bodyPr rtlCol="0" anchor="ctr"/>
+                <a:lstStyle/>
+                <a:p>
+                  <a:pPr algn="ctr"/>
+                  <a:endParaRPr lang="ko-KR" altLang="en-US" dirty="0"/>
+                </a:p>
+              </p:txBody>
+            </p:sp>
+            <p:sp>
+              <p:nvSpPr>
+                <p:cNvPr id="135" name="타원 134">
+                  <a:extLst>
+                    <a:ext uri="{FF2B5EF4-FFF2-40B4-BE49-F238E27FC236}">
+                      <a16:creationId xmlns:a16="http://schemas.microsoft.com/office/drawing/2014/main" id="{632FEB88-4DC6-A841-63DB-3C7298CA50BF}"/>
+                    </a:ext>
+                  </a:extLst>
+                </p:cNvPr>
+                <p:cNvSpPr/>
+                <p:nvPr/>
+              </p:nvSpPr>
+              <p:spPr>
+                <a:xfrm>
+                  <a:off x="800199" y="5078259"/>
+                  <a:ext cx="29629" cy="29629"/>
+                </a:xfrm>
+                <a:prstGeom prst="ellipse">
+                  <a:avLst/>
+                </a:prstGeom>
+                <a:solidFill>
+                  <a:schemeClr val="bg1"/>
+                </a:solidFill>
+                <a:ln>
+                  <a:noFill/>
+                  <a:headEnd type="none" w="med" len="med"/>
+                  <a:tailEnd type="arrow" w="med" len="med"/>
+                </a:ln>
+                <a:effectLst>
+                  <a:glow rad="101600">
+                    <a:srgbClr val="FF0066">
+                      <a:alpha val="40000"/>
+                    </a:srgbClr>
+                  </a:glow>
+                </a:effectLst>
+              </p:spPr>
+              <p:style>
+                <a:lnRef idx="1">
+                  <a:schemeClr val="accent1"/>
+                </a:lnRef>
+                <a:fillRef idx="0">
+                  <a:schemeClr val="accent1"/>
+                </a:fillRef>
+                <a:effectRef idx="0">
+                  <a:schemeClr val="accent1"/>
+                </a:effectRef>
+                <a:fontRef idx="minor">
+                  <a:schemeClr val="tx1"/>
+                </a:fontRef>
+              </p:style>
+              <p:txBody>
+                <a:bodyPr rtlCol="0" anchor="ctr"/>
+                <a:lstStyle/>
+                <a:p>
+                  <a:pPr algn="ctr"/>
+                  <a:endParaRPr lang="ko-KR" altLang="en-US" dirty="0"/>
+                </a:p>
+              </p:txBody>
+            </p:sp>
+          </p:grpSp>
+        </p:grpSp>
+      </p:grpSp>
+    </p:spTree>
+    <p:extLst>
+      <p:ext uri="{BB962C8B-B14F-4D97-AF65-F5344CB8AC3E}">
+        <p14:creationId xmlns:p14="http://schemas.microsoft.com/office/powerpoint/2010/main" val="3605960244"/>
       </p:ext>
     </p:extLst>
   </p:cSld>
@@ -39981,7 +49734,7 @@
         </p:nvSpPr>
         <p:spPr>
           <a:xfrm>
-            <a:off x="5504012" y="5747529"/>
+            <a:off x="5504012" y="5949463"/>
             <a:ext cx="123497" cy="123497"/>
           </a:xfrm>
           <a:prstGeom prst="rect">
@@ -48313,8 +58066,8 @@
         </p:nvSpPr>
         <p:spPr>
           <a:xfrm>
-            <a:off x="6680034" y="6227831"/>
-            <a:ext cx="532641" cy="246230"/>
+            <a:off x="6399370" y="6227831"/>
+            <a:ext cx="813306" cy="276999"/>
           </a:xfrm>
           <a:prstGeom prst="rect">
             <a:avLst/>
@@ -48336,7 +58089,7 @@
                   </a:schemeClr>
                 </a:solidFill>
               </a:rPr>
-              <a:t>0m</a:t>
+              <a:t>12.5m</a:t>
             </a:r>
             <a:endParaRPr lang="ko-KR" altLang="en-US" sz="1200" dirty="0">
               <a:solidFill>
@@ -48363,7 +58116,7 @@
         <p:spPr>
           <a:xfrm>
             <a:off x="7071305" y="6227831"/>
-            <a:ext cx="532641" cy="246230"/>
+            <a:ext cx="785785" cy="276999"/>
           </a:xfrm>
           <a:prstGeom prst="rect">
             <a:avLst/>
@@ -48385,7 +58138,7 @@
                   </a:schemeClr>
                 </a:solidFill>
               </a:rPr>
-              <a:t>0m</a:t>
+              <a:t>15.5m</a:t>
             </a:r>
             <a:endParaRPr lang="ko-KR" altLang="en-US" sz="1200" dirty="0">
               <a:solidFill>
@@ -48699,7 +58452,7 @@
         </p:nvSpPr>
         <p:spPr>
           <a:xfrm>
-            <a:off x="7066482" y="5747529"/>
+            <a:off x="7066482" y="5952336"/>
             <a:ext cx="123497" cy="123497"/>
           </a:xfrm>
           <a:prstGeom prst="rect">
@@ -49054,13 +58807,14 @@
           </p:cNvPr>
           <p:cNvCxnSpPr>
             <a:cxnSpLocks/>
+            <a:endCxn id="213" idx="2"/>
           </p:cNvCxnSpPr>
           <p:nvPr/>
         </p:nvCxnSpPr>
         <p:spPr>
           <a:xfrm flipV="1">
-            <a:off x="7128230" y="5849762"/>
-            <a:ext cx="0" cy="538825"/>
+            <a:off x="7128230" y="6075833"/>
+            <a:ext cx="1" cy="312754"/>
           </a:xfrm>
           <a:prstGeom prst="line">
             <a:avLst/>
@@ -49127,7 +58881,7 @@
                   </a:schemeClr>
                 </a:solidFill>
               </a:rPr>
-              <a:t>0m</a:t>
+              <a:t>14m</a:t>
             </a:r>
             <a:endParaRPr lang="ko-KR" altLang="en-US" sz="1050" dirty="0">
               <a:solidFill>
@@ -49150,14 +58904,13 @@
           </p:cNvPr>
           <p:cNvCxnSpPr>
             <a:cxnSpLocks/>
-            <a:endCxn id="213" idx="1"/>
           </p:cNvCxnSpPr>
           <p:nvPr/>
         </p:nvCxnSpPr>
         <p:spPr>
           <a:xfrm>
-            <a:off x="2410207" y="5809277"/>
-            <a:ext cx="4656275" cy="1"/>
+            <a:off x="2410207" y="6075833"/>
+            <a:ext cx="2758178" cy="0"/>
           </a:xfrm>
           <a:prstGeom prst="line">
             <a:avLst/>
@@ -49201,7 +58954,7 @@
         </p:nvSpPr>
         <p:spPr>
           <a:xfrm>
-            <a:off x="1878189" y="5640959"/>
+            <a:off x="1878189" y="5907515"/>
             <a:ext cx="532641" cy="276999"/>
           </a:xfrm>
           <a:prstGeom prst="rect">
@@ -49682,6 +59435,102 @@
             <a:endParaRPr lang="ko-KR" altLang="en-US" sz="1050" dirty="0">
               <a:solidFill>
                 <a:srgbClr val="FF6699"/>
+              </a:solidFill>
+            </a:endParaRPr>
+          </a:p>
+        </p:txBody>
+      </p:sp>
+      <p:cxnSp>
+        <p:nvCxnSpPr>
+          <p:cNvPr id="102" name="직선 연결선 101">
+            <a:extLst>
+              <a:ext uri="{FF2B5EF4-FFF2-40B4-BE49-F238E27FC236}">
+                <a16:creationId xmlns:a16="http://schemas.microsoft.com/office/drawing/2014/main" id="{CCFA2F74-13EB-3374-0A7D-EC36E39CDF85}"/>
+              </a:ext>
+            </a:extLst>
+          </p:cNvPr>
+          <p:cNvCxnSpPr>
+            <a:cxnSpLocks/>
+          </p:cNvCxnSpPr>
+          <p:nvPr/>
+        </p:nvCxnSpPr>
+        <p:spPr>
+          <a:xfrm>
+            <a:off x="2672279" y="5961214"/>
+            <a:ext cx="4394203" cy="0"/>
+          </a:xfrm>
+          <a:prstGeom prst="line">
+            <a:avLst/>
+          </a:prstGeom>
+          <a:ln w="12700">
+            <a:solidFill>
+              <a:schemeClr val="tx1">
+                <a:lumMod val="50000"/>
+                <a:lumOff val="50000"/>
+              </a:schemeClr>
+            </a:solidFill>
+            <a:prstDash val="dash"/>
+          </a:ln>
+        </p:spPr>
+        <p:style>
+          <a:lnRef idx="1">
+            <a:schemeClr val="accent1"/>
+          </a:lnRef>
+          <a:fillRef idx="0">
+            <a:schemeClr val="accent1"/>
+          </a:fillRef>
+          <a:effectRef idx="0">
+            <a:schemeClr val="accent1"/>
+          </a:effectRef>
+          <a:fontRef idx="minor">
+            <a:schemeClr val="tx1"/>
+          </a:fontRef>
+        </p:style>
+      </p:cxnSp>
+      <p:sp>
+        <p:nvSpPr>
+          <p:cNvPr id="114" name="TextBox 113">
+            <a:extLst>
+              <a:ext uri="{FF2B5EF4-FFF2-40B4-BE49-F238E27FC236}">
+                <a16:creationId xmlns:a16="http://schemas.microsoft.com/office/drawing/2014/main" id="{CCC9B6D9-9E87-284F-03D5-A668D737F018}"/>
+              </a:ext>
+            </a:extLst>
+          </p:cNvPr>
+          <p:cNvSpPr txBox="1"/>
+          <p:nvPr/>
+        </p:nvSpPr>
+        <p:spPr>
+          <a:xfrm>
+            <a:off x="2215860" y="5824057"/>
+            <a:ext cx="532642" cy="253916"/>
+          </a:xfrm>
+          <a:prstGeom prst="rect">
+            <a:avLst/>
+          </a:prstGeom>
+          <a:noFill/>
+        </p:spPr>
+        <p:txBody>
+          <a:bodyPr wrap="square" rtlCol="0">
+            <a:spAutoFit/>
+          </a:bodyPr>
+          <a:lstStyle/>
+          <a:p>
+            <a:pPr algn="ctr"/>
+            <a:r>
+              <a:rPr lang="en-US" altLang="ko-KR" sz="1050" dirty="0">
+                <a:solidFill>
+                  <a:schemeClr val="bg1">
+                    <a:lumMod val="75000"/>
+                  </a:schemeClr>
+                </a:solidFill>
+              </a:rPr>
+              <a:t>21m</a:t>
+            </a:r>
+            <a:endParaRPr lang="ko-KR" altLang="en-US" sz="1050" dirty="0">
+              <a:solidFill>
+                <a:schemeClr val="bg1">
+                  <a:lumMod val="75000"/>
+                </a:schemeClr>
               </a:solidFill>
             </a:endParaRPr>
           </a:p>
